--- a/W3_16S_analysis.pptx
+++ b/W3_16S_analysis.pptx
@@ -12,8 +12,12 @@
     <p:sldId id="257" r:id="rId6"/>
     <p:sldId id="266" r:id="rId7"/>
     <p:sldId id="264" r:id="rId8"/>
-    <p:sldId id="258" r:id="rId9"/>
-    <p:sldId id="259" r:id="rId10"/>
+    <p:sldId id="269" r:id="rId9"/>
+    <p:sldId id="258" r:id="rId10"/>
+    <p:sldId id="268" r:id="rId11"/>
+    <p:sldId id="267" r:id="rId12"/>
+    <p:sldId id="270" r:id="rId13"/>
+    <p:sldId id="259" r:id="rId14"/>
   </p:sldIdLst>
   <p:sldSz cx="9144000" cy="6858000" type="screen4x3"/>
   <p:notesSz cx="6858000" cy="9144000"/>
@@ -121,14 +125,14 @@
             <p14:sldId id="265"/>
             <p14:sldId id="262"/>
             <p14:sldId id="263"/>
-          </p14:sldIdLst>
-        </p14:section>
-        <p14:section name="Untitled Section" id="{0D17ED15-C806-4ACA-83F7-C6A41DA92E76}">
-          <p14:sldIdLst>
             <p14:sldId id="257"/>
             <p14:sldId id="266"/>
             <p14:sldId id="264"/>
+            <p14:sldId id="269"/>
             <p14:sldId id="258"/>
+            <p14:sldId id="268"/>
+            <p14:sldId id="267"/>
+            <p14:sldId id="270"/>
             <p14:sldId id="259"/>
           </p14:sldIdLst>
         </p14:section>
@@ -460,11 +464,11 @@
         </c:dLbls>
         <c:marker val="1"/>
         <c:smooth val="0"/>
-        <c:axId val="134038272"/>
-        <c:axId val="134039808"/>
+        <c:axId val="89053056"/>
+        <c:axId val="99119104"/>
       </c:lineChart>
       <c:catAx>
-        <c:axId val="134038272"/>
+        <c:axId val="89053056"/>
         <c:scaling>
           <c:orientation val="minMax"/>
         </c:scaling>
@@ -484,7 +488,7 @@
             <a:endParaRPr lang="en-US"/>
           </a:p>
         </c:txPr>
-        <c:crossAx val="134039808"/>
+        <c:crossAx val="99119104"/>
         <c:crosses val="autoZero"/>
         <c:auto val="1"/>
         <c:lblAlgn val="ctr"/>
@@ -492,7 +496,7 @@
         <c:noMultiLvlLbl val="0"/>
       </c:catAx>
       <c:valAx>
-        <c:axId val="134039808"/>
+        <c:axId val="99119104"/>
         <c:scaling>
           <c:orientation val="minMax"/>
         </c:scaling>
@@ -523,7 +527,7 @@
         <c:majorTickMark val="none"/>
         <c:minorTickMark val="none"/>
         <c:tickLblPos val="nextTo"/>
-        <c:crossAx val="134038272"/>
+        <c:crossAx val="89053056"/>
         <c:crosses val="autoZero"/>
         <c:crossBetween val="between"/>
       </c:valAx>
@@ -4082,6 +4086,294 @@
 </p:sldLayout>
 </file>
 
+<file path=ppt/slideLayouts/slideLayout7.xml><?xml version="1.0" encoding="utf-8"?>
+<p:sldLayout xmlns:a="http://schemas.openxmlformats.org/drawingml/2006/main" xmlns:r="http://schemas.openxmlformats.org/officeDocument/2006/relationships" xmlns:p="http://schemas.openxmlformats.org/presentationml/2006/main">
+  <p:cSld name="1_Hipotesis">
+    <p:bg>
+      <p:bgRef idx="1001">
+        <a:schemeClr val="bg1"/>
+      </p:bgRef>
+    </p:bg>
+    <p:spTree>
+      <p:nvGrpSpPr>
+        <p:cNvPr id="1" name=""/>
+        <p:cNvGrpSpPr/>
+        <p:nvPr/>
+      </p:nvGrpSpPr>
+      <p:grpSpPr>
+        <a:xfrm>
+          <a:off x="0" y="0"/>
+          <a:ext cx="0" cy="0"/>
+          <a:chOff x="0" y="0"/>
+          <a:chExt cx="0" cy="0"/>
+        </a:xfrm>
+      </p:grpSpPr>
+      <p:sp>
+        <p:nvSpPr>
+          <p:cNvPr id="2" name="Title 1"/>
+          <p:cNvSpPr>
+            <a:spLocks noGrp="1"/>
+          </p:cNvSpPr>
+          <p:nvPr>
+            <p:ph type="title"/>
+          </p:nvPr>
+        </p:nvSpPr>
+        <p:spPr>
+          <a:xfrm>
+            <a:off x="1046879" y="350436"/>
+            <a:ext cx="7024744" cy="1143000"/>
+          </a:xfrm>
+        </p:spPr>
+        <p:txBody>
+          <a:bodyPr anchor="ctr">
+            <a:normAutofit/>
+          </a:bodyPr>
+          <a:lstStyle>
+            <a:lvl1pPr>
+              <a:defRPr sz="2900">
+                <a:effectLst>
+                  <a:outerShdw blurRad="38100" dist="38100" dir="2700000" algn="tl">
+                    <a:srgbClr val="000000">
+                      <a:alpha val="43137"/>
+                    </a:srgbClr>
+                  </a:outerShdw>
+                </a:effectLst>
+                <a:latin typeface="Century Gothic" panose="020B0502020202020204" pitchFamily="34" charset="0"/>
+              </a:defRPr>
+            </a:lvl1pPr>
+          </a:lstStyle>
+          <a:p>
+            <a:r>
+              <a:rPr lang="en-US" smtClean="0"/>
+              <a:t>Click to edit Master title style</a:t>
+            </a:r>
+            <a:endParaRPr lang="en-US" dirty="0"/>
+          </a:p>
+        </p:txBody>
+      </p:sp>
+      <p:sp>
+        <p:nvSpPr>
+          <p:cNvPr id="9" name="Content Placeholder 8"/>
+          <p:cNvSpPr>
+            <a:spLocks noGrp="1"/>
+          </p:cNvSpPr>
+          <p:nvPr>
+            <p:ph sz="quarter" idx="13"/>
+          </p:nvPr>
+        </p:nvSpPr>
+        <p:spPr>
+          <a:xfrm>
+            <a:off x="1042415" y="1752600"/>
+            <a:ext cx="7054704" cy="4510617"/>
+          </a:xfrm>
+        </p:spPr>
+        <p:txBody>
+          <a:bodyPr>
+            <a:normAutofit/>
+          </a:bodyPr>
+          <a:lstStyle>
+            <a:lvl1pPr>
+              <a:defRPr sz="2500">
+                <a:latin typeface="Century Gothic" panose="020B0502020202020204" pitchFamily="34" charset="0"/>
+              </a:defRPr>
+            </a:lvl1pPr>
+            <a:lvl2pPr>
+              <a:defRPr sz="2200">
+                <a:latin typeface="Century Gothic" panose="020B0502020202020204" pitchFamily="34" charset="0"/>
+              </a:defRPr>
+            </a:lvl2pPr>
+            <a:lvl3pPr>
+              <a:defRPr sz="1800">
+                <a:latin typeface="Century Gothic" panose="020B0502020202020204" pitchFamily="34" charset="0"/>
+              </a:defRPr>
+            </a:lvl3pPr>
+            <a:lvl4pPr>
+              <a:defRPr sz="1600">
+                <a:latin typeface="Century Gothic" panose="020B0502020202020204" pitchFamily="34" charset="0"/>
+              </a:defRPr>
+            </a:lvl4pPr>
+            <a:lvl5pPr>
+              <a:defRPr sz="1600">
+                <a:latin typeface="Century Gothic" panose="020B0502020202020204" pitchFamily="34" charset="0"/>
+              </a:defRPr>
+            </a:lvl5pPr>
+          </a:lstStyle>
+          <a:p>
+            <a:pPr lvl="0"/>
+            <a:r>
+              <a:rPr lang="en-US" smtClean="0"/>
+              <a:t>Click to edit Master text styles</a:t>
+            </a:r>
+          </a:p>
+          <a:p>
+            <a:pPr lvl="1"/>
+            <a:r>
+              <a:rPr lang="en-US" smtClean="0"/>
+              <a:t>Second level</a:t>
+            </a:r>
+          </a:p>
+          <a:p>
+            <a:pPr lvl="2"/>
+            <a:r>
+              <a:rPr lang="en-US" smtClean="0"/>
+              <a:t>Third level</a:t>
+            </a:r>
+          </a:p>
+          <a:p>
+            <a:pPr lvl="3"/>
+            <a:r>
+              <a:rPr lang="en-US" smtClean="0"/>
+              <a:t>Fourth level</a:t>
+            </a:r>
+          </a:p>
+          <a:p>
+            <a:pPr lvl="4"/>
+            <a:r>
+              <a:rPr lang="en-US" smtClean="0"/>
+              <a:t>Fifth level</a:t>
+            </a:r>
+            <a:endParaRPr lang="en-US" dirty="0"/>
+          </a:p>
+        </p:txBody>
+      </p:sp>
+      <p:sp>
+        <p:nvSpPr>
+          <p:cNvPr id="5" name="Rectangle 4"/>
+          <p:cNvSpPr/>
+          <p:nvPr/>
+        </p:nvSpPr>
+        <p:spPr>
+          <a:xfrm>
+            <a:off x="0" y="6539727"/>
+            <a:ext cx="9144000" cy="318273"/>
+          </a:xfrm>
+          <a:prstGeom prst="rect">
+            <a:avLst/>
+          </a:prstGeom>
+          <a:gradFill flip="none" rotWithShape="1">
+            <a:gsLst>
+              <a:gs pos="0">
+                <a:schemeClr val="accent1">
+                  <a:shade val="30000"/>
+                  <a:satMod val="115000"/>
+                </a:schemeClr>
+              </a:gs>
+              <a:gs pos="50000">
+                <a:schemeClr val="accent1">
+                  <a:shade val="67500"/>
+                  <a:satMod val="115000"/>
+                </a:schemeClr>
+              </a:gs>
+              <a:gs pos="100000">
+                <a:schemeClr val="accent1">
+                  <a:shade val="100000"/>
+                  <a:satMod val="115000"/>
+                </a:schemeClr>
+              </a:gs>
+            </a:gsLst>
+            <a:path path="circle">
+              <a:fillToRect l="50000" t="50000" r="50000" b="50000"/>
+            </a:path>
+            <a:tileRect/>
+          </a:gradFill>
+        </p:spPr>
+        <p:style>
+          <a:lnRef idx="2">
+            <a:schemeClr val="accent1">
+              <a:shade val="50000"/>
+            </a:schemeClr>
+          </a:lnRef>
+          <a:fillRef idx="1">
+            <a:schemeClr val="accent1"/>
+          </a:fillRef>
+          <a:effectRef idx="0">
+            <a:schemeClr val="accent1"/>
+          </a:effectRef>
+          <a:fontRef idx="minor">
+            <a:schemeClr val="lt1"/>
+          </a:fontRef>
+        </p:style>
+        <p:txBody>
+          <a:bodyPr lIns="82945" tIns="41473" rIns="82945" bIns="41473" rtlCol="0" anchor="ctr"/>
+          <a:lstStyle/>
+          <a:p>
+            <a:pPr algn="ctr"/>
+            <a:endParaRPr lang="en-US"/>
+          </a:p>
+        </p:txBody>
+      </p:sp>
+      <p:sp>
+        <p:nvSpPr>
+          <p:cNvPr id="13" name="Rectangle 12"/>
+          <p:cNvSpPr/>
+          <p:nvPr/>
+        </p:nvSpPr>
+        <p:spPr>
+          <a:xfrm>
+            <a:off x="0" y="0"/>
+            <a:ext cx="424800" cy="6885363"/>
+          </a:xfrm>
+          <a:prstGeom prst="rect">
+            <a:avLst/>
+          </a:prstGeom>
+          <a:solidFill>
+            <a:srgbClr val="FF9900"/>
+          </a:solidFill>
+          <a:ln>
+            <a:solidFill>
+              <a:srgbClr val="FFC000"/>
+            </a:solidFill>
+          </a:ln>
+        </p:spPr>
+        <p:style>
+          <a:lnRef idx="2">
+            <a:schemeClr val="accent1">
+              <a:shade val="50000"/>
+            </a:schemeClr>
+          </a:lnRef>
+          <a:fillRef idx="1">
+            <a:schemeClr val="accent1"/>
+          </a:fillRef>
+          <a:effectRef idx="0">
+            <a:schemeClr val="accent1"/>
+          </a:effectRef>
+          <a:fontRef idx="minor">
+            <a:schemeClr val="lt1"/>
+          </a:fontRef>
+        </p:style>
+        <p:txBody>
+          <a:bodyPr vert="vert270" lIns="82945" tIns="41473" rIns="82945" bIns="41473" rtlCol="0" anchor="ctr"/>
+          <a:lstStyle/>
+          <a:p>
+            <a:pPr algn="ctr"/>
+            <a:endParaRPr lang="en-US" dirty="0">
+              <a:solidFill>
+                <a:schemeClr val="tx1"/>
+              </a:solidFill>
+            </a:endParaRPr>
+          </a:p>
+        </p:txBody>
+      </p:sp>
+    </p:spTree>
+    <p:extLst>
+      <p:ext uri="{BB962C8B-B14F-4D97-AF65-F5344CB8AC3E}">
+        <p14:creationId xmlns:p14="http://schemas.microsoft.com/office/powerpoint/2010/main" val="2540805779"/>
+      </p:ext>
+    </p:extLst>
+  </p:cSld>
+  <p:clrMapOvr>
+    <a:overrideClrMapping bg1="lt1" tx1="dk1" bg2="lt2" tx2="dk2" accent1="accent1" accent2="accent2" accent3="accent3" accent4="accent4" accent5="accent5" accent6="accent6" hlink="hlink" folHlink="folHlink"/>
+  </p:clrMapOvr>
+  <p:timing>
+    <p:tnLst>
+      <p:par>
+        <p:cTn id="1" dur="indefinite" restart="never" nodeType="tmRoot"/>
+      </p:par>
+    </p:tnLst>
+  </p:timing>
+</p:sldLayout>
+</file>
+
 <file path=ppt/slideMasters/slideMaster1.xml><?xml version="1.0" encoding="utf-8"?>
 <p:sldMaster xmlns:a="http://schemas.openxmlformats.org/drawingml/2006/main" xmlns:r="http://schemas.openxmlformats.org/officeDocument/2006/relationships" xmlns:p="http://schemas.openxmlformats.org/presentationml/2006/main" preserve="1">
   <p:cSld>
@@ -4350,6 +4642,7 @@
     <p:sldLayoutId id="2147483664" r:id="rId4"/>
     <p:sldLayoutId id="2147483665" r:id="rId5"/>
     <p:sldLayoutId id="2147483666" r:id="rId6"/>
+    <p:sldLayoutId id="2147483667" r:id="rId7"/>
   </p:sldLayoutIdLst>
   <p:timing>
     <p:tnLst>
@@ -4736,6 +5029,3537 @@
 </p:sld>
 </file>
 
+<file path=ppt/slides/slide10.xml><?xml version="1.0" encoding="utf-8"?>
+<p:sld xmlns:a="http://schemas.openxmlformats.org/drawingml/2006/main" xmlns:r="http://schemas.openxmlformats.org/officeDocument/2006/relationships" xmlns:p="http://schemas.openxmlformats.org/presentationml/2006/main">
+  <p:cSld>
+    <p:spTree>
+      <p:nvGrpSpPr>
+        <p:cNvPr id="1" name=""/>
+        <p:cNvGrpSpPr/>
+        <p:nvPr/>
+      </p:nvGrpSpPr>
+      <p:grpSpPr>
+        <a:xfrm>
+          <a:off x="0" y="0"/>
+          <a:ext cx="0" cy="0"/>
+          <a:chOff x="0" y="0"/>
+          <a:chExt cx="0" cy="0"/>
+        </a:xfrm>
+      </p:grpSpPr>
+      <p:pic>
+        <p:nvPicPr>
+          <p:cNvPr id="5" name="Picture 2"/>
+          <p:cNvPicPr>
+            <a:picLocks noChangeAspect="1" noChangeArrowheads="1"/>
+          </p:cNvPicPr>
+          <p:nvPr/>
+        </p:nvPicPr>
+        <p:blipFill rotWithShape="1">
+          <a:blip r:embed="rId2">
+            <a:extLst>
+              <a:ext uri="{28A0092B-C50C-407E-A947-70E740481C1C}">
+                <a14:useLocalDpi xmlns:a14="http://schemas.microsoft.com/office/drawing/2010/main" val="0"/>
+              </a:ext>
+            </a:extLst>
+          </a:blip>
+          <a:srcRect l="3447"/>
+          <a:stretch/>
+        </p:blipFill>
+        <p:spPr bwMode="auto">
+          <a:xfrm>
+            <a:off x="3468819" y="920439"/>
+            <a:ext cx="5472187" cy="5065030"/>
+          </a:xfrm>
+          <a:prstGeom prst="rect">
+            <a:avLst/>
+          </a:prstGeom>
+          <a:noFill/>
+          <a:ln>
+            <a:noFill/>
+          </a:ln>
+          <a:extLst>
+            <a:ext uri="{909E8E84-426E-40DD-AFC4-6F175D3DCCD1}">
+              <a14:hiddenFill xmlns:a14="http://schemas.microsoft.com/office/drawing/2010/main">
+                <a:solidFill>
+                  <a:schemeClr val="accent1"/>
+                </a:solidFill>
+              </a14:hiddenFill>
+            </a:ext>
+            <a:ext uri="{91240B29-F687-4F45-9708-019B960494DF}">
+              <a14:hiddenLine xmlns:a14="http://schemas.microsoft.com/office/drawing/2010/main" w="9525">
+                <a:solidFill>
+                  <a:schemeClr val="tx1"/>
+                </a:solidFill>
+                <a:miter lim="800000"/>
+                <a:headEnd/>
+                <a:tailEnd/>
+              </a14:hiddenLine>
+            </a:ext>
+          </a:extLst>
+        </p:spPr>
+      </p:pic>
+      <p:pic>
+        <p:nvPicPr>
+          <p:cNvPr id="6" name="Picture 3"/>
+          <p:cNvPicPr>
+            <a:picLocks noChangeAspect="1" noChangeArrowheads="1"/>
+          </p:cNvPicPr>
+          <p:nvPr/>
+        </p:nvPicPr>
+        <p:blipFill>
+          <a:blip r:embed="rId3">
+            <a:extLst>
+              <a:ext uri="{28A0092B-C50C-407E-A947-70E740481C1C}">
+                <a14:useLocalDpi xmlns:a14="http://schemas.microsoft.com/office/drawing/2010/main" val="0"/>
+              </a:ext>
+            </a:extLst>
+          </a:blip>
+          <a:srcRect/>
+          <a:stretch>
+            <a:fillRect/>
+          </a:stretch>
+        </p:blipFill>
+        <p:spPr bwMode="auto">
+          <a:xfrm>
+            <a:off x="6266656" y="5959479"/>
+            <a:ext cx="2638425" cy="400050"/>
+          </a:xfrm>
+          <a:prstGeom prst="rect">
+            <a:avLst/>
+          </a:prstGeom>
+          <a:noFill/>
+          <a:ln>
+            <a:noFill/>
+          </a:ln>
+          <a:extLst>
+            <a:ext uri="{909E8E84-426E-40DD-AFC4-6F175D3DCCD1}">
+              <a14:hiddenFill xmlns:a14="http://schemas.microsoft.com/office/drawing/2010/main">
+                <a:solidFill>
+                  <a:schemeClr val="accent1"/>
+                </a:solidFill>
+              </a14:hiddenFill>
+            </a:ext>
+            <a:ext uri="{91240B29-F687-4F45-9708-019B960494DF}">
+              <a14:hiddenLine xmlns:a14="http://schemas.microsoft.com/office/drawing/2010/main" w="9525">
+                <a:solidFill>
+                  <a:schemeClr val="tx1"/>
+                </a:solidFill>
+                <a:miter lim="800000"/>
+                <a:headEnd/>
+                <a:tailEnd/>
+              </a14:hiddenLine>
+            </a:ext>
+          </a:extLst>
+        </p:spPr>
+      </p:pic>
+      <p:sp>
+        <p:nvSpPr>
+          <p:cNvPr id="3" name="Title 2"/>
+          <p:cNvSpPr>
+            <a:spLocks noGrp="1"/>
+          </p:cNvSpPr>
+          <p:nvPr>
+            <p:ph type="title"/>
+          </p:nvPr>
+        </p:nvSpPr>
+        <p:spPr/>
+        <p:txBody>
+          <a:bodyPr/>
+          <a:lstStyle/>
+          <a:p>
+            <a:r>
+              <a:rPr lang="en-US" dirty="0" smtClean="0"/>
+              <a:t>Multiplex approach</a:t>
+            </a:r>
+            <a:endParaRPr lang="en-US" dirty="0"/>
+          </a:p>
+        </p:txBody>
+      </p:sp>
+      <p:sp>
+        <p:nvSpPr>
+          <p:cNvPr id="10" name="4 Marcador de contenido"/>
+          <p:cNvSpPr txBox="1">
+            <a:spLocks/>
+          </p:cNvSpPr>
+          <p:nvPr/>
+        </p:nvSpPr>
+        <p:spPr>
+          <a:xfrm>
+            <a:off x="917562" y="1295400"/>
+            <a:ext cx="2214278" cy="4876800"/>
+          </a:xfrm>
+          <a:prstGeom prst="rect">
+            <a:avLst/>
+          </a:prstGeom>
+        </p:spPr>
+        <p:txBody>
+          <a:bodyPr>
+            <a:normAutofit/>
+          </a:bodyPr>
+          <a:lstStyle>
+            <a:lvl1pPr marL="311045" indent="-311045" algn="l" defTabSz="829452" rtl="0" eaLnBrk="1" latinLnBrk="0" hangingPunct="1">
+              <a:spcBef>
+                <a:spcPct val="20000"/>
+              </a:spcBef>
+              <a:buFont typeface="Arial" panose="020B0604020202020204" pitchFamily="34" charset="0"/>
+              <a:buChar char="•"/>
+              <a:defRPr sz="2900" kern="1200">
+                <a:solidFill>
+                  <a:schemeClr val="tx1"/>
+                </a:solidFill>
+                <a:latin typeface="Helvetica Neue" panose="02000503000000020004" pitchFamily="2"/>
+                <a:ea typeface="+mn-ea"/>
+                <a:cs typeface="+mn-cs"/>
+              </a:defRPr>
+            </a:lvl1pPr>
+            <a:lvl2pPr marL="673930" indent="-259204" algn="l" defTabSz="829452" rtl="0" eaLnBrk="1" latinLnBrk="0" hangingPunct="1">
+              <a:spcBef>
+                <a:spcPct val="20000"/>
+              </a:spcBef>
+              <a:buFont typeface="Arial" panose="020B0604020202020204" pitchFamily="34" charset="0"/>
+              <a:buChar char="–"/>
+              <a:defRPr sz="2500" kern="1200">
+                <a:solidFill>
+                  <a:schemeClr val="tx1"/>
+                </a:solidFill>
+                <a:latin typeface="Helvetica Neue" panose="02000503000000020004" pitchFamily="2"/>
+                <a:ea typeface="+mn-ea"/>
+                <a:cs typeface="+mn-cs"/>
+              </a:defRPr>
+            </a:lvl2pPr>
+            <a:lvl3pPr marL="1036815" indent="-207363" algn="l" defTabSz="829452" rtl="0" eaLnBrk="1" latinLnBrk="0" hangingPunct="1">
+              <a:spcBef>
+                <a:spcPct val="20000"/>
+              </a:spcBef>
+              <a:buFont typeface="Arial" panose="020B0604020202020204" pitchFamily="34" charset="0"/>
+              <a:buChar char="•"/>
+              <a:defRPr sz="2200" kern="1200">
+                <a:solidFill>
+                  <a:schemeClr val="tx1"/>
+                </a:solidFill>
+                <a:latin typeface="Helvetica Neue" panose="02000503000000020004" pitchFamily="2"/>
+                <a:ea typeface="+mn-ea"/>
+                <a:cs typeface="+mn-cs"/>
+              </a:defRPr>
+            </a:lvl3pPr>
+            <a:lvl4pPr marL="1451541" indent="-207363" algn="l" defTabSz="829452" rtl="0" eaLnBrk="1" latinLnBrk="0" hangingPunct="1">
+              <a:spcBef>
+                <a:spcPct val="20000"/>
+              </a:spcBef>
+              <a:buFont typeface="Arial" panose="020B0604020202020204" pitchFamily="34" charset="0"/>
+              <a:buChar char="–"/>
+              <a:defRPr sz="1800" kern="1200">
+                <a:solidFill>
+                  <a:schemeClr val="tx1"/>
+                </a:solidFill>
+                <a:latin typeface="Helvetica Neue" panose="02000503000000020004" pitchFamily="2"/>
+                <a:ea typeface="+mn-ea"/>
+                <a:cs typeface="+mn-cs"/>
+              </a:defRPr>
+            </a:lvl4pPr>
+            <a:lvl5pPr marL="1866268" indent="-207363" algn="l" defTabSz="829452" rtl="0" eaLnBrk="1" latinLnBrk="0" hangingPunct="1">
+              <a:spcBef>
+                <a:spcPct val="20000"/>
+              </a:spcBef>
+              <a:buFont typeface="Arial" panose="020B0604020202020204" pitchFamily="34" charset="0"/>
+              <a:buChar char="»"/>
+              <a:defRPr sz="1800" kern="1200">
+                <a:solidFill>
+                  <a:schemeClr val="tx1"/>
+                </a:solidFill>
+                <a:latin typeface="Helvetica Neue" panose="02000503000000020004" pitchFamily="2"/>
+                <a:ea typeface="+mn-ea"/>
+                <a:cs typeface="+mn-cs"/>
+              </a:defRPr>
+            </a:lvl5pPr>
+            <a:lvl6pPr marL="2280994" indent="-207363" algn="l" defTabSz="829452" rtl="0" eaLnBrk="1" latinLnBrk="0" hangingPunct="1">
+              <a:spcBef>
+                <a:spcPct val="20000"/>
+              </a:spcBef>
+              <a:buFont typeface="Arial" panose="020B0604020202020204" pitchFamily="34" charset="0"/>
+              <a:buChar char="•"/>
+              <a:defRPr sz="1800" kern="1200">
+                <a:solidFill>
+                  <a:schemeClr val="tx1"/>
+                </a:solidFill>
+                <a:latin typeface="+mn-lt"/>
+                <a:ea typeface="+mn-ea"/>
+                <a:cs typeface="+mn-cs"/>
+              </a:defRPr>
+            </a:lvl6pPr>
+            <a:lvl7pPr marL="2695720" indent="-207363" algn="l" defTabSz="829452" rtl="0" eaLnBrk="1" latinLnBrk="0" hangingPunct="1">
+              <a:spcBef>
+                <a:spcPct val="20000"/>
+              </a:spcBef>
+              <a:buFont typeface="Arial" panose="020B0604020202020204" pitchFamily="34" charset="0"/>
+              <a:buChar char="•"/>
+              <a:defRPr sz="1800" kern="1200">
+                <a:solidFill>
+                  <a:schemeClr val="tx1"/>
+                </a:solidFill>
+                <a:latin typeface="+mn-lt"/>
+                <a:ea typeface="+mn-ea"/>
+                <a:cs typeface="+mn-cs"/>
+              </a:defRPr>
+            </a:lvl7pPr>
+            <a:lvl8pPr marL="3110446" indent="-207363" algn="l" defTabSz="829452" rtl="0" eaLnBrk="1" latinLnBrk="0" hangingPunct="1">
+              <a:spcBef>
+                <a:spcPct val="20000"/>
+              </a:spcBef>
+              <a:buFont typeface="Arial" panose="020B0604020202020204" pitchFamily="34" charset="0"/>
+              <a:buChar char="•"/>
+              <a:defRPr sz="1800" kern="1200">
+                <a:solidFill>
+                  <a:schemeClr val="tx1"/>
+                </a:solidFill>
+                <a:latin typeface="+mn-lt"/>
+                <a:ea typeface="+mn-ea"/>
+                <a:cs typeface="+mn-cs"/>
+              </a:defRPr>
+            </a:lvl8pPr>
+            <a:lvl9pPr marL="3525172" indent="-207363" algn="l" defTabSz="829452" rtl="0" eaLnBrk="1" latinLnBrk="0" hangingPunct="1">
+              <a:spcBef>
+                <a:spcPct val="20000"/>
+              </a:spcBef>
+              <a:buFont typeface="Arial" panose="020B0604020202020204" pitchFamily="34" charset="0"/>
+              <a:buChar char="•"/>
+              <a:defRPr sz="1800" kern="1200">
+                <a:solidFill>
+                  <a:schemeClr val="tx1"/>
+                </a:solidFill>
+                <a:latin typeface="+mn-lt"/>
+                <a:ea typeface="+mn-ea"/>
+                <a:cs typeface="+mn-cs"/>
+              </a:defRPr>
+            </a:lvl9pPr>
+          </a:lstStyle>
+          <a:p>
+            <a:pPr marL="0" indent="0">
+              <a:buNone/>
+            </a:pPr>
+            <a:r>
+              <a:rPr lang="en-AU" sz="2400" dirty="0" smtClean="0"/>
+              <a:t>Allow for sequencing of multiple samples in one run.</a:t>
+            </a:r>
+          </a:p>
+          <a:p>
+            <a:pPr marL="0" indent="0">
+              <a:buNone/>
+            </a:pPr>
+            <a:endParaRPr lang="en-AU" sz="2400" dirty="0"/>
+          </a:p>
+        </p:txBody>
+      </p:sp>
+    </p:spTree>
+    <p:extLst>
+      <p:ext uri="{BB962C8B-B14F-4D97-AF65-F5344CB8AC3E}">
+        <p14:creationId xmlns:p14="http://schemas.microsoft.com/office/powerpoint/2010/main" val="1080778170"/>
+      </p:ext>
+    </p:extLst>
+  </p:cSld>
+  <p:clrMapOvr>
+    <a:masterClrMapping/>
+  </p:clrMapOvr>
+  <p:timing>
+    <p:tnLst>
+      <p:par>
+        <p:cTn id="1" dur="indefinite" restart="never" nodeType="tmRoot"/>
+      </p:par>
+    </p:tnLst>
+  </p:timing>
+</p:sld>
+</file>
+
+<file path=ppt/slides/slide11.xml><?xml version="1.0" encoding="utf-8"?>
+<p:sld xmlns:a="http://schemas.openxmlformats.org/drawingml/2006/main" xmlns:r="http://schemas.openxmlformats.org/officeDocument/2006/relationships" xmlns:p="http://schemas.openxmlformats.org/presentationml/2006/main">
+  <p:cSld>
+    <p:spTree>
+      <p:nvGrpSpPr>
+        <p:cNvPr id="1" name=""/>
+        <p:cNvGrpSpPr/>
+        <p:nvPr/>
+      </p:nvGrpSpPr>
+      <p:grpSpPr>
+        <a:xfrm>
+          <a:off x="0" y="0"/>
+          <a:ext cx="0" cy="0"/>
+          <a:chOff x="0" y="0"/>
+          <a:chExt cx="0" cy="0"/>
+        </a:xfrm>
+      </p:grpSpPr>
+      <p:sp>
+        <p:nvSpPr>
+          <p:cNvPr id="2" name="Title 1"/>
+          <p:cNvSpPr>
+            <a:spLocks noGrp="1"/>
+          </p:cNvSpPr>
+          <p:nvPr>
+            <p:ph type="title"/>
+          </p:nvPr>
+        </p:nvSpPr>
+        <p:spPr/>
+        <p:txBody>
+          <a:bodyPr/>
+          <a:lstStyle/>
+          <a:p>
+            <a:r>
+              <a:rPr lang="en-US" dirty="0" err="1" smtClean="0"/>
+              <a:t>Make.contigs</a:t>
+            </a:r>
+            <a:r>
+              <a:rPr lang="en-US" dirty="0" smtClean="0"/>
+              <a:t>()</a:t>
+            </a:r>
+            <a:endParaRPr lang="en-US" dirty="0"/>
+          </a:p>
+        </p:txBody>
+      </p:sp>
+      <p:sp>
+        <p:nvSpPr>
+          <p:cNvPr id="5" name="Oval 4"/>
+          <p:cNvSpPr/>
+          <p:nvPr/>
+        </p:nvSpPr>
+        <p:spPr>
+          <a:xfrm>
+            <a:off x="323528" y="3645024"/>
+            <a:ext cx="2664296" cy="2376264"/>
+          </a:xfrm>
+          <a:prstGeom prst="ellipse">
+            <a:avLst/>
+          </a:prstGeom>
+          <a:gradFill flip="none" rotWithShape="1">
+            <a:gsLst>
+              <a:gs pos="0">
+                <a:schemeClr val="tx1">
+                  <a:lumMod val="50000"/>
+                  <a:lumOff val="50000"/>
+                </a:schemeClr>
+              </a:gs>
+              <a:gs pos="45000">
+                <a:schemeClr val="bg1">
+                  <a:lumMod val="85000"/>
+                  <a:shade val="67500"/>
+                  <a:satMod val="115000"/>
+                </a:schemeClr>
+              </a:gs>
+              <a:gs pos="100000">
+                <a:schemeClr val="bg1">
+                  <a:lumMod val="95000"/>
+                </a:schemeClr>
+              </a:gs>
+            </a:gsLst>
+            <a:lin ang="16200000" scaled="1"/>
+            <a:tileRect/>
+          </a:gradFill>
+          <a:ln>
+            <a:solidFill>
+              <a:schemeClr val="tx1">
+                <a:lumMod val="65000"/>
+                <a:lumOff val="35000"/>
+              </a:schemeClr>
+            </a:solidFill>
+          </a:ln>
+        </p:spPr>
+        <p:style>
+          <a:lnRef idx="2">
+            <a:schemeClr val="accent1">
+              <a:shade val="50000"/>
+            </a:schemeClr>
+          </a:lnRef>
+          <a:fillRef idx="1">
+            <a:schemeClr val="accent1"/>
+          </a:fillRef>
+          <a:effectRef idx="0">
+            <a:schemeClr val="accent1"/>
+          </a:effectRef>
+          <a:fontRef idx="minor">
+            <a:schemeClr val="lt1"/>
+          </a:fontRef>
+        </p:style>
+        <p:txBody>
+          <a:bodyPr rtlCol="0" anchor="ctr"/>
+          <a:lstStyle/>
+          <a:p>
+            <a:pPr algn="ctr"/>
+            <a:endParaRPr lang="en-US"/>
+          </a:p>
+        </p:txBody>
+      </p:sp>
+      <p:sp>
+        <p:nvSpPr>
+          <p:cNvPr id="6" name="Block Arc 5"/>
+          <p:cNvSpPr/>
+          <p:nvPr/>
+        </p:nvSpPr>
+        <p:spPr>
+          <a:xfrm>
+            <a:off x="1079612" y="2419845"/>
+            <a:ext cx="1152128" cy="2803624"/>
+          </a:xfrm>
+          <a:prstGeom prst="blockArc">
+            <a:avLst/>
+          </a:prstGeom>
+          <a:gradFill flip="none" rotWithShape="1">
+            <a:gsLst>
+              <a:gs pos="0">
+                <a:schemeClr val="accent2">
+                  <a:tint val="66000"/>
+                  <a:satMod val="160000"/>
+                </a:schemeClr>
+              </a:gs>
+              <a:gs pos="50000">
+                <a:schemeClr val="accent2">
+                  <a:tint val="44500"/>
+                  <a:satMod val="160000"/>
+                </a:schemeClr>
+              </a:gs>
+              <a:gs pos="100000">
+                <a:schemeClr val="accent2">
+                  <a:tint val="23500"/>
+                  <a:satMod val="160000"/>
+                </a:schemeClr>
+              </a:gs>
+            </a:gsLst>
+            <a:lin ang="16200000" scaled="1"/>
+            <a:tileRect/>
+          </a:gradFill>
+          <a:ln>
+            <a:solidFill>
+              <a:schemeClr val="accent2">
+                <a:lumMod val="75000"/>
+              </a:schemeClr>
+            </a:solidFill>
+          </a:ln>
+        </p:spPr>
+        <p:style>
+          <a:lnRef idx="2">
+            <a:schemeClr val="accent2">
+              <a:shade val="50000"/>
+            </a:schemeClr>
+          </a:lnRef>
+          <a:fillRef idx="1">
+            <a:schemeClr val="accent2"/>
+          </a:fillRef>
+          <a:effectRef idx="0">
+            <a:schemeClr val="accent2"/>
+          </a:effectRef>
+          <a:fontRef idx="minor">
+            <a:schemeClr val="lt1"/>
+          </a:fontRef>
+        </p:style>
+        <p:txBody>
+          <a:bodyPr rtlCol="0" anchor="ctr"/>
+          <a:lstStyle/>
+          <a:p>
+            <a:pPr algn="ctr"/>
+            <a:endParaRPr lang="en-US">
+              <a:solidFill>
+                <a:schemeClr val="tx1"/>
+              </a:solidFill>
+            </a:endParaRPr>
+          </a:p>
+        </p:txBody>
+      </p:sp>
+      <p:sp>
+        <p:nvSpPr>
+          <p:cNvPr id="7" name="Down Arrow 6"/>
+          <p:cNvSpPr/>
+          <p:nvPr/>
+        </p:nvSpPr>
+        <p:spPr>
+          <a:xfrm rot="10800000">
+            <a:off x="899590" y="3281597"/>
+            <a:ext cx="432049" cy="540060"/>
+          </a:xfrm>
+          <a:prstGeom prst="downArrow">
+            <a:avLst/>
+          </a:prstGeom>
+        </p:spPr>
+        <p:style>
+          <a:lnRef idx="2">
+            <a:schemeClr val="dk1"/>
+          </a:lnRef>
+          <a:fillRef idx="1">
+            <a:schemeClr val="lt1"/>
+          </a:fillRef>
+          <a:effectRef idx="0">
+            <a:schemeClr val="dk1"/>
+          </a:effectRef>
+          <a:fontRef idx="minor">
+            <a:schemeClr val="dk1"/>
+          </a:fontRef>
+        </p:style>
+        <p:txBody>
+          <a:bodyPr rtlCol="0" anchor="ctr"/>
+          <a:lstStyle/>
+          <a:p>
+            <a:pPr algn="ctr"/>
+            <a:endParaRPr lang="en-US"/>
+          </a:p>
+        </p:txBody>
+      </p:sp>
+      <p:sp>
+        <p:nvSpPr>
+          <p:cNvPr id="9" name="Rectangle 8"/>
+          <p:cNvSpPr/>
+          <p:nvPr/>
+        </p:nvSpPr>
+        <p:spPr>
+          <a:xfrm>
+            <a:off x="4517780" y="2292337"/>
+            <a:ext cx="2916324" cy="360040"/>
+          </a:xfrm>
+          <a:prstGeom prst="rect">
+            <a:avLst/>
+          </a:prstGeom>
+          <a:solidFill>
+            <a:schemeClr val="accent2">
+              <a:lumMod val="40000"/>
+              <a:lumOff val="60000"/>
+            </a:schemeClr>
+          </a:solidFill>
+        </p:spPr>
+        <p:style>
+          <a:lnRef idx="2">
+            <a:schemeClr val="accent2">
+              <a:shade val="50000"/>
+            </a:schemeClr>
+          </a:lnRef>
+          <a:fillRef idx="1">
+            <a:schemeClr val="accent2"/>
+          </a:fillRef>
+          <a:effectRef idx="0">
+            <a:schemeClr val="accent2"/>
+          </a:effectRef>
+          <a:fontRef idx="minor">
+            <a:schemeClr val="lt1"/>
+          </a:fontRef>
+        </p:style>
+        <p:txBody>
+          <a:bodyPr rtlCol="0" anchor="ctr"/>
+          <a:lstStyle/>
+          <a:p>
+            <a:pPr algn="ctr"/>
+            <a:endParaRPr lang="en-US"/>
+          </a:p>
+        </p:txBody>
+      </p:sp>
+      <p:sp>
+        <p:nvSpPr>
+          <p:cNvPr id="10" name="Down Arrow 9"/>
+          <p:cNvSpPr/>
+          <p:nvPr/>
+        </p:nvSpPr>
+        <p:spPr>
+          <a:xfrm rot="16200000">
+            <a:off x="5238073" y="1284221"/>
+            <a:ext cx="432049" cy="1944217"/>
+          </a:xfrm>
+          <a:prstGeom prst="downArrow">
+            <a:avLst/>
+          </a:prstGeom>
+        </p:spPr>
+        <p:style>
+          <a:lnRef idx="2">
+            <a:schemeClr val="dk1"/>
+          </a:lnRef>
+          <a:fillRef idx="1">
+            <a:schemeClr val="lt1"/>
+          </a:fillRef>
+          <a:effectRef idx="0">
+            <a:schemeClr val="dk1"/>
+          </a:effectRef>
+          <a:fontRef idx="minor">
+            <a:schemeClr val="dk1"/>
+          </a:fontRef>
+        </p:style>
+        <p:txBody>
+          <a:bodyPr rtlCol="0" anchor="ctr"/>
+          <a:lstStyle/>
+          <a:p>
+            <a:pPr algn="ctr"/>
+            <a:endParaRPr lang="en-US"/>
+          </a:p>
+        </p:txBody>
+      </p:sp>
+      <p:sp>
+        <p:nvSpPr>
+          <p:cNvPr id="11" name="Down Arrow 10"/>
+          <p:cNvSpPr/>
+          <p:nvPr/>
+        </p:nvSpPr>
+        <p:spPr>
+          <a:xfrm rot="5400000">
+            <a:off x="6245971" y="1617122"/>
+            <a:ext cx="432049" cy="1944217"/>
+          </a:xfrm>
+          <a:prstGeom prst="downArrow">
+            <a:avLst/>
+          </a:prstGeom>
+        </p:spPr>
+        <p:style>
+          <a:lnRef idx="2">
+            <a:schemeClr val="dk1"/>
+          </a:lnRef>
+          <a:fillRef idx="1">
+            <a:schemeClr val="lt1"/>
+          </a:fillRef>
+          <a:effectRef idx="0">
+            <a:schemeClr val="dk1"/>
+          </a:effectRef>
+          <a:fontRef idx="minor">
+            <a:schemeClr val="dk1"/>
+          </a:fontRef>
+        </p:style>
+        <p:txBody>
+          <a:bodyPr rtlCol="0" anchor="ctr"/>
+          <a:lstStyle/>
+          <a:p>
+            <a:pPr algn="ctr"/>
+            <a:endParaRPr lang="en-US"/>
+          </a:p>
+        </p:txBody>
+      </p:sp>
+      <p:sp>
+        <p:nvSpPr>
+          <p:cNvPr id="13" name="Down Arrow 12"/>
+          <p:cNvSpPr/>
+          <p:nvPr/>
+        </p:nvSpPr>
+        <p:spPr>
+          <a:xfrm rot="16200000">
+            <a:off x="5256075" y="2960949"/>
+            <a:ext cx="432049" cy="1944217"/>
+          </a:xfrm>
+          <a:prstGeom prst="downArrow">
+            <a:avLst/>
+          </a:prstGeom>
+        </p:spPr>
+        <p:style>
+          <a:lnRef idx="2">
+            <a:schemeClr val="dk1"/>
+          </a:lnRef>
+          <a:fillRef idx="1">
+            <a:schemeClr val="lt1"/>
+          </a:fillRef>
+          <a:effectRef idx="0">
+            <a:schemeClr val="dk1"/>
+          </a:effectRef>
+          <a:fontRef idx="minor">
+            <a:schemeClr val="dk1"/>
+          </a:fontRef>
+        </p:style>
+        <p:txBody>
+          <a:bodyPr rtlCol="0" anchor="ctr"/>
+          <a:lstStyle/>
+          <a:p>
+            <a:pPr algn="ctr"/>
+            <a:endParaRPr lang="en-US"/>
+          </a:p>
+        </p:txBody>
+      </p:sp>
+      <p:sp>
+        <p:nvSpPr>
+          <p:cNvPr id="14" name="Down Arrow 13"/>
+          <p:cNvSpPr/>
+          <p:nvPr/>
+        </p:nvSpPr>
+        <p:spPr>
+          <a:xfrm rot="5400000">
+            <a:off x="6210181" y="3098028"/>
+            <a:ext cx="432049" cy="1944217"/>
+          </a:xfrm>
+          <a:prstGeom prst="downArrow">
+            <a:avLst/>
+          </a:prstGeom>
+        </p:spPr>
+        <p:style>
+          <a:lnRef idx="2">
+            <a:schemeClr val="dk1"/>
+          </a:lnRef>
+          <a:fillRef idx="1">
+            <a:schemeClr val="lt1"/>
+          </a:fillRef>
+          <a:effectRef idx="0">
+            <a:schemeClr val="dk1"/>
+          </a:effectRef>
+          <a:fontRef idx="minor">
+            <a:schemeClr val="dk1"/>
+          </a:fontRef>
+        </p:style>
+        <p:txBody>
+          <a:bodyPr rtlCol="0" anchor="ctr"/>
+          <a:lstStyle/>
+          <a:p>
+            <a:pPr algn="ctr"/>
+            <a:endParaRPr lang="en-US"/>
+          </a:p>
+        </p:txBody>
+      </p:sp>
+      <p:sp>
+        <p:nvSpPr>
+          <p:cNvPr id="15" name="Down Arrow 14"/>
+          <p:cNvSpPr/>
+          <p:nvPr/>
+        </p:nvSpPr>
+        <p:spPr>
+          <a:xfrm rot="10800000">
+            <a:off x="1823545" y="3281598"/>
+            <a:ext cx="432049" cy="540060"/>
+          </a:xfrm>
+          <a:prstGeom prst="downArrow">
+            <a:avLst/>
+          </a:prstGeom>
+        </p:spPr>
+        <p:style>
+          <a:lnRef idx="2">
+            <a:schemeClr val="dk1"/>
+          </a:lnRef>
+          <a:fillRef idx="1">
+            <a:schemeClr val="lt1"/>
+          </a:fillRef>
+          <a:effectRef idx="0">
+            <a:schemeClr val="dk1"/>
+          </a:effectRef>
+          <a:fontRef idx="minor">
+            <a:schemeClr val="dk1"/>
+          </a:fontRef>
+        </p:style>
+        <p:txBody>
+          <a:bodyPr rtlCol="0" anchor="ctr"/>
+          <a:lstStyle/>
+          <a:p>
+            <a:pPr algn="ctr"/>
+            <a:endParaRPr lang="en-US"/>
+          </a:p>
+        </p:txBody>
+      </p:sp>
+      <p:sp>
+        <p:nvSpPr>
+          <p:cNvPr id="17" name="Rectangle 16"/>
+          <p:cNvSpPr/>
+          <p:nvPr/>
+        </p:nvSpPr>
+        <p:spPr>
+          <a:xfrm>
+            <a:off x="4512574" y="5223469"/>
+            <a:ext cx="2916324" cy="360040"/>
+          </a:xfrm>
+          <a:prstGeom prst="rect">
+            <a:avLst/>
+          </a:prstGeom>
+        </p:spPr>
+        <p:style>
+          <a:lnRef idx="2">
+            <a:schemeClr val="dk1"/>
+          </a:lnRef>
+          <a:fillRef idx="1">
+            <a:schemeClr val="lt1"/>
+          </a:fillRef>
+          <a:effectRef idx="0">
+            <a:schemeClr val="dk1"/>
+          </a:effectRef>
+          <a:fontRef idx="minor">
+            <a:schemeClr val="dk1"/>
+          </a:fontRef>
+        </p:style>
+        <p:txBody>
+          <a:bodyPr rtlCol="0" anchor="ctr"/>
+          <a:lstStyle/>
+          <a:p>
+            <a:pPr algn="ctr"/>
+            <a:endParaRPr lang="en-US"/>
+          </a:p>
+        </p:txBody>
+      </p:sp>
+      <p:sp>
+        <p:nvSpPr>
+          <p:cNvPr id="18" name="Curved Left Arrow 17"/>
+          <p:cNvSpPr/>
+          <p:nvPr/>
+        </p:nvSpPr>
+        <p:spPr>
+          <a:xfrm>
+            <a:off x="7812360" y="2924944"/>
+            <a:ext cx="432048" cy="720080"/>
+          </a:xfrm>
+          <a:prstGeom prst="curvedLeftArrow">
+            <a:avLst/>
+          </a:prstGeom>
+        </p:spPr>
+        <p:style>
+          <a:lnRef idx="2">
+            <a:schemeClr val="accent5">
+              <a:shade val="50000"/>
+            </a:schemeClr>
+          </a:lnRef>
+          <a:fillRef idx="1">
+            <a:schemeClr val="accent5"/>
+          </a:fillRef>
+          <a:effectRef idx="0">
+            <a:schemeClr val="accent5"/>
+          </a:effectRef>
+          <a:fontRef idx="minor">
+            <a:schemeClr val="lt1"/>
+          </a:fontRef>
+        </p:style>
+        <p:txBody>
+          <a:bodyPr rtlCol="0" anchor="ctr"/>
+          <a:lstStyle/>
+          <a:p>
+            <a:pPr algn="ctr"/>
+            <a:endParaRPr lang="en-US">
+              <a:solidFill>
+                <a:schemeClr val="tx1"/>
+              </a:solidFill>
+            </a:endParaRPr>
+          </a:p>
+        </p:txBody>
+      </p:sp>
+      <p:sp>
+        <p:nvSpPr>
+          <p:cNvPr id="19" name="Curved Left Arrow 18"/>
+          <p:cNvSpPr/>
+          <p:nvPr/>
+        </p:nvSpPr>
+        <p:spPr>
+          <a:xfrm>
+            <a:off x="7885225" y="4292043"/>
+            <a:ext cx="432048" cy="720080"/>
+          </a:xfrm>
+          <a:prstGeom prst="curvedLeftArrow">
+            <a:avLst/>
+          </a:prstGeom>
+        </p:spPr>
+        <p:style>
+          <a:lnRef idx="2">
+            <a:schemeClr val="accent5">
+              <a:shade val="50000"/>
+            </a:schemeClr>
+          </a:lnRef>
+          <a:fillRef idx="1">
+            <a:schemeClr val="accent5"/>
+          </a:fillRef>
+          <a:effectRef idx="0">
+            <a:schemeClr val="accent5"/>
+          </a:effectRef>
+          <a:fontRef idx="minor">
+            <a:schemeClr val="lt1"/>
+          </a:fontRef>
+        </p:style>
+        <p:txBody>
+          <a:bodyPr rtlCol="0" anchor="ctr"/>
+          <a:lstStyle/>
+          <a:p>
+            <a:pPr algn="ctr"/>
+            <a:endParaRPr lang="en-US">
+              <a:solidFill>
+                <a:schemeClr val="tx1"/>
+              </a:solidFill>
+            </a:endParaRPr>
+          </a:p>
+        </p:txBody>
+      </p:sp>
+    </p:spTree>
+    <p:extLst>
+      <p:ext uri="{BB962C8B-B14F-4D97-AF65-F5344CB8AC3E}">
+        <p14:creationId xmlns:p14="http://schemas.microsoft.com/office/powerpoint/2010/main" val="1320734851"/>
+      </p:ext>
+    </p:extLst>
+  </p:cSld>
+  <p:clrMapOvr>
+    <a:masterClrMapping/>
+  </p:clrMapOvr>
+  <p:timing>
+    <p:tnLst>
+      <p:par>
+        <p:cTn id="1" dur="indefinite" restart="never" nodeType="tmRoot"/>
+      </p:par>
+    </p:tnLst>
+  </p:timing>
+</p:sld>
+</file>
+
+<file path=ppt/slides/slide12.xml><?xml version="1.0" encoding="utf-8"?>
+<p:sld xmlns:a="http://schemas.openxmlformats.org/drawingml/2006/main" xmlns:r="http://schemas.openxmlformats.org/officeDocument/2006/relationships" xmlns:p="http://schemas.openxmlformats.org/presentationml/2006/main">
+  <p:cSld>
+    <p:spTree>
+      <p:nvGrpSpPr>
+        <p:cNvPr id="1" name=""/>
+        <p:cNvGrpSpPr/>
+        <p:nvPr/>
+      </p:nvGrpSpPr>
+      <p:grpSpPr>
+        <a:xfrm>
+          <a:off x="0" y="0"/>
+          <a:ext cx="0" cy="0"/>
+          <a:chOff x="0" y="0"/>
+          <a:chExt cx="0" cy="0"/>
+        </a:xfrm>
+      </p:grpSpPr>
+      <p:sp>
+        <p:nvSpPr>
+          <p:cNvPr id="2" name="Title 1"/>
+          <p:cNvSpPr>
+            <a:spLocks noGrp="1"/>
+          </p:cNvSpPr>
+          <p:nvPr>
+            <p:ph type="title"/>
+          </p:nvPr>
+        </p:nvSpPr>
+        <p:spPr/>
+        <p:txBody>
+          <a:bodyPr/>
+          <a:lstStyle/>
+          <a:p>
+            <a:r>
+              <a:rPr lang="en-US" dirty="0" smtClean="0"/>
+              <a:t>Pre clustering</a:t>
+            </a:r>
+            <a:endParaRPr lang="en-US" dirty="0"/>
+          </a:p>
+        </p:txBody>
+      </p:sp>
+      <p:grpSp>
+        <p:nvGrpSpPr>
+          <p:cNvPr id="20" name="Group 19"/>
+          <p:cNvGrpSpPr/>
+          <p:nvPr/>
+        </p:nvGrpSpPr>
+        <p:grpSpPr>
+          <a:xfrm>
+            <a:off x="903757" y="3438582"/>
+            <a:ext cx="1498768" cy="1636680"/>
+            <a:chOff x="2590800" y="1600200"/>
+            <a:chExt cx="1122680" cy="1052513"/>
+          </a:xfrm>
+        </p:grpSpPr>
+        <p:sp>
+          <p:nvSpPr>
+            <p:cNvPr id="5" name="Oval 4"/>
+            <p:cNvSpPr/>
+            <p:nvPr/>
+          </p:nvSpPr>
+          <p:spPr>
+            <a:xfrm>
+              <a:off x="3238500" y="2247900"/>
+              <a:ext cx="259080" cy="242888"/>
+            </a:xfrm>
+            <a:prstGeom prst="ellipse">
+              <a:avLst/>
+            </a:prstGeom>
+          </p:spPr>
+          <p:style>
+            <a:lnRef idx="2">
+              <a:schemeClr val="accent1">
+                <a:shade val="50000"/>
+              </a:schemeClr>
+            </a:lnRef>
+            <a:fillRef idx="1">
+              <a:schemeClr val="accent1"/>
+            </a:fillRef>
+            <a:effectRef idx="0">
+              <a:schemeClr val="accent1"/>
+            </a:effectRef>
+            <a:fontRef idx="minor">
+              <a:schemeClr val="lt1"/>
+            </a:fontRef>
+          </p:style>
+          <p:txBody>
+            <a:bodyPr rtlCol="0" anchor="ctr"/>
+            <a:lstStyle/>
+            <a:p>
+              <a:pPr algn="ctr"/>
+              <a:endParaRPr lang="en-US"/>
+            </a:p>
+          </p:txBody>
+        </p:sp>
+        <p:sp>
+          <p:nvSpPr>
+            <p:cNvPr id="6" name="Oval 5"/>
+            <p:cNvSpPr/>
+            <p:nvPr/>
+          </p:nvSpPr>
+          <p:spPr>
+            <a:xfrm>
+              <a:off x="2763520" y="1762125"/>
+              <a:ext cx="259080" cy="242888"/>
+            </a:xfrm>
+            <a:prstGeom prst="ellipse">
+              <a:avLst/>
+            </a:prstGeom>
+          </p:spPr>
+          <p:style>
+            <a:lnRef idx="2">
+              <a:schemeClr val="accent1">
+                <a:shade val="50000"/>
+              </a:schemeClr>
+            </a:lnRef>
+            <a:fillRef idx="1">
+              <a:schemeClr val="accent1"/>
+            </a:fillRef>
+            <a:effectRef idx="0">
+              <a:schemeClr val="accent1"/>
+            </a:effectRef>
+            <a:fontRef idx="minor">
+              <a:schemeClr val="lt1"/>
+            </a:fontRef>
+          </p:style>
+          <p:txBody>
+            <a:bodyPr rtlCol="0" anchor="ctr"/>
+            <a:lstStyle/>
+            <a:p>
+              <a:pPr algn="ctr"/>
+              <a:endParaRPr lang="en-US"/>
+            </a:p>
+          </p:txBody>
+        </p:sp>
+        <p:sp>
+          <p:nvSpPr>
+            <p:cNvPr id="8" name="Oval 7"/>
+            <p:cNvSpPr/>
+            <p:nvPr/>
+          </p:nvSpPr>
+          <p:spPr>
+            <a:xfrm>
+              <a:off x="3195320" y="1762125"/>
+              <a:ext cx="259080" cy="242888"/>
+            </a:xfrm>
+            <a:prstGeom prst="ellipse">
+              <a:avLst/>
+            </a:prstGeom>
+          </p:spPr>
+          <p:style>
+            <a:lnRef idx="2">
+              <a:schemeClr val="accent1">
+                <a:shade val="50000"/>
+              </a:schemeClr>
+            </a:lnRef>
+            <a:fillRef idx="1">
+              <a:schemeClr val="accent1"/>
+            </a:fillRef>
+            <a:effectRef idx="0">
+              <a:schemeClr val="accent1"/>
+            </a:effectRef>
+            <a:fontRef idx="minor">
+              <a:schemeClr val="lt1"/>
+            </a:fontRef>
+          </p:style>
+          <p:txBody>
+            <a:bodyPr rtlCol="0" anchor="ctr"/>
+            <a:lstStyle/>
+            <a:p>
+              <a:pPr algn="ctr"/>
+              <a:endParaRPr lang="en-US"/>
+            </a:p>
+          </p:txBody>
+        </p:sp>
+        <p:sp>
+          <p:nvSpPr>
+            <p:cNvPr id="9" name="Oval 8"/>
+            <p:cNvSpPr/>
+            <p:nvPr/>
+          </p:nvSpPr>
+          <p:spPr>
+            <a:xfrm>
+              <a:off x="2590800" y="1600200"/>
+              <a:ext cx="1122680" cy="1052513"/>
+            </a:xfrm>
+            <a:prstGeom prst="ellipse">
+              <a:avLst/>
+            </a:prstGeom>
+            <a:noFill/>
+          </p:spPr>
+          <p:style>
+            <a:lnRef idx="2">
+              <a:schemeClr val="accent1"/>
+            </a:lnRef>
+            <a:fillRef idx="1">
+              <a:schemeClr val="lt1"/>
+            </a:fillRef>
+            <a:effectRef idx="0">
+              <a:schemeClr val="accent1"/>
+            </a:effectRef>
+            <a:fontRef idx="minor">
+              <a:schemeClr val="dk1"/>
+            </a:fontRef>
+          </p:style>
+          <p:txBody>
+            <a:bodyPr rtlCol="0" anchor="ctr"/>
+            <a:lstStyle/>
+            <a:p>
+              <a:pPr algn="ctr"/>
+              <a:endParaRPr lang="en-US"/>
+            </a:p>
+          </p:txBody>
+        </p:sp>
+      </p:grpSp>
+      <p:sp>
+        <p:nvSpPr>
+          <p:cNvPr id="22" name="Oval 21"/>
+          <p:cNvSpPr/>
+          <p:nvPr/>
+        </p:nvSpPr>
+        <p:spPr>
+          <a:xfrm>
+            <a:off x="6214784" y="4166679"/>
+            <a:ext cx="599507" cy="654673"/>
+          </a:xfrm>
+          <a:prstGeom prst="ellipse">
+            <a:avLst/>
+          </a:prstGeom>
+        </p:spPr>
+        <p:style>
+          <a:lnRef idx="2">
+            <a:schemeClr val="accent1">
+              <a:shade val="50000"/>
+            </a:schemeClr>
+          </a:lnRef>
+          <a:fillRef idx="1">
+            <a:schemeClr val="accent1"/>
+          </a:fillRef>
+          <a:effectRef idx="0">
+            <a:schemeClr val="accent1"/>
+          </a:effectRef>
+          <a:fontRef idx="minor">
+            <a:schemeClr val="lt1"/>
+          </a:fontRef>
+        </p:style>
+        <p:txBody>
+          <a:bodyPr rtlCol="0" anchor="ctr"/>
+          <a:lstStyle/>
+          <a:p>
+            <a:pPr algn="ctr"/>
+            <a:endParaRPr lang="en-US"/>
+          </a:p>
+        </p:txBody>
+      </p:sp>
+      <p:sp>
+        <p:nvSpPr>
+          <p:cNvPr id="23" name="Oval 22"/>
+          <p:cNvSpPr/>
+          <p:nvPr/>
+        </p:nvSpPr>
+        <p:spPr>
+          <a:xfrm>
+            <a:off x="5115687" y="2857336"/>
+            <a:ext cx="599507" cy="654673"/>
+          </a:xfrm>
+          <a:prstGeom prst="ellipse">
+            <a:avLst/>
+          </a:prstGeom>
+        </p:spPr>
+        <p:style>
+          <a:lnRef idx="2">
+            <a:schemeClr val="accent1">
+              <a:shade val="50000"/>
+            </a:schemeClr>
+          </a:lnRef>
+          <a:fillRef idx="1">
+            <a:schemeClr val="accent1"/>
+          </a:fillRef>
+          <a:effectRef idx="0">
+            <a:schemeClr val="accent1"/>
+          </a:effectRef>
+          <a:fontRef idx="minor">
+            <a:schemeClr val="lt1"/>
+          </a:fontRef>
+        </p:style>
+        <p:txBody>
+          <a:bodyPr rtlCol="0" anchor="ctr"/>
+          <a:lstStyle/>
+          <a:p>
+            <a:pPr algn="ctr"/>
+            <a:endParaRPr lang="en-US"/>
+          </a:p>
+        </p:txBody>
+      </p:sp>
+      <p:sp>
+        <p:nvSpPr>
+          <p:cNvPr id="24" name="Oval 23"/>
+          <p:cNvSpPr/>
+          <p:nvPr/>
+        </p:nvSpPr>
+        <p:spPr>
+          <a:xfrm>
+            <a:off x="6114866" y="2857336"/>
+            <a:ext cx="599507" cy="654673"/>
+          </a:xfrm>
+          <a:prstGeom prst="ellipse">
+            <a:avLst/>
+          </a:prstGeom>
+        </p:spPr>
+        <p:style>
+          <a:lnRef idx="2">
+            <a:schemeClr val="accent1">
+              <a:shade val="50000"/>
+            </a:schemeClr>
+          </a:lnRef>
+          <a:fillRef idx="1">
+            <a:schemeClr val="accent1"/>
+          </a:fillRef>
+          <a:effectRef idx="0">
+            <a:schemeClr val="accent1"/>
+          </a:effectRef>
+          <a:fontRef idx="minor">
+            <a:schemeClr val="lt1"/>
+          </a:fontRef>
+        </p:style>
+        <p:txBody>
+          <a:bodyPr rtlCol="0" anchor="ctr"/>
+          <a:lstStyle/>
+          <a:p>
+            <a:pPr algn="ctr"/>
+            <a:endParaRPr lang="en-US"/>
+          </a:p>
+        </p:txBody>
+      </p:sp>
+      <p:sp>
+        <p:nvSpPr>
+          <p:cNvPr id="25" name="Oval 24"/>
+          <p:cNvSpPr/>
+          <p:nvPr/>
+        </p:nvSpPr>
+        <p:spPr>
+          <a:xfrm>
+            <a:off x="4064624" y="1401415"/>
+            <a:ext cx="4100484" cy="4477799"/>
+          </a:xfrm>
+          <a:prstGeom prst="ellipse">
+            <a:avLst/>
+          </a:prstGeom>
+          <a:noFill/>
+        </p:spPr>
+        <p:style>
+          <a:lnRef idx="2">
+            <a:schemeClr val="accent1"/>
+          </a:lnRef>
+          <a:fillRef idx="1">
+            <a:schemeClr val="lt1"/>
+          </a:fillRef>
+          <a:effectRef idx="0">
+            <a:schemeClr val="accent1"/>
+          </a:effectRef>
+          <a:fontRef idx="minor">
+            <a:schemeClr val="dk1"/>
+          </a:fontRef>
+        </p:style>
+        <p:txBody>
+          <a:bodyPr rtlCol="0" anchor="ctr"/>
+          <a:lstStyle/>
+          <a:p>
+            <a:pPr algn="ctr"/>
+            <a:endParaRPr lang="en-US"/>
+          </a:p>
+        </p:txBody>
+      </p:sp>
+      <p:sp>
+        <p:nvSpPr>
+          <p:cNvPr id="26" name="Oval 25"/>
+          <p:cNvSpPr/>
+          <p:nvPr/>
+        </p:nvSpPr>
+        <p:spPr>
+          <a:xfrm>
+            <a:off x="5315452" y="2093551"/>
+            <a:ext cx="599507" cy="654673"/>
+          </a:xfrm>
+          <a:prstGeom prst="ellipse">
+            <a:avLst/>
+          </a:prstGeom>
+          <a:solidFill>
+            <a:schemeClr val="tx2">
+              <a:lumMod val="20000"/>
+              <a:lumOff val="80000"/>
+            </a:schemeClr>
+          </a:solidFill>
+        </p:spPr>
+        <p:style>
+          <a:lnRef idx="2">
+            <a:schemeClr val="accent1">
+              <a:shade val="50000"/>
+            </a:schemeClr>
+          </a:lnRef>
+          <a:fillRef idx="1">
+            <a:schemeClr val="accent1"/>
+          </a:fillRef>
+          <a:effectRef idx="0">
+            <a:schemeClr val="accent1"/>
+          </a:effectRef>
+          <a:fontRef idx="minor">
+            <a:schemeClr val="lt1"/>
+          </a:fontRef>
+        </p:style>
+        <p:txBody>
+          <a:bodyPr rtlCol="0" anchor="ctr"/>
+          <a:lstStyle/>
+          <a:p>
+            <a:pPr algn="ctr"/>
+            <a:endParaRPr lang="en-US"/>
+          </a:p>
+        </p:txBody>
+      </p:sp>
+      <p:sp>
+        <p:nvSpPr>
+          <p:cNvPr id="27" name="Oval 26"/>
+          <p:cNvSpPr/>
+          <p:nvPr/>
+        </p:nvSpPr>
+        <p:spPr>
+          <a:xfrm>
+            <a:off x="4416262" y="2912394"/>
+            <a:ext cx="599507" cy="654673"/>
+          </a:xfrm>
+          <a:prstGeom prst="ellipse">
+            <a:avLst/>
+          </a:prstGeom>
+          <a:solidFill>
+            <a:schemeClr val="tx2">
+              <a:lumMod val="20000"/>
+              <a:lumOff val="80000"/>
+            </a:schemeClr>
+          </a:solidFill>
+        </p:spPr>
+        <p:style>
+          <a:lnRef idx="2">
+            <a:schemeClr val="accent1">
+              <a:shade val="50000"/>
+            </a:schemeClr>
+          </a:lnRef>
+          <a:fillRef idx="1">
+            <a:schemeClr val="accent1"/>
+          </a:fillRef>
+          <a:effectRef idx="0">
+            <a:schemeClr val="accent1"/>
+          </a:effectRef>
+          <a:fontRef idx="minor">
+            <a:schemeClr val="lt1"/>
+          </a:fontRef>
+        </p:style>
+        <p:txBody>
+          <a:bodyPr rtlCol="0" anchor="ctr"/>
+          <a:lstStyle/>
+          <a:p>
+            <a:pPr algn="ctr"/>
+            <a:endParaRPr lang="en-US"/>
+          </a:p>
+        </p:txBody>
+      </p:sp>
+      <p:sp>
+        <p:nvSpPr>
+          <p:cNvPr id="28" name="Oval 27"/>
+          <p:cNvSpPr/>
+          <p:nvPr/>
+        </p:nvSpPr>
+        <p:spPr>
+          <a:xfrm>
+            <a:off x="5029155" y="3567067"/>
+            <a:ext cx="599507" cy="654673"/>
+          </a:xfrm>
+          <a:prstGeom prst="ellipse">
+            <a:avLst/>
+          </a:prstGeom>
+          <a:solidFill>
+            <a:schemeClr val="tx2">
+              <a:lumMod val="20000"/>
+              <a:lumOff val="80000"/>
+            </a:schemeClr>
+          </a:solidFill>
+        </p:spPr>
+        <p:style>
+          <a:lnRef idx="2">
+            <a:schemeClr val="accent1">
+              <a:shade val="50000"/>
+            </a:schemeClr>
+          </a:lnRef>
+          <a:fillRef idx="1">
+            <a:schemeClr val="accent1"/>
+          </a:fillRef>
+          <a:effectRef idx="0">
+            <a:schemeClr val="accent1"/>
+          </a:effectRef>
+          <a:fontRef idx="minor">
+            <a:schemeClr val="lt1"/>
+          </a:fontRef>
+        </p:style>
+        <p:txBody>
+          <a:bodyPr rtlCol="0" anchor="ctr"/>
+          <a:lstStyle/>
+          <a:p>
+            <a:pPr algn="ctr"/>
+            <a:endParaRPr lang="en-US"/>
+          </a:p>
+        </p:txBody>
+      </p:sp>
+      <p:sp>
+        <p:nvSpPr>
+          <p:cNvPr id="29" name="Oval 28"/>
+          <p:cNvSpPr/>
+          <p:nvPr/>
+        </p:nvSpPr>
+        <p:spPr>
+          <a:xfrm>
+            <a:off x="6714373" y="2529999"/>
+            <a:ext cx="599507" cy="654673"/>
+          </a:xfrm>
+          <a:prstGeom prst="ellipse">
+            <a:avLst/>
+          </a:prstGeom>
+          <a:solidFill>
+            <a:schemeClr val="tx2">
+              <a:lumMod val="20000"/>
+              <a:lumOff val="80000"/>
+            </a:schemeClr>
+          </a:solidFill>
+        </p:spPr>
+        <p:style>
+          <a:lnRef idx="2">
+            <a:schemeClr val="accent1">
+              <a:shade val="50000"/>
+            </a:schemeClr>
+          </a:lnRef>
+          <a:fillRef idx="1">
+            <a:schemeClr val="accent1"/>
+          </a:fillRef>
+          <a:effectRef idx="0">
+            <a:schemeClr val="accent1"/>
+          </a:effectRef>
+          <a:fontRef idx="minor">
+            <a:schemeClr val="lt1"/>
+          </a:fontRef>
+        </p:style>
+        <p:txBody>
+          <a:bodyPr rtlCol="0" anchor="ctr"/>
+          <a:lstStyle/>
+          <a:p>
+            <a:pPr algn="ctr"/>
+            <a:endParaRPr lang="en-US"/>
+          </a:p>
+        </p:txBody>
+      </p:sp>
+      <p:sp>
+        <p:nvSpPr>
+          <p:cNvPr id="30" name="Oval 29"/>
+          <p:cNvSpPr/>
+          <p:nvPr/>
+        </p:nvSpPr>
+        <p:spPr>
+          <a:xfrm>
+            <a:off x="6714373" y="3312979"/>
+            <a:ext cx="599507" cy="654673"/>
+          </a:xfrm>
+          <a:prstGeom prst="ellipse">
+            <a:avLst/>
+          </a:prstGeom>
+          <a:solidFill>
+            <a:schemeClr val="tx2">
+              <a:lumMod val="20000"/>
+              <a:lumOff val="80000"/>
+            </a:schemeClr>
+          </a:solidFill>
+        </p:spPr>
+        <p:style>
+          <a:lnRef idx="2">
+            <a:schemeClr val="accent1">
+              <a:shade val="50000"/>
+            </a:schemeClr>
+          </a:lnRef>
+          <a:fillRef idx="1">
+            <a:schemeClr val="accent1"/>
+          </a:fillRef>
+          <a:effectRef idx="0">
+            <a:schemeClr val="accent1"/>
+          </a:effectRef>
+          <a:fontRef idx="minor">
+            <a:schemeClr val="lt1"/>
+          </a:fontRef>
+        </p:style>
+        <p:txBody>
+          <a:bodyPr rtlCol="0" anchor="ctr"/>
+          <a:lstStyle/>
+          <a:p>
+            <a:pPr algn="ctr"/>
+            <a:endParaRPr lang="en-US"/>
+          </a:p>
+        </p:txBody>
+      </p:sp>
+      <p:sp>
+        <p:nvSpPr>
+          <p:cNvPr id="31" name="Oval 30"/>
+          <p:cNvSpPr/>
+          <p:nvPr/>
+        </p:nvSpPr>
+        <p:spPr>
+          <a:xfrm>
+            <a:off x="6514537" y="4747926"/>
+            <a:ext cx="599507" cy="654673"/>
+          </a:xfrm>
+          <a:prstGeom prst="ellipse">
+            <a:avLst/>
+          </a:prstGeom>
+          <a:solidFill>
+            <a:schemeClr val="tx2">
+              <a:lumMod val="20000"/>
+              <a:lumOff val="80000"/>
+            </a:schemeClr>
+          </a:solidFill>
+        </p:spPr>
+        <p:style>
+          <a:lnRef idx="2">
+            <a:schemeClr val="accent1">
+              <a:shade val="50000"/>
+            </a:schemeClr>
+          </a:lnRef>
+          <a:fillRef idx="1">
+            <a:schemeClr val="accent1"/>
+          </a:fillRef>
+          <a:effectRef idx="0">
+            <a:schemeClr val="accent1"/>
+          </a:effectRef>
+          <a:fontRef idx="minor">
+            <a:schemeClr val="lt1"/>
+          </a:fontRef>
+        </p:style>
+        <p:txBody>
+          <a:bodyPr rtlCol="0" anchor="ctr"/>
+          <a:lstStyle/>
+          <a:p>
+            <a:pPr algn="ctr"/>
+            <a:endParaRPr lang="en-US"/>
+          </a:p>
+        </p:txBody>
+      </p:sp>
+      <p:cxnSp>
+        <p:nvCxnSpPr>
+          <p:cNvPr id="33" name="Straight Arrow Connector 32"/>
+          <p:cNvCxnSpPr/>
+          <p:nvPr/>
+        </p:nvCxnSpPr>
+        <p:spPr>
+          <a:xfrm flipV="1">
+            <a:off x="4716015" y="3239730"/>
+            <a:ext cx="612893" cy="73249"/>
+          </a:xfrm>
+          <a:prstGeom prst="straightConnector1">
+            <a:avLst/>
+          </a:prstGeom>
+          <a:ln w="57150">
+            <a:solidFill>
+              <a:schemeClr val="tx1"/>
+            </a:solidFill>
+            <a:tailEnd type="arrow"/>
+          </a:ln>
+        </p:spPr>
+        <p:style>
+          <a:lnRef idx="1">
+            <a:schemeClr val="accent1"/>
+          </a:lnRef>
+          <a:fillRef idx="0">
+            <a:schemeClr val="accent1"/>
+          </a:fillRef>
+          <a:effectRef idx="0">
+            <a:schemeClr val="accent1"/>
+          </a:effectRef>
+          <a:fontRef idx="minor">
+            <a:schemeClr val="tx1"/>
+          </a:fontRef>
+        </p:style>
+      </p:cxnSp>
+      <p:cxnSp>
+        <p:nvCxnSpPr>
+          <p:cNvPr id="34" name="Straight Arrow Connector 33"/>
+          <p:cNvCxnSpPr/>
+          <p:nvPr/>
+        </p:nvCxnSpPr>
+        <p:spPr>
+          <a:xfrm flipH="1">
+            <a:off x="5415440" y="2457512"/>
+            <a:ext cx="86533" cy="782218"/>
+          </a:xfrm>
+          <a:prstGeom prst="straightConnector1">
+            <a:avLst/>
+          </a:prstGeom>
+          <a:ln w="57150">
+            <a:solidFill>
+              <a:schemeClr val="tx1"/>
+            </a:solidFill>
+            <a:tailEnd type="arrow"/>
+          </a:ln>
+        </p:spPr>
+        <p:style>
+          <a:lnRef idx="1">
+            <a:schemeClr val="accent1"/>
+          </a:lnRef>
+          <a:fillRef idx="0">
+            <a:schemeClr val="accent1"/>
+          </a:fillRef>
+          <a:effectRef idx="0">
+            <a:schemeClr val="accent1"/>
+          </a:effectRef>
+          <a:fontRef idx="minor">
+            <a:schemeClr val="tx1"/>
+          </a:fontRef>
+        </p:style>
+      </p:cxnSp>
+      <p:cxnSp>
+        <p:nvCxnSpPr>
+          <p:cNvPr id="36" name="Straight Arrow Connector 35"/>
+          <p:cNvCxnSpPr/>
+          <p:nvPr/>
+        </p:nvCxnSpPr>
+        <p:spPr>
+          <a:xfrm flipV="1">
+            <a:off x="5346647" y="3314384"/>
+            <a:ext cx="13457" cy="653268"/>
+          </a:xfrm>
+          <a:prstGeom prst="straightConnector1">
+            <a:avLst/>
+          </a:prstGeom>
+          <a:ln w="57150">
+            <a:solidFill>
+              <a:schemeClr val="tx1"/>
+            </a:solidFill>
+            <a:tailEnd type="arrow"/>
+          </a:ln>
+        </p:spPr>
+        <p:style>
+          <a:lnRef idx="1">
+            <a:schemeClr val="accent1"/>
+          </a:lnRef>
+          <a:fillRef idx="0">
+            <a:schemeClr val="accent1"/>
+          </a:fillRef>
+          <a:effectRef idx="0">
+            <a:schemeClr val="accent1"/>
+          </a:effectRef>
+          <a:fontRef idx="minor">
+            <a:schemeClr val="tx1"/>
+          </a:fontRef>
+        </p:style>
+      </p:cxnSp>
+      <p:cxnSp>
+        <p:nvCxnSpPr>
+          <p:cNvPr id="39" name="Straight Arrow Connector 38"/>
+          <p:cNvCxnSpPr/>
+          <p:nvPr/>
+        </p:nvCxnSpPr>
+        <p:spPr>
+          <a:xfrm flipH="1" flipV="1">
+            <a:off x="6483413" y="4494015"/>
+            <a:ext cx="196190" cy="584291"/>
+          </a:xfrm>
+          <a:prstGeom prst="straightConnector1">
+            <a:avLst/>
+          </a:prstGeom>
+          <a:ln w="57150">
+            <a:solidFill>
+              <a:schemeClr val="tx1"/>
+            </a:solidFill>
+            <a:tailEnd type="arrow"/>
+          </a:ln>
+        </p:spPr>
+        <p:style>
+          <a:lnRef idx="1">
+            <a:schemeClr val="accent1"/>
+          </a:lnRef>
+          <a:fillRef idx="0">
+            <a:schemeClr val="accent1"/>
+          </a:fillRef>
+          <a:effectRef idx="0">
+            <a:schemeClr val="accent1"/>
+          </a:effectRef>
+          <a:fontRef idx="minor">
+            <a:schemeClr val="tx1"/>
+          </a:fontRef>
+        </p:style>
+      </p:cxnSp>
+      <p:cxnSp>
+        <p:nvCxnSpPr>
+          <p:cNvPr id="40" name="Straight Arrow Connector 39"/>
+          <p:cNvCxnSpPr/>
+          <p:nvPr/>
+        </p:nvCxnSpPr>
+        <p:spPr>
+          <a:xfrm flipH="1">
+            <a:off x="6483413" y="2848621"/>
+            <a:ext cx="530713" cy="391109"/>
+          </a:xfrm>
+          <a:prstGeom prst="straightConnector1">
+            <a:avLst/>
+          </a:prstGeom>
+          <a:ln w="57150">
+            <a:solidFill>
+              <a:schemeClr val="tx1"/>
+            </a:solidFill>
+            <a:tailEnd type="arrow"/>
+          </a:ln>
+        </p:spPr>
+        <p:style>
+          <a:lnRef idx="1">
+            <a:schemeClr val="accent1"/>
+          </a:lnRef>
+          <a:fillRef idx="0">
+            <a:schemeClr val="accent1"/>
+          </a:fillRef>
+          <a:effectRef idx="0">
+            <a:schemeClr val="accent1"/>
+          </a:effectRef>
+          <a:fontRef idx="minor">
+            <a:schemeClr val="tx1"/>
+          </a:fontRef>
+        </p:style>
+      </p:cxnSp>
+      <p:cxnSp>
+        <p:nvCxnSpPr>
+          <p:cNvPr id="41" name="Straight Arrow Connector 40"/>
+          <p:cNvCxnSpPr/>
+          <p:nvPr/>
+        </p:nvCxnSpPr>
+        <p:spPr>
+          <a:xfrm flipH="1" flipV="1">
+            <a:off x="6428076" y="3314385"/>
+            <a:ext cx="586050" cy="375994"/>
+          </a:xfrm>
+          <a:prstGeom prst="straightConnector1">
+            <a:avLst/>
+          </a:prstGeom>
+          <a:ln w="57150">
+            <a:solidFill>
+              <a:schemeClr val="tx1"/>
+            </a:solidFill>
+            <a:tailEnd type="arrow"/>
+          </a:ln>
+        </p:spPr>
+        <p:style>
+          <a:lnRef idx="1">
+            <a:schemeClr val="accent1"/>
+          </a:lnRef>
+          <a:fillRef idx="0">
+            <a:schemeClr val="accent1"/>
+          </a:fillRef>
+          <a:effectRef idx="0">
+            <a:schemeClr val="accent1"/>
+          </a:effectRef>
+          <a:fontRef idx="minor">
+            <a:schemeClr val="tx1"/>
+          </a:fontRef>
+        </p:style>
+      </p:cxnSp>
+    </p:spTree>
+    <p:extLst>
+      <p:ext uri="{BB962C8B-B14F-4D97-AF65-F5344CB8AC3E}">
+        <p14:creationId xmlns:p14="http://schemas.microsoft.com/office/powerpoint/2010/main" val="1194705727"/>
+      </p:ext>
+    </p:extLst>
+  </p:cSld>
+  <p:clrMapOvr>
+    <a:masterClrMapping/>
+  </p:clrMapOvr>
+  <p:timing>
+    <p:tnLst>
+      <p:par>
+        <p:cTn id="1" dur="indefinite" restart="never" nodeType="tmRoot">
+          <p:childTnLst>
+            <p:seq concurrent="1" nextAc="seek">
+              <p:cTn id="2" dur="indefinite" nodeType="mainSeq">
+                <p:childTnLst>
+                  <p:par>
+                    <p:cTn id="3" fill="hold">
+                      <p:stCondLst>
+                        <p:cond delay="indefinite"/>
+                      </p:stCondLst>
+                      <p:childTnLst>
+                        <p:par>
+                          <p:cTn id="4" fill="hold">
+                            <p:stCondLst>
+                              <p:cond delay="0"/>
+                            </p:stCondLst>
+                            <p:childTnLst>
+                              <p:par>
+                                <p:cTn id="5" presetID="1" presetClass="entr" presetSubtype="0" fill="hold" nodeType="clickEffect">
+                                  <p:stCondLst>
+                                    <p:cond delay="0"/>
+                                  </p:stCondLst>
+                                  <p:childTnLst>
+                                    <p:set>
+                                      <p:cBhvr>
+                                        <p:cTn id="6" dur="1" fill="hold">
+                                          <p:stCondLst>
+                                            <p:cond delay="0"/>
+                                          </p:stCondLst>
+                                        </p:cTn>
+                                        <p:tgtEl>
+                                          <p:spTgt spid="20"/>
+                                        </p:tgtEl>
+                                        <p:attrNameLst>
+                                          <p:attrName>style.visibility</p:attrName>
+                                        </p:attrNameLst>
+                                      </p:cBhvr>
+                                      <p:to>
+                                        <p:strVal val="visible"/>
+                                      </p:to>
+                                    </p:set>
+                                  </p:childTnLst>
+                                </p:cTn>
+                              </p:par>
+                            </p:childTnLst>
+                          </p:cTn>
+                        </p:par>
+                      </p:childTnLst>
+                    </p:cTn>
+                  </p:par>
+                  <p:par>
+                    <p:cTn id="7" fill="hold">
+                      <p:stCondLst>
+                        <p:cond delay="indefinite"/>
+                      </p:stCondLst>
+                      <p:childTnLst>
+                        <p:par>
+                          <p:cTn id="8" fill="hold">
+                            <p:stCondLst>
+                              <p:cond delay="0"/>
+                            </p:stCondLst>
+                            <p:childTnLst>
+                              <p:par>
+                                <p:cTn id="9" presetID="2" presetClass="entr" presetSubtype="8" fill="hold" grpId="0" nodeType="clickEffect">
+                                  <p:stCondLst>
+                                    <p:cond delay="0"/>
+                                  </p:stCondLst>
+                                  <p:childTnLst>
+                                    <p:set>
+                                      <p:cBhvr>
+                                        <p:cTn id="10" dur="1" fill="hold">
+                                          <p:stCondLst>
+                                            <p:cond delay="0"/>
+                                          </p:stCondLst>
+                                        </p:cTn>
+                                        <p:tgtEl>
+                                          <p:spTgt spid="22"/>
+                                        </p:tgtEl>
+                                        <p:attrNameLst>
+                                          <p:attrName>style.visibility</p:attrName>
+                                        </p:attrNameLst>
+                                      </p:cBhvr>
+                                      <p:to>
+                                        <p:strVal val="visible"/>
+                                      </p:to>
+                                    </p:set>
+                                    <p:anim calcmode="lin" valueType="num">
+                                      <p:cBhvr additive="base">
+                                        <p:cTn id="11" dur="500" fill="hold"/>
+                                        <p:tgtEl>
+                                          <p:spTgt spid="22"/>
+                                        </p:tgtEl>
+                                        <p:attrNameLst>
+                                          <p:attrName>ppt_x</p:attrName>
+                                        </p:attrNameLst>
+                                      </p:cBhvr>
+                                      <p:tavLst>
+                                        <p:tav tm="0">
+                                          <p:val>
+                                            <p:strVal val="0-#ppt_w/2"/>
+                                          </p:val>
+                                        </p:tav>
+                                        <p:tav tm="100000">
+                                          <p:val>
+                                            <p:strVal val="#ppt_x"/>
+                                          </p:val>
+                                        </p:tav>
+                                      </p:tavLst>
+                                    </p:anim>
+                                    <p:anim calcmode="lin" valueType="num">
+                                      <p:cBhvr additive="base">
+                                        <p:cTn id="12" dur="500" fill="hold"/>
+                                        <p:tgtEl>
+                                          <p:spTgt spid="22"/>
+                                        </p:tgtEl>
+                                        <p:attrNameLst>
+                                          <p:attrName>ppt_y</p:attrName>
+                                        </p:attrNameLst>
+                                      </p:cBhvr>
+                                      <p:tavLst>
+                                        <p:tav tm="0">
+                                          <p:val>
+                                            <p:strVal val="#ppt_y"/>
+                                          </p:val>
+                                        </p:tav>
+                                        <p:tav tm="100000">
+                                          <p:val>
+                                            <p:strVal val="#ppt_y"/>
+                                          </p:val>
+                                        </p:tav>
+                                      </p:tavLst>
+                                    </p:anim>
+                                  </p:childTnLst>
+                                </p:cTn>
+                              </p:par>
+                              <p:par>
+                                <p:cTn id="13" presetID="2" presetClass="entr" presetSubtype="8" fill="hold" grpId="0" nodeType="withEffect">
+                                  <p:stCondLst>
+                                    <p:cond delay="0"/>
+                                  </p:stCondLst>
+                                  <p:childTnLst>
+                                    <p:set>
+                                      <p:cBhvr>
+                                        <p:cTn id="14" dur="1" fill="hold">
+                                          <p:stCondLst>
+                                            <p:cond delay="0"/>
+                                          </p:stCondLst>
+                                        </p:cTn>
+                                        <p:tgtEl>
+                                          <p:spTgt spid="23"/>
+                                        </p:tgtEl>
+                                        <p:attrNameLst>
+                                          <p:attrName>style.visibility</p:attrName>
+                                        </p:attrNameLst>
+                                      </p:cBhvr>
+                                      <p:to>
+                                        <p:strVal val="visible"/>
+                                      </p:to>
+                                    </p:set>
+                                    <p:anim calcmode="lin" valueType="num">
+                                      <p:cBhvr additive="base">
+                                        <p:cTn id="15" dur="500" fill="hold"/>
+                                        <p:tgtEl>
+                                          <p:spTgt spid="23"/>
+                                        </p:tgtEl>
+                                        <p:attrNameLst>
+                                          <p:attrName>ppt_x</p:attrName>
+                                        </p:attrNameLst>
+                                      </p:cBhvr>
+                                      <p:tavLst>
+                                        <p:tav tm="0">
+                                          <p:val>
+                                            <p:strVal val="0-#ppt_w/2"/>
+                                          </p:val>
+                                        </p:tav>
+                                        <p:tav tm="100000">
+                                          <p:val>
+                                            <p:strVal val="#ppt_x"/>
+                                          </p:val>
+                                        </p:tav>
+                                      </p:tavLst>
+                                    </p:anim>
+                                    <p:anim calcmode="lin" valueType="num">
+                                      <p:cBhvr additive="base">
+                                        <p:cTn id="16" dur="500" fill="hold"/>
+                                        <p:tgtEl>
+                                          <p:spTgt spid="23"/>
+                                        </p:tgtEl>
+                                        <p:attrNameLst>
+                                          <p:attrName>ppt_y</p:attrName>
+                                        </p:attrNameLst>
+                                      </p:cBhvr>
+                                      <p:tavLst>
+                                        <p:tav tm="0">
+                                          <p:val>
+                                            <p:strVal val="#ppt_y"/>
+                                          </p:val>
+                                        </p:tav>
+                                        <p:tav tm="100000">
+                                          <p:val>
+                                            <p:strVal val="#ppt_y"/>
+                                          </p:val>
+                                        </p:tav>
+                                      </p:tavLst>
+                                    </p:anim>
+                                  </p:childTnLst>
+                                </p:cTn>
+                              </p:par>
+                              <p:par>
+                                <p:cTn id="17" presetID="2" presetClass="entr" presetSubtype="8" fill="hold" grpId="0" nodeType="withEffect">
+                                  <p:stCondLst>
+                                    <p:cond delay="0"/>
+                                  </p:stCondLst>
+                                  <p:childTnLst>
+                                    <p:set>
+                                      <p:cBhvr>
+                                        <p:cTn id="18" dur="1" fill="hold">
+                                          <p:stCondLst>
+                                            <p:cond delay="0"/>
+                                          </p:stCondLst>
+                                        </p:cTn>
+                                        <p:tgtEl>
+                                          <p:spTgt spid="24"/>
+                                        </p:tgtEl>
+                                        <p:attrNameLst>
+                                          <p:attrName>style.visibility</p:attrName>
+                                        </p:attrNameLst>
+                                      </p:cBhvr>
+                                      <p:to>
+                                        <p:strVal val="visible"/>
+                                      </p:to>
+                                    </p:set>
+                                    <p:anim calcmode="lin" valueType="num">
+                                      <p:cBhvr additive="base">
+                                        <p:cTn id="19" dur="500" fill="hold"/>
+                                        <p:tgtEl>
+                                          <p:spTgt spid="24"/>
+                                        </p:tgtEl>
+                                        <p:attrNameLst>
+                                          <p:attrName>ppt_x</p:attrName>
+                                        </p:attrNameLst>
+                                      </p:cBhvr>
+                                      <p:tavLst>
+                                        <p:tav tm="0">
+                                          <p:val>
+                                            <p:strVal val="0-#ppt_w/2"/>
+                                          </p:val>
+                                        </p:tav>
+                                        <p:tav tm="100000">
+                                          <p:val>
+                                            <p:strVal val="#ppt_x"/>
+                                          </p:val>
+                                        </p:tav>
+                                      </p:tavLst>
+                                    </p:anim>
+                                    <p:anim calcmode="lin" valueType="num">
+                                      <p:cBhvr additive="base">
+                                        <p:cTn id="20" dur="500" fill="hold"/>
+                                        <p:tgtEl>
+                                          <p:spTgt spid="24"/>
+                                        </p:tgtEl>
+                                        <p:attrNameLst>
+                                          <p:attrName>ppt_y</p:attrName>
+                                        </p:attrNameLst>
+                                      </p:cBhvr>
+                                      <p:tavLst>
+                                        <p:tav tm="0">
+                                          <p:val>
+                                            <p:strVal val="#ppt_y"/>
+                                          </p:val>
+                                        </p:tav>
+                                        <p:tav tm="100000">
+                                          <p:val>
+                                            <p:strVal val="#ppt_y"/>
+                                          </p:val>
+                                        </p:tav>
+                                      </p:tavLst>
+                                    </p:anim>
+                                  </p:childTnLst>
+                                </p:cTn>
+                              </p:par>
+                              <p:par>
+                                <p:cTn id="21" presetID="2" presetClass="entr" presetSubtype="8" fill="hold" grpId="0" nodeType="withEffect">
+                                  <p:stCondLst>
+                                    <p:cond delay="0"/>
+                                  </p:stCondLst>
+                                  <p:childTnLst>
+                                    <p:set>
+                                      <p:cBhvr>
+                                        <p:cTn id="22" dur="1" fill="hold">
+                                          <p:stCondLst>
+                                            <p:cond delay="0"/>
+                                          </p:stCondLst>
+                                        </p:cTn>
+                                        <p:tgtEl>
+                                          <p:spTgt spid="25"/>
+                                        </p:tgtEl>
+                                        <p:attrNameLst>
+                                          <p:attrName>style.visibility</p:attrName>
+                                        </p:attrNameLst>
+                                      </p:cBhvr>
+                                      <p:to>
+                                        <p:strVal val="visible"/>
+                                      </p:to>
+                                    </p:set>
+                                    <p:anim calcmode="lin" valueType="num">
+                                      <p:cBhvr additive="base">
+                                        <p:cTn id="23" dur="500" fill="hold"/>
+                                        <p:tgtEl>
+                                          <p:spTgt spid="25"/>
+                                        </p:tgtEl>
+                                        <p:attrNameLst>
+                                          <p:attrName>ppt_x</p:attrName>
+                                        </p:attrNameLst>
+                                      </p:cBhvr>
+                                      <p:tavLst>
+                                        <p:tav tm="0">
+                                          <p:val>
+                                            <p:strVal val="0-#ppt_w/2"/>
+                                          </p:val>
+                                        </p:tav>
+                                        <p:tav tm="100000">
+                                          <p:val>
+                                            <p:strVal val="#ppt_x"/>
+                                          </p:val>
+                                        </p:tav>
+                                      </p:tavLst>
+                                    </p:anim>
+                                    <p:anim calcmode="lin" valueType="num">
+                                      <p:cBhvr additive="base">
+                                        <p:cTn id="24" dur="500" fill="hold"/>
+                                        <p:tgtEl>
+                                          <p:spTgt spid="25"/>
+                                        </p:tgtEl>
+                                        <p:attrNameLst>
+                                          <p:attrName>ppt_y</p:attrName>
+                                        </p:attrNameLst>
+                                      </p:cBhvr>
+                                      <p:tavLst>
+                                        <p:tav tm="0">
+                                          <p:val>
+                                            <p:strVal val="#ppt_y"/>
+                                          </p:val>
+                                        </p:tav>
+                                        <p:tav tm="100000">
+                                          <p:val>
+                                            <p:strVal val="#ppt_y"/>
+                                          </p:val>
+                                        </p:tav>
+                                      </p:tavLst>
+                                    </p:anim>
+                                  </p:childTnLst>
+                                </p:cTn>
+                              </p:par>
+                              <p:par>
+                                <p:cTn id="25" presetID="2" presetClass="entr" presetSubtype="8" fill="hold" grpId="0" nodeType="withEffect">
+                                  <p:stCondLst>
+                                    <p:cond delay="0"/>
+                                  </p:stCondLst>
+                                  <p:childTnLst>
+                                    <p:set>
+                                      <p:cBhvr>
+                                        <p:cTn id="26" dur="1" fill="hold">
+                                          <p:stCondLst>
+                                            <p:cond delay="0"/>
+                                          </p:stCondLst>
+                                        </p:cTn>
+                                        <p:tgtEl>
+                                          <p:spTgt spid="26"/>
+                                        </p:tgtEl>
+                                        <p:attrNameLst>
+                                          <p:attrName>style.visibility</p:attrName>
+                                        </p:attrNameLst>
+                                      </p:cBhvr>
+                                      <p:to>
+                                        <p:strVal val="visible"/>
+                                      </p:to>
+                                    </p:set>
+                                    <p:anim calcmode="lin" valueType="num">
+                                      <p:cBhvr additive="base">
+                                        <p:cTn id="27" dur="500" fill="hold"/>
+                                        <p:tgtEl>
+                                          <p:spTgt spid="26"/>
+                                        </p:tgtEl>
+                                        <p:attrNameLst>
+                                          <p:attrName>ppt_x</p:attrName>
+                                        </p:attrNameLst>
+                                      </p:cBhvr>
+                                      <p:tavLst>
+                                        <p:tav tm="0">
+                                          <p:val>
+                                            <p:strVal val="0-#ppt_w/2"/>
+                                          </p:val>
+                                        </p:tav>
+                                        <p:tav tm="100000">
+                                          <p:val>
+                                            <p:strVal val="#ppt_x"/>
+                                          </p:val>
+                                        </p:tav>
+                                      </p:tavLst>
+                                    </p:anim>
+                                    <p:anim calcmode="lin" valueType="num">
+                                      <p:cBhvr additive="base">
+                                        <p:cTn id="28" dur="500" fill="hold"/>
+                                        <p:tgtEl>
+                                          <p:spTgt spid="26"/>
+                                        </p:tgtEl>
+                                        <p:attrNameLst>
+                                          <p:attrName>ppt_y</p:attrName>
+                                        </p:attrNameLst>
+                                      </p:cBhvr>
+                                      <p:tavLst>
+                                        <p:tav tm="0">
+                                          <p:val>
+                                            <p:strVal val="#ppt_y"/>
+                                          </p:val>
+                                        </p:tav>
+                                        <p:tav tm="100000">
+                                          <p:val>
+                                            <p:strVal val="#ppt_y"/>
+                                          </p:val>
+                                        </p:tav>
+                                      </p:tavLst>
+                                    </p:anim>
+                                  </p:childTnLst>
+                                </p:cTn>
+                              </p:par>
+                              <p:par>
+                                <p:cTn id="29" presetID="2" presetClass="entr" presetSubtype="8" fill="hold" grpId="0" nodeType="withEffect">
+                                  <p:stCondLst>
+                                    <p:cond delay="0"/>
+                                  </p:stCondLst>
+                                  <p:childTnLst>
+                                    <p:set>
+                                      <p:cBhvr>
+                                        <p:cTn id="30" dur="1" fill="hold">
+                                          <p:stCondLst>
+                                            <p:cond delay="0"/>
+                                          </p:stCondLst>
+                                        </p:cTn>
+                                        <p:tgtEl>
+                                          <p:spTgt spid="28"/>
+                                        </p:tgtEl>
+                                        <p:attrNameLst>
+                                          <p:attrName>style.visibility</p:attrName>
+                                        </p:attrNameLst>
+                                      </p:cBhvr>
+                                      <p:to>
+                                        <p:strVal val="visible"/>
+                                      </p:to>
+                                    </p:set>
+                                    <p:anim calcmode="lin" valueType="num">
+                                      <p:cBhvr additive="base">
+                                        <p:cTn id="31" dur="500" fill="hold"/>
+                                        <p:tgtEl>
+                                          <p:spTgt spid="28"/>
+                                        </p:tgtEl>
+                                        <p:attrNameLst>
+                                          <p:attrName>ppt_x</p:attrName>
+                                        </p:attrNameLst>
+                                      </p:cBhvr>
+                                      <p:tavLst>
+                                        <p:tav tm="0">
+                                          <p:val>
+                                            <p:strVal val="0-#ppt_w/2"/>
+                                          </p:val>
+                                        </p:tav>
+                                        <p:tav tm="100000">
+                                          <p:val>
+                                            <p:strVal val="#ppt_x"/>
+                                          </p:val>
+                                        </p:tav>
+                                      </p:tavLst>
+                                    </p:anim>
+                                    <p:anim calcmode="lin" valueType="num">
+                                      <p:cBhvr additive="base">
+                                        <p:cTn id="32" dur="500" fill="hold"/>
+                                        <p:tgtEl>
+                                          <p:spTgt spid="28"/>
+                                        </p:tgtEl>
+                                        <p:attrNameLst>
+                                          <p:attrName>ppt_y</p:attrName>
+                                        </p:attrNameLst>
+                                      </p:cBhvr>
+                                      <p:tavLst>
+                                        <p:tav tm="0">
+                                          <p:val>
+                                            <p:strVal val="#ppt_y"/>
+                                          </p:val>
+                                        </p:tav>
+                                        <p:tav tm="100000">
+                                          <p:val>
+                                            <p:strVal val="#ppt_y"/>
+                                          </p:val>
+                                        </p:tav>
+                                      </p:tavLst>
+                                    </p:anim>
+                                  </p:childTnLst>
+                                </p:cTn>
+                              </p:par>
+                              <p:par>
+                                <p:cTn id="33" presetID="2" presetClass="entr" presetSubtype="8" fill="hold" grpId="0" nodeType="withEffect">
+                                  <p:stCondLst>
+                                    <p:cond delay="0"/>
+                                  </p:stCondLst>
+                                  <p:childTnLst>
+                                    <p:set>
+                                      <p:cBhvr>
+                                        <p:cTn id="34" dur="1" fill="hold">
+                                          <p:stCondLst>
+                                            <p:cond delay="0"/>
+                                          </p:stCondLst>
+                                        </p:cTn>
+                                        <p:tgtEl>
+                                          <p:spTgt spid="29"/>
+                                        </p:tgtEl>
+                                        <p:attrNameLst>
+                                          <p:attrName>style.visibility</p:attrName>
+                                        </p:attrNameLst>
+                                      </p:cBhvr>
+                                      <p:to>
+                                        <p:strVal val="visible"/>
+                                      </p:to>
+                                    </p:set>
+                                    <p:anim calcmode="lin" valueType="num">
+                                      <p:cBhvr additive="base">
+                                        <p:cTn id="35" dur="500" fill="hold"/>
+                                        <p:tgtEl>
+                                          <p:spTgt spid="29"/>
+                                        </p:tgtEl>
+                                        <p:attrNameLst>
+                                          <p:attrName>ppt_x</p:attrName>
+                                        </p:attrNameLst>
+                                      </p:cBhvr>
+                                      <p:tavLst>
+                                        <p:tav tm="0">
+                                          <p:val>
+                                            <p:strVal val="0-#ppt_w/2"/>
+                                          </p:val>
+                                        </p:tav>
+                                        <p:tav tm="100000">
+                                          <p:val>
+                                            <p:strVal val="#ppt_x"/>
+                                          </p:val>
+                                        </p:tav>
+                                      </p:tavLst>
+                                    </p:anim>
+                                    <p:anim calcmode="lin" valueType="num">
+                                      <p:cBhvr additive="base">
+                                        <p:cTn id="36" dur="500" fill="hold"/>
+                                        <p:tgtEl>
+                                          <p:spTgt spid="29"/>
+                                        </p:tgtEl>
+                                        <p:attrNameLst>
+                                          <p:attrName>ppt_y</p:attrName>
+                                        </p:attrNameLst>
+                                      </p:cBhvr>
+                                      <p:tavLst>
+                                        <p:tav tm="0">
+                                          <p:val>
+                                            <p:strVal val="#ppt_y"/>
+                                          </p:val>
+                                        </p:tav>
+                                        <p:tav tm="100000">
+                                          <p:val>
+                                            <p:strVal val="#ppt_y"/>
+                                          </p:val>
+                                        </p:tav>
+                                      </p:tavLst>
+                                    </p:anim>
+                                  </p:childTnLst>
+                                </p:cTn>
+                              </p:par>
+                              <p:par>
+                                <p:cTn id="37" presetID="2" presetClass="entr" presetSubtype="8" fill="hold" grpId="0" nodeType="withEffect">
+                                  <p:stCondLst>
+                                    <p:cond delay="0"/>
+                                  </p:stCondLst>
+                                  <p:childTnLst>
+                                    <p:set>
+                                      <p:cBhvr>
+                                        <p:cTn id="38" dur="1" fill="hold">
+                                          <p:stCondLst>
+                                            <p:cond delay="0"/>
+                                          </p:stCondLst>
+                                        </p:cTn>
+                                        <p:tgtEl>
+                                          <p:spTgt spid="30"/>
+                                        </p:tgtEl>
+                                        <p:attrNameLst>
+                                          <p:attrName>style.visibility</p:attrName>
+                                        </p:attrNameLst>
+                                      </p:cBhvr>
+                                      <p:to>
+                                        <p:strVal val="visible"/>
+                                      </p:to>
+                                    </p:set>
+                                    <p:anim calcmode="lin" valueType="num">
+                                      <p:cBhvr additive="base">
+                                        <p:cTn id="39" dur="500" fill="hold"/>
+                                        <p:tgtEl>
+                                          <p:spTgt spid="30"/>
+                                        </p:tgtEl>
+                                        <p:attrNameLst>
+                                          <p:attrName>ppt_x</p:attrName>
+                                        </p:attrNameLst>
+                                      </p:cBhvr>
+                                      <p:tavLst>
+                                        <p:tav tm="0">
+                                          <p:val>
+                                            <p:strVal val="0-#ppt_w/2"/>
+                                          </p:val>
+                                        </p:tav>
+                                        <p:tav tm="100000">
+                                          <p:val>
+                                            <p:strVal val="#ppt_x"/>
+                                          </p:val>
+                                        </p:tav>
+                                      </p:tavLst>
+                                    </p:anim>
+                                    <p:anim calcmode="lin" valueType="num">
+                                      <p:cBhvr additive="base">
+                                        <p:cTn id="40" dur="500" fill="hold"/>
+                                        <p:tgtEl>
+                                          <p:spTgt spid="30"/>
+                                        </p:tgtEl>
+                                        <p:attrNameLst>
+                                          <p:attrName>ppt_y</p:attrName>
+                                        </p:attrNameLst>
+                                      </p:cBhvr>
+                                      <p:tavLst>
+                                        <p:tav tm="0">
+                                          <p:val>
+                                            <p:strVal val="#ppt_y"/>
+                                          </p:val>
+                                        </p:tav>
+                                        <p:tav tm="100000">
+                                          <p:val>
+                                            <p:strVal val="#ppt_y"/>
+                                          </p:val>
+                                        </p:tav>
+                                      </p:tavLst>
+                                    </p:anim>
+                                  </p:childTnLst>
+                                </p:cTn>
+                              </p:par>
+                              <p:par>
+                                <p:cTn id="41" presetID="2" presetClass="entr" presetSubtype="8" fill="hold" grpId="0" nodeType="withEffect">
+                                  <p:stCondLst>
+                                    <p:cond delay="0"/>
+                                  </p:stCondLst>
+                                  <p:childTnLst>
+                                    <p:set>
+                                      <p:cBhvr>
+                                        <p:cTn id="42" dur="1" fill="hold">
+                                          <p:stCondLst>
+                                            <p:cond delay="0"/>
+                                          </p:stCondLst>
+                                        </p:cTn>
+                                        <p:tgtEl>
+                                          <p:spTgt spid="31"/>
+                                        </p:tgtEl>
+                                        <p:attrNameLst>
+                                          <p:attrName>style.visibility</p:attrName>
+                                        </p:attrNameLst>
+                                      </p:cBhvr>
+                                      <p:to>
+                                        <p:strVal val="visible"/>
+                                      </p:to>
+                                    </p:set>
+                                    <p:anim calcmode="lin" valueType="num">
+                                      <p:cBhvr additive="base">
+                                        <p:cTn id="43" dur="500" fill="hold"/>
+                                        <p:tgtEl>
+                                          <p:spTgt spid="31"/>
+                                        </p:tgtEl>
+                                        <p:attrNameLst>
+                                          <p:attrName>ppt_x</p:attrName>
+                                        </p:attrNameLst>
+                                      </p:cBhvr>
+                                      <p:tavLst>
+                                        <p:tav tm="0">
+                                          <p:val>
+                                            <p:strVal val="0-#ppt_w/2"/>
+                                          </p:val>
+                                        </p:tav>
+                                        <p:tav tm="100000">
+                                          <p:val>
+                                            <p:strVal val="#ppt_x"/>
+                                          </p:val>
+                                        </p:tav>
+                                      </p:tavLst>
+                                    </p:anim>
+                                    <p:anim calcmode="lin" valueType="num">
+                                      <p:cBhvr additive="base">
+                                        <p:cTn id="44" dur="500" fill="hold"/>
+                                        <p:tgtEl>
+                                          <p:spTgt spid="31"/>
+                                        </p:tgtEl>
+                                        <p:attrNameLst>
+                                          <p:attrName>ppt_y</p:attrName>
+                                        </p:attrNameLst>
+                                      </p:cBhvr>
+                                      <p:tavLst>
+                                        <p:tav tm="0">
+                                          <p:val>
+                                            <p:strVal val="#ppt_y"/>
+                                          </p:val>
+                                        </p:tav>
+                                        <p:tav tm="100000">
+                                          <p:val>
+                                            <p:strVal val="#ppt_y"/>
+                                          </p:val>
+                                        </p:tav>
+                                      </p:tavLst>
+                                    </p:anim>
+                                  </p:childTnLst>
+                                </p:cTn>
+                              </p:par>
+                              <p:par>
+                                <p:cTn id="45" presetID="2" presetClass="entr" presetSubtype="8" fill="hold" grpId="0" nodeType="withEffect">
+                                  <p:stCondLst>
+                                    <p:cond delay="0"/>
+                                  </p:stCondLst>
+                                  <p:childTnLst>
+                                    <p:set>
+                                      <p:cBhvr>
+                                        <p:cTn id="46" dur="1" fill="hold">
+                                          <p:stCondLst>
+                                            <p:cond delay="0"/>
+                                          </p:stCondLst>
+                                        </p:cTn>
+                                        <p:tgtEl>
+                                          <p:spTgt spid="27"/>
+                                        </p:tgtEl>
+                                        <p:attrNameLst>
+                                          <p:attrName>style.visibility</p:attrName>
+                                        </p:attrNameLst>
+                                      </p:cBhvr>
+                                      <p:to>
+                                        <p:strVal val="visible"/>
+                                      </p:to>
+                                    </p:set>
+                                    <p:anim calcmode="lin" valueType="num">
+                                      <p:cBhvr additive="base">
+                                        <p:cTn id="47" dur="500" fill="hold"/>
+                                        <p:tgtEl>
+                                          <p:spTgt spid="27"/>
+                                        </p:tgtEl>
+                                        <p:attrNameLst>
+                                          <p:attrName>ppt_x</p:attrName>
+                                        </p:attrNameLst>
+                                      </p:cBhvr>
+                                      <p:tavLst>
+                                        <p:tav tm="0">
+                                          <p:val>
+                                            <p:strVal val="0-#ppt_w/2"/>
+                                          </p:val>
+                                        </p:tav>
+                                        <p:tav tm="100000">
+                                          <p:val>
+                                            <p:strVal val="#ppt_x"/>
+                                          </p:val>
+                                        </p:tav>
+                                      </p:tavLst>
+                                    </p:anim>
+                                    <p:anim calcmode="lin" valueType="num">
+                                      <p:cBhvr additive="base">
+                                        <p:cTn id="48" dur="500" fill="hold"/>
+                                        <p:tgtEl>
+                                          <p:spTgt spid="27"/>
+                                        </p:tgtEl>
+                                        <p:attrNameLst>
+                                          <p:attrName>ppt_y</p:attrName>
+                                        </p:attrNameLst>
+                                      </p:cBhvr>
+                                      <p:tavLst>
+                                        <p:tav tm="0">
+                                          <p:val>
+                                            <p:strVal val="#ppt_y"/>
+                                          </p:val>
+                                        </p:tav>
+                                        <p:tav tm="100000">
+                                          <p:val>
+                                            <p:strVal val="#ppt_y"/>
+                                          </p:val>
+                                        </p:tav>
+                                      </p:tavLst>
+                                    </p:anim>
+                                  </p:childTnLst>
+                                </p:cTn>
+                              </p:par>
+                            </p:childTnLst>
+                          </p:cTn>
+                        </p:par>
+                      </p:childTnLst>
+                    </p:cTn>
+                  </p:par>
+                  <p:par>
+                    <p:cTn id="49" fill="hold">
+                      <p:stCondLst>
+                        <p:cond delay="indefinite"/>
+                      </p:stCondLst>
+                      <p:childTnLst>
+                        <p:par>
+                          <p:cTn id="50" fill="hold">
+                            <p:stCondLst>
+                              <p:cond delay="0"/>
+                            </p:stCondLst>
+                            <p:childTnLst>
+                              <p:par>
+                                <p:cTn id="51" presetID="1" presetClass="entr" presetSubtype="0" fill="hold" nodeType="clickEffect">
+                                  <p:stCondLst>
+                                    <p:cond delay="0"/>
+                                  </p:stCondLst>
+                                  <p:childTnLst>
+                                    <p:set>
+                                      <p:cBhvr>
+                                        <p:cTn id="52" dur="1" fill="hold">
+                                          <p:stCondLst>
+                                            <p:cond delay="0"/>
+                                          </p:stCondLst>
+                                        </p:cTn>
+                                        <p:tgtEl>
+                                          <p:spTgt spid="33"/>
+                                        </p:tgtEl>
+                                        <p:attrNameLst>
+                                          <p:attrName>style.visibility</p:attrName>
+                                        </p:attrNameLst>
+                                      </p:cBhvr>
+                                      <p:to>
+                                        <p:strVal val="visible"/>
+                                      </p:to>
+                                    </p:set>
+                                  </p:childTnLst>
+                                </p:cTn>
+                              </p:par>
+                              <p:par>
+                                <p:cTn id="53" presetID="1" presetClass="entr" presetSubtype="0" fill="hold" nodeType="withEffect">
+                                  <p:stCondLst>
+                                    <p:cond delay="0"/>
+                                  </p:stCondLst>
+                                  <p:childTnLst>
+                                    <p:set>
+                                      <p:cBhvr>
+                                        <p:cTn id="54" dur="1" fill="hold">
+                                          <p:stCondLst>
+                                            <p:cond delay="0"/>
+                                          </p:stCondLst>
+                                        </p:cTn>
+                                        <p:tgtEl>
+                                          <p:spTgt spid="34"/>
+                                        </p:tgtEl>
+                                        <p:attrNameLst>
+                                          <p:attrName>style.visibility</p:attrName>
+                                        </p:attrNameLst>
+                                      </p:cBhvr>
+                                      <p:to>
+                                        <p:strVal val="visible"/>
+                                      </p:to>
+                                    </p:set>
+                                  </p:childTnLst>
+                                </p:cTn>
+                              </p:par>
+                              <p:par>
+                                <p:cTn id="55" presetID="1" presetClass="entr" presetSubtype="0" fill="hold" nodeType="withEffect">
+                                  <p:stCondLst>
+                                    <p:cond delay="0"/>
+                                  </p:stCondLst>
+                                  <p:childTnLst>
+                                    <p:set>
+                                      <p:cBhvr>
+                                        <p:cTn id="56" dur="1" fill="hold">
+                                          <p:stCondLst>
+                                            <p:cond delay="0"/>
+                                          </p:stCondLst>
+                                        </p:cTn>
+                                        <p:tgtEl>
+                                          <p:spTgt spid="36"/>
+                                        </p:tgtEl>
+                                        <p:attrNameLst>
+                                          <p:attrName>style.visibility</p:attrName>
+                                        </p:attrNameLst>
+                                      </p:cBhvr>
+                                      <p:to>
+                                        <p:strVal val="visible"/>
+                                      </p:to>
+                                    </p:set>
+                                  </p:childTnLst>
+                                </p:cTn>
+                              </p:par>
+                              <p:par>
+                                <p:cTn id="57" presetID="1" presetClass="entr" presetSubtype="0" fill="hold" nodeType="withEffect">
+                                  <p:stCondLst>
+                                    <p:cond delay="0"/>
+                                  </p:stCondLst>
+                                  <p:childTnLst>
+                                    <p:set>
+                                      <p:cBhvr>
+                                        <p:cTn id="58" dur="1" fill="hold">
+                                          <p:stCondLst>
+                                            <p:cond delay="0"/>
+                                          </p:stCondLst>
+                                        </p:cTn>
+                                        <p:tgtEl>
+                                          <p:spTgt spid="39"/>
+                                        </p:tgtEl>
+                                        <p:attrNameLst>
+                                          <p:attrName>style.visibility</p:attrName>
+                                        </p:attrNameLst>
+                                      </p:cBhvr>
+                                      <p:to>
+                                        <p:strVal val="visible"/>
+                                      </p:to>
+                                    </p:set>
+                                  </p:childTnLst>
+                                </p:cTn>
+                              </p:par>
+                              <p:par>
+                                <p:cTn id="59" presetID="1" presetClass="entr" presetSubtype="0" fill="hold" nodeType="withEffect">
+                                  <p:stCondLst>
+                                    <p:cond delay="0"/>
+                                  </p:stCondLst>
+                                  <p:childTnLst>
+                                    <p:set>
+                                      <p:cBhvr>
+                                        <p:cTn id="60" dur="1" fill="hold">
+                                          <p:stCondLst>
+                                            <p:cond delay="0"/>
+                                          </p:stCondLst>
+                                        </p:cTn>
+                                        <p:tgtEl>
+                                          <p:spTgt spid="40"/>
+                                        </p:tgtEl>
+                                        <p:attrNameLst>
+                                          <p:attrName>style.visibility</p:attrName>
+                                        </p:attrNameLst>
+                                      </p:cBhvr>
+                                      <p:to>
+                                        <p:strVal val="visible"/>
+                                      </p:to>
+                                    </p:set>
+                                  </p:childTnLst>
+                                </p:cTn>
+                              </p:par>
+                              <p:par>
+                                <p:cTn id="61" presetID="1" presetClass="entr" presetSubtype="0" fill="hold" nodeType="withEffect">
+                                  <p:stCondLst>
+                                    <p:cond delay="0"/>
+                                  </p:stCondLst>
+                                  <p:childTnLst>
+                                    <p:set>
+                                      <p:cBhvr>
+                                        <p:cTn id="62" dur="1" fill="hold">
+                                          <p:stCondLst>
+                                            <p:cond delay="0"/>
+                                          </p:stCondLst>
+                                        </p:cTn>
+                                        <p:tgtEl>
+                                          <p:spTgt spid="41"/>
+                                        </p:tgtEl>
+                                        <p:attrNameLst>
+                                          <p:attrName>style.visibility</p:attrName>
+                                        </p:attrNameLst>
+                                      </p:cBhvr>
+                                      <p:to>
+                                        <p:strVal val="visible"/>
+                                      </p:to>
+                                    </p:set>
+                                  </p:childTnLst>
+                                </p:cTn>
+                              </p:par>
+                            </p:childTnLst>
+                          </p:cTn>
+                        </p:par>
+                      </p:childTnLst>
+                    </p:cTn>
+                  </p:par>
+                  <p:par>
+                    <p:cTn id="63" fill="hold">
+                      <p:stCondLst>
+                        <p:cond delay="indefinite"/>
+                      </p:stCondLst>
+                      <p:childTnLst>
+                        <p:par>
+                          <p:cTn id="64" fill="hold">
+                            <p:stCondLst>
+                              <p:cond delay="0"/>
+                            </p:stCondLst>
+                            <p:childTnLst>
+                              <p:par>
+                                <p:cTn id="65" presetID="1" presetClass="exit" presetSubtype="0" fill="hold" grpId="1" nodeType="clickEffect">
+                                  <p:stCondLst>
+                                    <p:cond delay="500"/>
+                                  </p:stCondLst>
+                                  <p:childTnLst>
+                                    <p:set>
+                                      <p:cBhvr>
+                                        <p:cTn id="66" dur="1" fill="hold">
+                                          <p:stCondLst>
+                                            <p:cond delay="0"/>
+                                          </p:stCondLst>
+                                        </p:cTn>
+                                        <p:tgtEl>
+                                          <p:spTgt spid="26"/>
+                                        </p:tgtEl>
+                                        <p:attrNameLst>
+                                          <p:attrName>style.visibility</p:attrName>
+                                        </p:attrNameLst>
+                                      </p:cBhvr>
+                                      <p:to>
+                                        <p:strVal val="hidden"/>
+                                      </p:to>
+                                    </p:set>
+                                  </p:childTnLst>
+                                </p:cTn>
+                              </p:par>
+                              <p:par>
+                                <p:cTn id="67" presetID="1" presetClass="exit" presetSubtype="0" fill="hold" nodeType="withEffect">
+                                  <p:stCondLst>
+                                    <p:cond delay="800"/>
+                                  </p:stCondLst>
+                                  <p:childTnLst>
+                                    <p:set>
+                                      <p:cBhvr>
+                                        <p:cTn id="68" dur="1" fill="hold">
+                                          <p:stCondLst>
+                                            <p:cond delay="0"/>
+                                          </p:stCondLst>
+                                        </p:cTn>
+                                        <p:tgtEl>
+                                          <p:spTgt spid="34"/>
+                                        </p:tgtEl>
+                                        <p:attrNameLst>
+                                          <p:attrName>style.visibility</p:attrName>
+                                        </p:attrNameLst>
+                                      </p:cBhvr>
+                                      <p:to>
+                                        <p:strVal val="hidden"/>
+                                      </p:to>
+                                    </p:set>
+                                  </p:childTnLst>
+                                </p:cTn>
+                              </p:par>
+                              <p:par>
+                                <p:cTn id="69" presetID="1" presetClass="exit" presetSubtype="0" fill="hold" grpId="1" nodeType="withEffect">
+                                  <p:stCondLst>
+                                    <p:cond delay="1100"/>
+                                  </p:stCondLst>
+                                  <p:childTnLst>
+                                    <p:set>
+                                      <p:cBhvr>
+                                        <p:cTn id="70" dur="1" fill="hold">
+                                          <p:stCondLst>
+                                            <p:cond delay="0"/>
+                                          </p:stCondLst>
+                                        </p:cTn>
+                                        <p:tgtEl>
+                                          <p:spTgt spid="28"/>
+                                        </p:tgtEl>
+                                        <p:attrNameLst>
+                                          <p:attrName>style.visibility</p:attrName>
+                                        </p:attrNameLst>
+                                      </p:cBhvr>
+                                      <p:to>
+                                        <p:strVal val="hidden"/>
+                                      </p:to>
+                                    </p:set>
+                                  </p:childTnLst>
+                                </p:cTn>
+                              </p:par>
+                              <p:par>
+                                <p:cTn id="71" presetID="1" presetClass="exit" presetSubtype="0" fill="hold" nodeType="withEffect">
+                                  <p:stCondLst>
+                                    <p:cond delay="1400"/>
+                                  </p:stCondLst>
+                                  <p:childTnLst>
+                                    <p:set>
+                                      <p:cBhvr>
+                                        <p:cTn id="72" dur="1" fill="hold">
+                                          <p:stCondLst>
+                                            <p:cond delay="0"/>
+                                          </p:stCondLst>
+                                        </p:cTn>
+                                        <p:tgtEl>
+                                          <p:spTgt spid="36"/>
+                                        </p:tgtEl>
+                                        <p:attrNameLst>
+                                          <p:attrName>style.visibility</p:attrName>
+                                        </p:attrNameLst>
+                                      </p:cBhvr>
+                                      <p:to>
+                                        <p:strVal val="hidden"/>
+                                      </p:to>
+                                    </p:set>
+                                  </p:childTnLst>
+                                </p:cTn>
+                              </p:par>
+                              <p:par>
+                                <p:cTn id="73" presetID="1" presetClass="exit" presetSubtype="0" fill="hold" grpId="1" nodeType="withEffect">
+                                  <p:stCondLst>
+                                    <p:cond delay="1700"/>
+                                  </p:stCondLst>
+                                  <p:childTnLst>
+                                    <p:set>
+                                      <p:cBhvr>
+                                        <p:cTn id="74" dur="1" fill="hold">
+                                          <p:stCondLst>
+                                            <p:cond delay="0"/>
+                                          </p:stCondLst>
+                                        </p:cTn>
+                                        <p:tgtEl>
+                                          <p:spTgt spid="29"/>
+                                        </p:tgtEl>
+                                        <p:attrNameLst>
+                                          <p:attrName>style.visibility</p:attrName>
+                                        </p:attrNameLst>
+                                      </p:cBhvr>
+                                      <p:to>
+                                        <p:strVal val="hidden"/>
+                                      </p:to>
+                                    </p:set>
+                                  </p:childTnLst>
+                                </p:cTn>
+                              </p:par>
+                              <p:par>
+                                <p:cTn id="75" presetID="1" presetClass="exit" presetSubtype="0" fill="hold" nodeType="withEffect">
+                                  <p:stCondLst>
+                                    <p:cond delay="2000"/>
+                                  </p:stCondLst>
+                                  <p:childTnLst>
+                                    <p:set>
+                                      <p:cBhvr>
+                                        <p:cTn id="76" dur="1" fill="hold">
+                                          <p:stCondLst>
+                                            <p:cond delay="0"/>
+                                          </p:stCondLst>
+                                        </p:cTn>
+                                        <p:tgtEl>
+                                          <p:spTgt spid="40"/>
+                                        </p:tgtEl>
+                                        <p:attrNameLst>
+                                          <p:attrName>style.visibility</p:attrName>
+                                        </p:attrNameLst>
+                                      </p:cBhvr>
+                                      <p:to>
+                                        <p:strVal val="hidden"/>
+                                      </p:to>
+                                    </p:set>
+                                  </p:childTnLst>
+                                </p:cTn>
+                              </p:par>
+                              <p:par>
+                                <p:cTn id="77" presetID="1" presetClass="exit" presetSubtype="0" fill="hold" grpId="1" nodeType="withEffect">
+                                  <p:stCondLst>
+                                    <p:cond delay="2300"/>
+                                  </p:stCondLst>
+                                  <p:childTnLst>
+                                    <p:set>
+                                      <p:cBhvr>
+                                        <p:cTn id="78" dur="1" fill="hold">
+                                          <p:stCondLst>
+                                            <p:cond delay="0"/>
+                                          </p:stCondLst>
+                                        </p:cTn>
+                                        <p:tgtEl>
+                                          <p:spTgt spid="30"/>
+                                        </p:tgtEl>
+                                        <p:attrNameLst>
+                                          <p:attrName>style.visibility</p:attrName>
+                                        </p:attrNameLst>
+                                      </p:cBhvr>
+                                      <p:to>
+                                        <p:strVal val="hidden"/>
+                                      </p:to>
+                                    </p:set>
+                                  </p:childTnLst>
+                                </p:cTn>
+                              </p:par>
+                              <p:par>
+                                <p:cTn id="79" presetID="1" presetClass="exit" presetSubtype="0" fill="hold" nodeType="withEffect">
+                                  <p:stCondLst>
+                                    <p:cond delay="2600"/>
+                                  </p:stCondLst>
+                                  <p:childTnLst>
+                                    <p:set>
+                                      <p:cBhvr>
+                                        <p:cTn id="80" dur="1" fill="hold">
+                                          <p:stCondLst>
+                                            <p:cond delay="0"/>
+                                          </p:stCondLst>
+                                        </p:cTn>
+                                        <p:tgtEl>
+                                          <p:spTgt spid="41"/>
+                                        </p:tgtEl>
+                                        <p:attrNameLst>
+                                          <p:attrName>style.visibility</p:attrName>
+                                        </p:attrNameLst>
+                                      </p:cBhvr>
+                                      <p:to>
+                                        <p:strVal val="hidden"/>
+                                      </p:to>
+                                    </p:set>
+                                  </p:childTnLst>
+                                </p:cTn>
+                              </p:par>
+                              <p:par>
+                                <p:cTn id="81" presetID="1" presetClass="exit" presetSubtype="0" fill="hold" grpId="1" nodeType="withEffect">
+                                  <p:stCondLst>
+                                    <p:cond delay="2900"/>
+                                  </p:stCondLst>
+                                  <p:childTnLst>
+                                    <p:set>
+                                      <p:cBhvr>
+                                        <p:cTn id="82" dur="1" fill="hold">
+                                          <p:stCondLst>
+                                            <p:cond delay="0"/>
+                                          </p:stCondLst>
+                                        </p:cTn>
+                                        <p:tgtEl>
+                                          <p:spTgt spid="31"/>
+                                        </p:tgtEl>
+                                        <p:attrNameLst>
+                                          <p:attrName>style.visibility</p:attrName>
+                                        </p:attrNameLst>
+                                      </p:cBhvr>
+                                      <p:to>
+                                        <p:strVal val="hidden"/>
+                                      </p:to>
+                                    </p:set>
+                                  </p:childTnLst>
+                                </p:cTn>
+                              </p:par>
+                              <p:par>
+                                <p:cTn id="83" presetID="1" presetClass="exit" presetSubtype="0" fill="hold" nodeType="withEffect">
+                                  <p:stCondLst>
+                                    <p:cond delay="3200"/>
+                                  </p:stCondLst>
+                                  <p:childTnLst>
+                                    <p:set>
+                                      <p:cBhvr>
+                                        <p:cTn id="84" dur="1" fill="hold">
+                                          <p:stCondLst>
+                                            <p:cond delay="0"/>
+                                          </p:stCondLst>
+                                        </p:cTn>
+                                        <p:tgtEl>
+                                          <p:spTgt spid="39"/>
+                                        </p:tgtEl>
+                                        <p:attrNameLst>
+                                          <p:attrName>style.visibility</p:attrName>
+                                        </p:attrNameLst>
+                                      </p:cBhvr>
+                                      <p:to>
+                                        <p:strVal val="hidden"/>
+                                      </p:to>
+                                    </p:set>
+                                  </p:childTnLst>
+                                </p:cTn>
+                              </p:par>
+                              <p:par>
+                                <p:cTn id="85" presetID="1" presetClass="exit" presetSubtype="0" fill="hold" grpId="1" nodeType="withEffect">
+                                  <p:stCondLst>
+                                    <p:cond delay="3500"/>
+                                  </p:stCondLst>
+                                  <p:childTnLst>
+                                    <p:set>
+                                      <p:cBhvr>
+                                        <p:cTn id="86" dur="1" fill="hold">
+                                          <p:stCondLst>
+                                            <p:cond delay="0"/>
+                                          </p:stCondLst>
+                                        </p:cTn>
+                                        <p:tgtEl>
+                                          <p:spTgt spid="27"/>
+                                        </p:tgtEl>
+                                        <p:attrNameLst>
+                                          <p:attrName>style.visibility</p:attrName>
+                                        </p:attrNameLst>
+                                      </p:cBhvr>
+                                      <p:to>
+                                        <p:strVal val="hidden"/>
+                                      </p:to>
+                                    </p:set>
+                                  </p:childTnLst>
+                                </p:cTn>
+                              </p:par>
+                              <p:par>
+                                <p:cTn id="87" presetID="1" presetClass="exit" presetSubtype="0" fill="hold" nodeType="withEffect">
+                                  <p:stCondLst>
+                                    <p:cond delay="3800"/>
+                                  </p:stCondLst>
+                                  <p:childTnLst>
+                                    <p:set>
+                                      <p:cBhvr>
+                                        <p:cTn id="88" dur="1" fill="hold">
+                                          <p:stCondLst>
+                                            <p:cond delay="0"/>
+                                          </p:stCondLst>
+                                        </p:cTn>
+                                        <p:tgtEl>
+                                          <p:spTgt spid="33"/>
+                                        </p:tgtEl>
+                                        <p:attrNameLst>
+                                          <p:attrName>style.visibility</p:attrName>
+                                        </p:attrNameLst>
+                                      </p:cBhvr>
+                                      <p:to>
+                                        <p:strVal val="hidden"/>
+                                      </p:to>
+                                    </p:set>
+                                  </p:childTnLst>
+                                </p:cTn>
+                              </p:par>
+                              <p:par>
+                                <p:cTn id="89" presetID="24" presetClass="emph" presetSubtype="0" fill="hold" grpId="1" nodeType="withEffect">
+                                  <p:stCondLst>
+                                    <p:cond delay="4300"/>
+                                  </p:stCondLst>
+                                  <p:childTnLst>
+                                    <p:animClr clrSpc="hsl" dir="cw">
+                                      <p:cBhvr override="childStyle">
+                                        <p:cTn id="90" dur="250" fill="hold"/>
+                                        <p:tgtEl>
+                                          <p:spTgt spid="22"/>
+                                        </p:tgtEl>
+                                        <p:attrNameLst>
+                                          <p:attrName>style.color</p:attrName>
+                                        </p:attrNameLst>
+                                      </p:cBhvr>
+                                      <p:by>
+                                        <p:hsl h="0" s="-12549" l="-25098"/>
+                                      </p:by>
+                                    </p:animClr>
+                                    <p:animClr clrSpc="hsl" dir="cw">
+                                      <p:cBhvr>
+                                        <p:cTn id="91" dur="250" fill="hold"/>
+                                        <p:tgtEl>
+                                          <p:spTgt spid="22"/>
+                                        </p:tgtEl>
+                                        <p:attrNameLst>
+                                          <p:attrName>fillcolor</p:attrName>
+                                        </p:attrNameLst>
+                                      </p:cBhvr>
+                                      <p:by>
+                                        <p:hsl h="0" s="-12549" l="-25098"/>
+                                      </p:by>
+                                    </p:animClr>
+                                    <p:animClr clrSpc="hsl" dir="cw">
+                                      <p:cBhvr>
+                                        <p:cTn id="92" dur="250" fill="hold"/>
+                                        <p:tgtEl>
+                                          <p:spTgt spid="22"/>
+                                        </p:tgtEl>
+                                        <p:attrNameLst>
+                                          <p:attrName>stroke.color</p:attrName>
+                                        </p:attrNameLst>
+                                      </p:cBhvr>
+                                      <p:by>
+                                        <p:hsl h="0" s="-12549" l="-25098"/>
+                                      </p:by>
+                                    </p:animClr>
+                                    <p:set>
+                                      <p:cBhvr>
+                                        <p:cTn id="93" dur="250" fill="hold"/>
+                                        <p:tgtEl>
+                                          <p:spTgt spid="22"/>
+                                        </p:tgtEl>
+                                        <p:attrNameLst>
+                                          <p:attrName>fill.type</p:attrName>
+                                        </p:attrNameLst>
+                                      </p:cBhvr>
+                                      <p:to>
+                                        <p:strVal val="solid"/>
+                                      </p:to>
+                                    </p:set>
+                                  </p:childTnLst>
+                                </p:cTn>
+                              </p:par>
+                              <p:par>
+                                <p:cTn id="94" presetID="24" presetClass="emph" presetSubtype="0" fill="hold" grpId="1" nodeType="withEffect">
+                                  <p:stCondLst>
+                                    <p:cond delay="4400"/>
+                                  </p:stCondLst>
+                                  <p:childTnLst>
+                                    <p:animClr clrSpc="hsl" dir="cw">
+                                      <p:cBhvr override="childStyle">
+                                        <p:cTn id="95" dur="250" fill="hold"/>
+                                        <p:tgtEl>
+                                          <p:spTgt spid="23"/>
+                                        </p:tgtEl>
+                                        <p:attrNameLst>
+                                          <p:attrName>style.color</p:attrName>
+                                        </p:attrNameLst>
+                                      </p:cBhvr>
+                                      <p:by>
+                                        <p:hsl h="0" s="-12549" l="-25098"/>
+                                      </p:by>
+                                    </p:animClr>
+                                    <p:animClr clrSpc="hsl" dir="cw">
+                                      <p:cBhvr>
+                                        <p:cTn id="96" dur="250" fill="hold"/>
+                                        <p:tgtEl>
+                                          <p:spTgt spid="23"/>
+                                        </p:tgtEl>
+                                        <p:attrNameLst>
+                                          <p:attrName>fillcolor</p:attrName>
+                                        </p:attrNameLst>
+                                      </p:cBhvr>
+                                      <p:by>
+                                        <p:hsl h="0" s="-12549" l="-25098"/>
+                                      </p:by>
+                                    </p:animClr>
+                                    <p:animClr clrSpc="hsl" dir="cw">
+                                      <p:cBhvr>
+                                        <p:cTn id="97" dur="250" fill="hold"/>
+                                        <p:tgtEl>
+                                          <p:spTgt spid="23"/>
+                                        </p:tgtEl>
+                                        <p:attrNameLst>
+                                          <p:attrName>stroke.color</p:attrName>
+                                        </p:attrNameLst>
+                                      </p:cBhvr>
+                                      <p:by>
+                                        <p:hsl h="0" s="-12549" l="-25098"/>
+                                      </p:by>
+                                    </p:animClr>
+                                    <p:set>
+                                      <p:cBhvr>
+                                        <p:cTn id="98" dur="250" fill="hold"/>
+                                        <p:tgtEl>
+                                          <p:spTgt spid="23"/>
+                                        </p:tgtEl>
+                                        <p:attrNameLst>
+                                          <p:attrName>fill.type</p:attrName>
+                                        </p:attrNameLst>
+                                      </p:cBhvr>
+                                      <p:to>
+                                        <p:strVal val="solid"/>
+                                      </p:to>
+                                    </p:set>
+                                  </p:childTnLst>
+                                </p:cTn>
+                              </p:par>
+                              <p:par>
+                                <p:cTn id="99" presetID="24" presetClass="emph" presetSubtype="0" fill="hold" grpId="1" nodeType="withEffect">
+                                  <p:stCondLst>
+                                    <p:cond delay="4500"/>
+                                  </p:stCondLst>
+                                  <p:childTnLst>
+                                    <p:animClr clrSpc="hsl" dir="cw">
+                                      <p:cBhvr override="childStyle">
+                                        <p:cTn id="100" dur="250" fill="hold"/>
+                                        <p:tgtEl>
+                                          <p:spTgt spid="24"/>
+                                        </p:tgtEl>
+                                        <p:attrNameLst>
+                                          <p:attrName>style.color</p:attrName>
+                                        </p:attrNameLst>
+                                      </p:cBhvr>
+                                      <p:by>
+                                        <p:hsl h="0" s="-12549" l="-25098"/>
+                                      </p:by>
+                                    </p:animClr>
+                                    <p:animClr clrSpc="hsl" dir="cw">
+                                      <p:cBhvr>
+                                        <p:cTn id="101" dur="250" fill="hold"/>
+                                        <p:tgtEl>
+                                          <p:spTgt spid="24"/>
+                                        </p:tgtEl>
+                                        <p:attrNameLst>
+                                          <p:attrName>fillcolor</p:attrName>
+                                        </p:attrNameLst>
+                                      </p:cBhvr>
+                                      <p:by>
+                                        <p:hsl h="0" s="-12549" l="-25098"/>
+                                      </p:by>
+                                    </p:animClr>
+                                    <p:animClr clrSpc="hsl" dir="cw">
+                                      <p:cBhvr>
+                                        <p:cTn id="102" dur="250" fill="hold"/>
+                                        <p:tgtEl>
+                                          <p:spTgt spid="24"/>
+                                        </p:tgtEl>
+                                        <p:attrNameLst>
+                                          <p:attrName>stroke.color</p:attrName>
+                                        </p:attrNameLst>
+                                      </p:cBhvr>
+                                      <p:by>
+                                        <p:hsl h="0" s="-12549" l="-25098"/>
+                                      </p:by>
+                                    </p:animClr>
+                                    <p:set>
+                                      <p:cBhvr>
+                                        <p:cTn id="103" dur="250" fill="hold"/>
+                                        <p:tgtEl>
+                                          <p:spTgt spid="24"/>
+                                        </p:tgtEl>
+                                        <p:attrNameLst>
+                                          <p:attrName>fill.type</p:attrName>
+                                        </p:attrNameLst>
+                                      </p:cBhvr>
+                                      <p:to>
+                                        <p:strVal val="solid"/>
+                                      </p:to>
+                                    </p:set>
+                                  </p:childTnLst>
+                                </p:cTn>
+                              </p:par>
+                            </p:childTnLst>
+                          </p:cTn>
+                        </p:par>
+                      </p:childTnLst>
+                    </p:cTn>
+                  </p:par>
+                </p:childTnLst>
+              </p:cTn>
+              <p:prevCondLst>
+                <p:cond evt="onPrev" delay="0">
+                  <p:tgtEl>
+                    <p:sldTgt/>
+                  </p:tgtEl>
+                </p:cond>
+              </p:prevCondLst>
+              <p:nextCondLst>
+                <p:cond evt="onNext" delay="0">
+                  <p:tgtEl>
+                    <p:sldTgt/>
+                  </p:tgtEl>
+                </p:cond>
+              </p:nextCondLst>
+            </p:seq>
+          </p:childTnLst>
+        </p:cTn>
+      </p:par>
+    </p:tnLst>
+    <p:bldLst>
+      <p:bldP spid="22" grpId="0" animBg="1"/>
+      <p:bldP spid="22" grpId="1" animBg="1"/>
+      <p:bldP spid="23" grpId="0" animBg="1"/>
+      <p:bldP spid="23" grpId="1" animBg="1"/>
+      <p:bldP spid="24" grpId="0" animBg="1"/>
+      <p:bldP spid="24" grpId="1" animBg="1"/>
+      <p:bldP spid="25" grpId="0" animBg="1"/>
+      <p:bldP spid="26" grpId="0" animBg="1"/>
+      <p:bldP spid="26" grpId="1" animBg="1"/>
+      <p:bldP spid="27" grpId="0" animBg="1"/>
+      <p:bldP spid="27" grpId="1" animBg="1"/>
+      <p:bldP spid="28" grpId="0" animBg="1"/>
+      <p:bldP spid="28" grpId="1" animBg="1"/>
+      <p:bldP spid="29" grpId="0" animBg="1"/>
+      <p:bldP spid="29" grpId="1" animBg="1"/>
+      <p:bldP spid="30" grpId="0" animBg="1"/>
+      <p:bldP spid="30" grpId="1" animBg="1"/>
+      <p:bldP spid="31" grpId="0" animBg="1"/>
+      <p:bldP spid="31" grpId="1" animBg="1"/>
+    </p:bldLst>
+  </p:timing>
+</p:sld>
+</file>
+
+<file path=ppt/slides/slide13.xml><?xml version="1.0" encoding="utf-8"?>
+<p:sld xmlns:a="http://schemas.openxmlformats.org/drawingml/2006/main" xmlns:r="http://schemas.openxmlformats.org/officeDocument/2006/relationships" xmlns:p="http://schemas.openxmlformats.org/presentationml/2006/main">
+  <p:cSld>
+    <p:spTree>
+      <p:nvGrpSpPr>
+        <p:cNvPr id="1" name=""/>
+        <p:cNvGrpSpPr/>
+        <p:nvPr/>
+      </p:nvGrpSpPr>
+      <p:grpSpPr>
+        <a:xfrm>
+          <a:off x="0" y="0"/>
+          <a:ext cx="0" cy="0"/>
+          <a:chOff x="0" y="0"/>
+          <a:chExt cx="0" cy="0"/>
+        </a:xfrm>
+      </p:grpSpPr>
+      <p:sp>
+        <p:nvSpPr>
+          <p:cNvPr id="4" name="3 Título"/>
+          <p:cNvSpPr>
+            <a:spLocks noGrp="1"/>
+          </p:cNvSpPr>
+          <p:nvPr>
+            <p:ph type="title"/>
+          </p:nvPr>
+        </p:nvSpPr>
+        <p:spPr/>
+        <p:txBody>
+          <a:bodyPr/>
+          <a:lstStyle/>
+          <a:p>
+            <a:r>
+              <a:rPr lang="en-AU" dirty="0" smtClean="0"/>
+              <a:t>Analysis of communities</a:t>
+            </a:r>
+            <a:endParaRPr lang="en-AU" dirty="0"/>
+          </a:p>
+        </p:txBody>
+      </p:sp>
+      <p:sp>
+        <p:nvSpPr>
+          <p:cNvPr id="5" name="4 Marcador de contenido"/>
+          <p:cNvSpPr>
+            <a:spLocks noGrp="1"/>
+          </p:cNvSpPr>
+          <p:nvPr>
+            <p:ph sz="quarter" idx="13"/>
+          </p:nvPr>
+        </p:nvSpPr>
+        <p:spPr/>
+        <p:txBody>
+          <a:bodyPr>
+            <a:normAutofit/>
+          </a:bodyPr>
+          <a:lstStyle/>
+          <a:p>
+            <a:r>
+              <a:rPr lang="en-AU" sz="2400" dirty="0" smtClean="0"/>
+              <a:t>Run the pipeline</a:t>
+            </a:r>
+          </a:p>
+          <a:p>
+            <a:r>
+              <a:rPr lang="en-AU" sz="2400" dirty="0" smtClean="0"/>
+              <a:t>Open .shared file in Excel</a:t>
+            </a:r>
+          </a:p>
+          <a:p>
+            <a:r>
+              <a:rPr lang="en-AU" sz="2400" dirty="0" smtClean="0"/>
+              <a:t>Open .design file in </a:t>
+            </a:r>
+            <a:r>
+              <a:rPr lang="en-AU" sz="2400" dirty="0" smtClean="0"/>
+              <a:t>Excel</a:t>
+            </a:r>
+            <a:endParaRPr lang="en-AU" sz="2400" dirty="0" smtClean="0"/>
+          </a:p>
+        </p:txBody>
+      </p:sp>
+      <p:sp>
+        <p:nvSpPr>
+          <p:cNvPr id="6" name="5 Marcador de contenido"/>
+          <p:cNvSpPr>
+            <a:spLocks noGrp="1"/>
+          </p:cNvSpPr>
+          <p:nvPr>
+            <p:ph sz="quarter" idx="14"/>
+          </p:nvPr>
+        </p:nvSpPr>
+        <p:spPr/>
+        <p:txBody>
+          <a:bodyPr>
+            <a:normAutofit/>
+          </a:bodyPr>
+          <a:lstStyle/>
+          <a:p>
+            <a:r>
+              <a:rPr lang="en-AU" sz="2400" dirty="0" smtClean="0"/>
+              <a:t>How many species were detected in total?</a:t>
+            </a:r>
+          </a:p>
+          <a:p>
+            <a:r>
+              <a:rPr lang="en-AU" sz="2400" dirty="0" smtClean="0"/>
+              <a:t>Which treatment has more species?</a:t>
+            </a:r>
+          </a:p>
+          <a:p>
+            <a:r>
+              <a:rPr lang="en-AU" sz="2400" dirty="0" smtClean="0"/>
+              <a:t>Which treatment has higher diversity?</a:t>
+            </a:r>
+          </a:p>
+          <a:p>
+            <a:endParaRPr lang="en-AU" sz="2400" dirty="0"/>
+          </a:p>
+        </p:txBody>
+      </p:sp>
+    </p:spTree>
+    <p:extLst>
+      <p:ext uri="{BB962C8B-B14F-4D97-AF65-F5344CB8AC3E}">
+        <p14:creationId xmlns:p14="http://schemas.microsoft.com/office/powerpoint/2010/main" val="744869900"/>
+      </p:ext>
+    </p:extLst>
+  </p:cSld>
+  <p:clrMapOvr>
+    <a:masterClrMapping/>
+  </p:clrMapOvr>
+  <p:timing>
+    <p:tnLst>
+      <p:par>
+        <p:cTn id="1" dur="indefinite" restart="never" nodeType="tmRoot"/>
+      </p:par>
+    </p:tnLst>
+  </p:timing>
+</p:sld>
+</file>
+
 <file path=ppt/slides/slide2.xml><?xml version="1.0" encoding="utf-8"?>
 <p:sld xmlns:a="http://schemas.openxmlformats.org/drawingml/2006/main" xmlns:r="http://schemas.openxmlformats.org/officeDocument/2006/relationships" xmlns:p="http://schemas.openxmlformats.org/presentationml/2006/main">
   <p:cSld>
@@ -4938,11 +8762,7 @@
           <a:p>
             <a:r>
               <a:rPr lang="en-AU" sz="2400" dirty="0" smtClean="0"/>
-              <a:t>Understand rationale behind steps</a:t>
-            </a:r>
-            <a:r>
-              <a:rPr lang="en-AU" sz="2400" dirty="0" smtClean="0"/>
-              <a:t>.</a:t>
+              <a:t>Understand rationale behind steps.</a:t>
             </a:r>
           </a:p>
           <a:p>
@@ -5000,8 +8820,30 @@
           <a:p>
             <a:r>
               <a:rPr lang="en-AU" sz="2400" dirty="0" smtClean="0"/>
-              <a:t>Documents also here:</a:t>
-            </a:r>
+              <a:t>Documents also </a:t>
+            </a:r>
+            <a:r>
+              <a:rPr lang="en-AU" sz="2400" dirty="0" smtClean="0"/>
+              <a:t>here</a:t>
+            </a:r>
+          </a:p>
+          <a:p>
+            <a:pPr marL="0" indent="0">
+              <a:buNone/>
+            </a:pPr>
+            <a:r>
+              <a:rPr lang="en-AU" sz="2400" dirty="0" smtClean="0"/>
+              <a:t>https</a:t>
+            </a:r>
+            <a:r>
+              <a:rPr lang="en-AU" sz="2400" dirty="0"/>
+              <a:t>://</a:t>
+            </a:r>
+            <a:r>
+              <a:rPr lang="en-AU" sz="2400" dirty="0" smtClean="0"/>
+              <a:t>github.com/carden24/MIC506-Workshop</a:t>
+            </a:r>
+            <a:endParaRPr lang="en-AU" sz="2400" dirty="0" smtClean="0"/>
           </a:p>
           <a:p>
             <a:endParaRPr lang="en-AU" sz="2400" dirty="0" smtClean="0"/>
@@ -7469,6 +11311,2682 @@
       </p:grpSpPr>
       <p:sp>
         <p:nvSpPr>
+          <p:cNvPr id="6" name="TextBox 5"/>
+          <p:cNvSpPr txBox="1"/>
+          <p:nvPr/>
+        </p:nvSpPr>
+        <p:spPr>
+          <a:xfrm>
+            <a:off x="2858654" y="597187"/>
+            <a:ext cx="1256146" cy="1319645"/>
+          </a:xfrm>
+          <a:prstGeom prst="rect">
+            <a:avLst/>
+          </a:prstGeom>
+        </p:spPr>
+        <p:style>
+          <a:lnRef idx="2">
+            <a:schemeClr val="dk1"/>
+          </a:lnRef>
+          <a:fillRef idx="1">
+            <a:schemeClr val="lt1"/>
+          </a:fillRef>
+          <a:effectRef idx="0">
+            <a:schemeClr val="dk1"/>
+          </a:effectRef>
+          <a:fontRef idx="minor">
+            <a:schemeClr val="dk1"/>
+          </a:fontRef>
+        </p:style>
+        <p:txBody>
+          <a:bodyPr wrap="square" rtlCol="0" anchor="ctr">
+            <a:noAutofit/>
+          </a:bodyPr>
+          <a:lstStyle/>
+          <a:p>
+            <a:pPr algn="ctr"/>
+            <a:r>
+              <a:rPr lang="en-US" sz="1600" dirty="0" smtClean="0">
+                <a:latin typeface="Helvetica Neue" panose="02000503000000020004" pitchFamily="2"/>
+              </a:rPr>
+              <a:t>Clean Sequences</a:t>
+            </a:r>
+            <a:endParaRPr lang="en-US" sz="1600" dirty="0">
+              <a:latin typeface="Helvetica Neue" panose="02000503000000020004" pitchFamily="2"/>
+            </a:endParaRPr>
+          </a:p>
+        </p:txBody>
+      </p:sp>
+      <p:sp>
+        <p:nvSpPr>
+          <p:cNvPr id="7" name="TextBox 6"/>
+          <p:cNvSpPr txBox="1"/>
+          <p:nvPr/>
+        </p:nvSpPr>
+        <p:spPr>
+          <a:xfrm>
+            <a:off x="5406307" y="912772"/>
+            <a:ext cx="1143000" cy="523220"/>
+          </a:xfrm>
+          <a:prstGeom prst="rect">
+            <a:avLst/>
+          </a:prstGeom>
+        </p:spPr>
+        <p:style>
+          <a:lnRef idx="2">
+            <a:schemeClr val="dk1"/>
+          </a:lnRef>
+          <a:fillRef idx="1">
+            <a:schemeClr val="lt1"/>
+          </a:fillRef>
+          <a:effectRef idx="0">
+            <a:schemeClr val="dk1"/>
+          </a:effectRef>
+          <a:fontRef idx="minor">
+            <a:schemeClr val="dk1"/>
+          </a:fontRef>
+        </p:style>
+        <p:txBody>
+          <a:bodyPr wrap="square" rtlCol="0">
+            <a:spAutoFit/>
+          </a:bodyPr>
+          <a:lstStyle/>
+          <a:p>
+            <a:pPr algn="ctr"/>
+            <a:r>
+              <a:rPr lang="en-US" sz="1400" dirty="0" smtClean="0">
+                <a:latin typeface="Helvetica Neue" panose="02000503000000020004" pitchFamily="2"/>
+              </a:rPr>
+              <a:t>Aligned sequences</a:t>
+            </a:r>
+            <a:endParaRPr lang="en-US" sz="1400" dirty="0">
+              <a:latin typeface="Helvetica Neue" panose="02000503000000020004" pitchFamily="2"/>
+            </a:endParaRPr>
+          </a:p>
+        </p:txBody>
+      </p:sp>
+      <p:sp>
+        <p:nvSpPr>
+          <p:cNvPr id="8" name="TextBox 7"/>
+          <p:cNvSpPr txBox="1"/>
+          <p:nvPr/>
+        </p:nvSpPr>
+        <p:spPr>
+          <a:xfrm>
+            <a:off x="6923194" y="2087510"/>
+            <a:ext cx="1331259" cy="584775"/>
+          </a:xfrm>
+          <a:prstGeom prst="rect">
+            <a:avLst/>
+          </a:prstGeom>
+        </p:spPr>
+        <p:style>
+          <a:lnRef idx="2">
+            <a:schemeClr val="dk1"/>
+          </a:lnRef>
+          <a:fillRef idx="1">
+            <a:schemeClr val="lt1"/>
+          </a:fillRef>
+          <a:effectRef idx="0">
+            <a:schemeClr val="dk1"/>
+          </a:effectRef>
+          <a:fontRef idx="minor">
+            <a:schemeClr val="dk1"/>
+          </a:fontRef>
+        </p:style>
+        <p:txBody>
+          <a:bodyPr wrap="square" rtlCol="0">
+            <a:spAutoFit/>
+          </a:bodyPr>
+          <a:lstStyle/>
+          <a:p>
+            <a:pPr algn="ctr"/>
+            <a:r>
+              <a:rPr lang="en-US" sz="1600" dirty="0" smtClean="0">
+                <a:latin typeface="Helvetica Neue" panose="02000503000000020004" pitchFamily="2"/>
+              </a:rPr>
+              <a:t>Refined alignment</a:t>
+            </a:r>
+            <a:endParaRPr lang="en-US" sz="1600" dirty="0">
+              <a:latin typeface="Helvetica Neue" panose="02000503000000020004" pitchFamily="2"/>
+            </a:endParaRPr>
+          </a:p>
+        </p:txBody>
+      </p:sp>
+      <p:sp>
+        <p:nvSpPr>
+          <p:cNvPr id="9" name="TextBox 8"/>
+          <p:cNvSpPr txBox="1"/>
+          <p:nvPr/>
+        </p:nvSpPr>
+        <p:spPr>
+          <a:xfrm>
+            <a:off x="7047145" y="4736164"/>
+            <a:ext cx="1331259" cy="584775"/>
+          </a:xfrm>
+          <a:prstGeom prst="rect">
+            <a:avLst/>
+          </a:prstGeom>
+        </p:spPr>
+        <p:style>
+          <a:lnRef idx="2">
+            <a:schemeClr val="dk1"/>
+          </a:lnRef>
+          <a:fillRef idx="1">
+            <a:schemeClr val="lt1"/>
+          </a:fillRef>
+          <a:effectRef idx="0">
+            <a:schemeClr val="dk1"/>
+          </a:effectRef>
+          <a:fontRef idx="minor">
+            <a:schemeClr val="dk1"/>
+          </a:fontRef>
+        </p:style>
+        <p:txBody>
+          <a:bodyPr wrap="square" rtlCol="0">
+            <a:spAutoFit/>
+          </a:bodyPr>
+          <a:lstStyle/>
+          <a:p>
+            <a:pPr algn="ctr"/>
+            <a:r>
+              <a:rPr lang="en-US" sz="1600" dirty="0" smtClean="0">
+                <a:latin typeface="Helvetica Neue" panose="02000503000000020004" pitchFamily="2"/>
+              </a:rPr>
+              <a:t>Distance matrix</a:t>
+            </a:r>
+            <a:endParaRPr lang="en-US" sz="1600" dirty="0">
+              <a:latin typeface="Helvetica Neue" panose="02000503000000020004" pitchFamily="2"/>
+            </a:endParaRPr>
+          </a:p>
+        </p:txBody>
+      </p:sp>
+      <p:sp>
+        <p:nvSpPr>
+          <p:cNvPr id="10" name="TextBox 9"/>
+          <p:cNvSpPr txBox="1"/>
+          <p:nvPr/>
+        </p:nvSpPr>
+        <p:spPr>
+          <a:xfrm>
+            <a:off x="1475656" y="5809474"/>
+            <a:ext cx="1879607" cy="646331"/>
+          </a:xfrm>
+          <a:prstGeom prst="rect">
+            <a:avLst/>
+          </a:prstGeom>
+        </p:spPr>
+        <p:style>
+          <a:lnRef idx="2">
+            <a:schemeClr val="dk1"/>
+          </a:lnRef>
+          <a:fillRef idx="1">
+            <a:schemeClr val="lt1"/>
+          </a:fillRef>
+          <a:effectRef idx="0">
+            <a:schemeClr val="dk1"/>
+          </a:effectRef>
+          <a:fontRef idx="minor">
+            <a:schemeClr val="dk1"/>
+          </a:fontRef>
+        </p:style>
+        <p:txBody>
+          <a:bodyPr wrap="square" rtlCol="0">
+            <a:spAutoFit/>
+          </a:bodyPr>
+          <a:lstStyle/>
+          <a:p>
+            <a:pPr algn="ctr"/>
+            <a:r>
+              <a:rPr lang="en-US" dirty="0" smtClean="0">
+                <a:latin typeface="Helvetica Neue" panose="02000503000000020004" pitchFamily="2"/>
+              </a:rPr>
+              <a:t>Sites by species table</a:t>
+            </a:r>
+            <a:endParaRPr lang="en-US" dirty="0">
+              <a:latin typeface="Helvetica Neue" panose="02000503000000020004" pitchFamily="2"/>
+            </a:endParaRPr>
+          </a:p>
+        </p:txBody>
+      </p:sp>
+      <p:sp>
+        <p:nvSpPr>
+          <p:cNvPr id="11" name="Right Arrow 10"/>
+          <p:cNvSpPr/>
+          <p:nvPr/>
+        </p:nvSpPr>
+        <p:spPr>
+          <a:xfrm>
+            <a:off x="1828800" y="978185"/>
+            <a:ext cx="860834" cy="454777"/>
+          </a:xfrm>
+          <a:prstGeom prst="rightArrow">
+            <a:avLst/>
+          </a:prstGeom>
+        </p:spPr>
+        <p:style>
+          <a:lnRef idx="2">
+            <a:schemeClr val="accent1">
+              <a:shade val="50000"/>
+            </a:schemeClr>
+          </a:lnRef>
+          <a:fillRef idx="1">
+            <a:schemeClr val="accent1"/>
+          </a:fillRef>
+          <a:effectRef idx="0">
+            <a:schemeClr val="accent1"/>
+          </a:effectRef>
+          <a:fontRef idx="minor">
+            <a:schemeClr val="lt1"/>
+          </a:fontRef>
+        </p:style>
+        <p:txBody>
+          <a:bodyPr rtlCol="0" anchor="ctr"/>
+          <a:lstStyle/>
+          <a:p>
+            <a:pPr algn="ctr"/>
+            <a:endParaRPr lang="en-US" sz="1600" dirty="0">
+              <a:latin typeface="Helvetica Neue" panose="02000503000000020004" pitchFamily="2"/>
+            </a:endParaRPr>
+          </a:p>
+        </p:txBody>
+      </p:sp>
+      <p:sp>
+        <p:nvSpPr>
+          <p:cNvPr id="13" name="Right Arrow 12"/>
+          <p:cNvSpPr/>
+          <p:nvPr/>
+        </p:nvSpPr>
+        <p:spPr>
+          <a:xfrm rot="5400000">
+            <a:off x="2566288" y="2453603"/>
+            <a:ext cx="999658" cy="436639"/>
+          </a:xfrm>
+          <a:prstGeom prst="rightArrow">
+            <a:avLst/>
+          </a:prstGeom>
+        </p:spPr>
+        <p:style>
+          <a:lnRef idx="2">
+            <a:schemeClr val="accent5">
+              <a:shade val="50000"/>
+            </a:schemeClr>
+          </a:lnRef>
+          <a:fillRef idx="1">
+            <a:schemeClr val="accent5"/>
+          </a:fillRef>
+          <a:effectRef idx="0">
+            <a:schemeClr val="accent5"/>
+          </a:effectRef>
+          <a:fontRef idx="minor">
+            <a:schemeClr val="lt1"/>
+          </a:fontRef>
+        </p:style>
+        <p:txBody>
+          <a:bodyPr rtlCol="0" anchor="ctr"/>
+          <a:lstStyle/>
+          <a:p>
+            <a:pPr algn="ctr"/>
+            <a:endParaRPr lang="en-US" sz="1600">
+              <a:latin typeface="Helvetica Neue" panose="02000503000000020004" pitchFamily="2"/>
+            </a:endParaRPr>
+          </a:p>
+        </p:txBody>
+      </p:sp>
+      <p:sp>
+        <p:nvSpPr>
+          <p:cNvPr id="17" name="Rectangle 16"/>
+          <p:cNvSpPr/>
+          <p:nvPr/>
+        </p:nvSpPr>
+        <p:spPr>
+          <a:xfrm>
+            <a:off x="4184621" y="3315911"/>
+            <a:ext cx="963725" cy="523220"/>
+          </a:xfrm>
+          <a:prstGeom prst="rect">
+            <a:avLst/>
+          </a:prstGeom>
+        </p:spPr>
+        <p:txBody>
+          <a:bodyPr wrap="none">
+            <a:spAutoFit/>
+          </a:bodyPr>
+          <a:lstStyle/>
+          <a:p>
+            <a:r>
+              <a:rPr lang="en-US" sz="1400" dirty="0" smtClean="0">
+                <a:solidFill>
+                  <a:prstClr val="black"/>
+                </a:solidFill>
+                <a:latin typeface="Helvetica Neue" panose="02000503000000020004" pitchFamily="2"/>
+              </a:rPr>
+              <a:t>Greedy</a:t>
+            </a:r>
+          </a:p>
+          <a:p>
+            <a:r>
+              <a:rPr lang="en-US" sz="1400" dirty="0" smtClean="0">
+                <a:solidFill>
+                  <a:prstClr val="black"/>
+                </a:solidFill>
+                <a:latin typeface="Helvetica Neue" panose="02000503000000020004" pitchFamily="2"/>
+              </a:rPr>
+              <a:t>clustering</a:t>
+            </a:r>
+            <a:endParaRPr lang="en-US" sz="1600" dirty="0">
+              <a:latin typeface="Helvetica Neue" panose="02000503000000020004" pitchFamily="2"/>
+            </a:endParaRPr>
+          </a:p>
+        </p:txBody>
+      </p:sp>
+      <p:sp>
+        <p:nvSpPr>
+          <p:cNvPr id="19" name="Bent-Up Arrow 18"/>
+          <p:cNvSpPr/>
+          <p:nvPr/>
+        </p:nvSpPr>
+        <p:spPr>
+          <a:xfrm rot="10800000" flipH="1">
+            <a:off x="4446003" y="2039579"/>
+            <a:ext cx="1116598" cy="3300627"/>
+          </a:xfrm>
+          <a:custGeom>
+            <a:avLst/>
+            <a:gdLst>
+              <a:gd name="connsiteX0" fmla="*/ 0 w 1116598"/>
+              <a:gd name="connsiteY0" fmla="*/ 3021478 h 3300627"/>
+              <a:gd name="connsiteX1" fmla="*/ 697874 w 1116598"/>
+              <a:gd name="connsiteY1" fmla="*/ 3021478 h 3300627"/>
+              <a:gd name="connsiteX2" fmla="*/ 697874 w 1116598"/>
+              <a:gd name="connsiteY2" fmla="*/ 279150 h 3300627"/>
+              <a:gd name="connsiteX3" fmla="*/ 558299 w 1116598"/>
+              <a:gd name="connsiteY3" fmla="*/ 279150 h 3300627"/>
+              <a:gd name="connsiteX4" fmla="*/ 837449 w 1116598"/>
+              <a:gd name="connsiteY4" fmla="*/ 0 h 3300627"/>
+              <a:gd name="connsiteX5" fmla="*/ 1116598 w 1116598"/>
+              <a:gd name="connsiteY5" fmla="*/ 279150 h 3300627"/>
+              <a:gd name="connsiteX6" fmla="*/ 977023 w 1116598"/>
+              <a:gd name="connsiteY6" fmla="*/ 279150 h 3300627"/>
+              <a:gd name="connsiteX7" fmla="*/ 977023 w 1116598"/>
+              <a:gd name="connsiteY7" fmla="*/ 3300627 h 3300627"/>
+              <a:gd name="connsiteX8" fmla="*/ 0 w 1116598"/>
+              <a:gd name="connsiteY8" fmla="*/ 3300627 h 3300627"/>
+              <a:gd name="connsiteX9" fmla="*/ 0 w 1116598"/>
+              <a:gd name="connsiteY9" fmla="*/ 3021478 h 3300627"/>
+              <a:gd name="connsiteX0" fmla="*/ 0 w 1116598"/>
+              <a:gd name="connsiteY0" fmla="*/ 3021478 h 3300627"/>
+              <a:gd name="connsiteX1" fmla="*/ 756867 w 1116598"/>
+              <a:gd name="connsiteY1" fmla="*/ 3021478 h 3300627"/>
+              <a:gd name="connsiteX2" fmla="*/ 697874 w 1116598"/>
+              <a:gd name="connsiteY2" fmla="*/ 279150 h 3300627"/>
+              <a:gd name="connsiteX3" fmla="*/ 558299 w 1116598"/>
+              <a:gd name="connsiteY3" fmla="*/ 279150 h 3300627"/>
+              <a:gd name="connsiteX4" fmla="*/ 837449 w 1116598"/>
+              <a:gd name="connsiteY4" fmla="*/ 0 h 3300627"/>
+              <a:gd name="connsiteX5" fmla="*/ 1116598 w 1116598"/>
+              <a:gd name="connsiteY5" fmla="*/ 279150 h 3300627"/>
+              <a:gd name="connsiteX6" fmla="*/ 977023 w 1116598"/>
+              <a:gd name="connsiteY6" fmla="*/ 279150 h 3300627"/>
+              <a:gd name="connsiteX7" fmla="*/ 977023 w 1116598"/>
+              <a:gd name="connsiteY7" fmla="*/ 3300627 h 3300627"/>
+              <a:gd name="connsiteX8" fmla="*/ 0 w 1116598"/>
+              <a:gd name="connsiteY8" fmla="*/ 3300627 h 3300627"/>
+              <a:gd name="connsiteX9" fmla="*/ 0 w 1116598"/>
+              <a:gd name="connsiteY9" fmla="*/ 3021478 h 3300627"/>
+              <a:gd name="connsiteX0" fmla="*/ 0 w 1116598"/>
+              <a:gd name="connsiteY0" fmla="*/ 3021478 h 3300627"/>
+              <a:gd name="connsiteX1" fmla="*/ 756867 w 1116598"/>
+              <a:gd name="connsiteY1" fmla="*/ 3021478 h 3300627"/>
+              <a:gd name="connsiteX2" fmla="*/ 815861 w 1116598"/>
+              <a:gd name="connsiteY2" fmla="*/ 279150 h 3300627"/>
+              <a:gd name="connsiteX3" fmla="*/ 558299 w 1116598"/>
+              <a:gd name="connsiteY3" fmla="*/ 279150 h 3300627"/>
+              <a:gd name="connsiteX4" fmla="*/ 837449 w 1116598"/>
+              <a:gd name="connsiteY4" fmla="*/ 0 h 3300627"/>
+              <a:gd name="connsiteX5" fmla="*/ 1116598 w 1116598"/>
+              <a:gd name="connsiteY5" fmla="*/ 279150 h 3300627"/>
+              <a:gd name="connsiteX6" fmla="*/ 977023 w 1116598"/>
+              <a:gd name="connsiteY6" fmla="*/ 279150 h 3300627"/>
+              <a:gd name="connsiteX7" fmla="*/ 977023 w 1116598"/>
+              <a:gd name="connsiteY7" fmla="*/ 3300627 h 3300627"/>
+              <a:gd name="connsiteX8" fmla="*/ 0 w 1116598"/>
+              <a:gd name="connsiteY8" fmla="*/ 3300627 h 3300627"/>
+              <a:gd name="connsiteX9" fmla="*/ 0 w 1116598"/>
+              <a:gd name="connsiteY9" fmla="*/ 3021478 h 3300627"/>
+              <a:gd name="connsiteX0" fmla="*/ 0 w 1116598"/>
+              <a:gd name="connsiteY0" fmla="*/ 3021478 h 3300627"/>
+              <a:gd name="connsiteX1" fmla="*/ 756867 w 1116598"/>
+              <a:gd name="connsiteY1" fmla="*/ 3021478 h 3300627"/>
+              <a:gd name="connsiteX2" fmla="*/ 756868 w 1116598"/>
+              <a:gd name="connsiteY2" fmla="*/ 279150 h 3300627"/>
+              <a:gd name="connsiteX3" fmla="*/ 558299 w 1116598"/>
+              <a:gd name="connsiteY3" fmla="*/ 279150 h 3300627"/>
+              <a:gd name="connsiteX4" fmla="*/ 837449 w 1116598"/>
+              <a:gd name="connsiteY4" fmla="*/ 0 h 3300627"/>
+              <a:gd name="connsiteX5" fmla="*/ 1116598 w 1116598"/>
+              <a:gd name="connsiteY5" fmla="*/ 279150 h 3300627"/>
+              <a:gd name="connsiteX6" fmla="*/ 977023 w 1116598"/>
+              <a:gd name="connsiteY6" fmla="*/ 279150 h 3300627"/>
+              <a:gd name="connsiteX7" fmla="*/ 977023 w 1116598"/>
+              <a:gd name="connsiteY7" fmla="*/ 3300627 h 3300627"/>
+              <a:gd name="connsiteX8" fmla="*/ 0 w 1116598"/>
+              <a:gd name="connsiteY8" fmla="*/ 3300627 h 3300627"/>
+              <a:gd name="connsiteX9" fmla="*/ 0 w 1116598"/>
+              <a:gd name="connsiteY9" fmla="*/ 3021478 h 3300627"/>
+            </a:gdLst>
+            <a:ahLst/>
+            <a:cxnLst>
+              <a:cxn ang="0">
+                <a:pos x="connsiteX0" y="connsiteY0"/>
+              </a:cxn>
+              <a:cxn ang="0">
+                <a:pos x="connsiteX1" y="connsiteY1"/>
+              </a:cxn>
+              <a:cxn ang="0">
+                <a:pos x="connsiteX2" y="connsiteY2"/>
+              </a:cxn>
+              <a:cxn ang="0">
+                <a:pos x="connsiteX3" y="connsiteY3"/>
+              </a:cxn>
+              <a:cxn ang="0">
+                <a:pos x="connsiteX4" y="connsiteY4"/>
+              </a:cxn>
+              <a:cxn ang="0">
+                <a:pos x="connsiteX5" y="connsiteY5"/>
+              </a:cxn>
+              <a:cxn ang="0">
+                <a:pos x="connsiteX6" y="connsiteY6"/>
+              </a:cxn>
+              <a:cxn ang="0">
+                <a:pos x="connsiteX7" y="connsiteY7"/>
+              </a:cxn>
+              <a:cxn ang="0">
+                <a:pos x="connsiteX8" y="connsiteY8"/>
+              </a:cxn>
+              <a:cxn ang="0">
+                <a:pos x="connsiteX9" y="connsiteY9"/>
+              </a:cxn>
+            </a:cxnLst>
+            <a:rect l="l" t="t" r="r" b="b"/>
+            <a:pathLst>
+              <a:path w="1116598" h="3300627">
+                <a:moveTo>
+                  <a:pt x="0" y="3021478"/>
+                </a:moveTo>
+                <a:lnTo>
+                  <a:pt x="756867" y="3021478"/>
+                </a:lnTo>
+                <a:cubicBezTo>
+                  <a:pt x="756867" y="2107369"/>
+                  <a:pt x="756868" y="1193259"/>
+                  <a:pt x="756868" y="279150"/>
+                </a:cubicBezTo>
+                <a:lnTo>
+                  <a:pt x="558299" y="279150"/>
+                </a:lnTo>
+                <a:lnTo>
+                  <a:pt x="837449" y="0"/>
+                </a:lnTo>
+                <a:lnTo>
+                  <a:pt x="1116598" y="279150"/>
+                </a:lnTo>
+                <a:lnTo>
+                  <a:pt x="977023" y="279150"/>
+                </a:lnTo>
+                <a:lnTo>
+                  <a:pt x="977023" y="3300627"/>
+                </a:lnTo>
+                <a:lnTo>
+                  <a:pt x="0" y="3300627"/>
+                </a:lnTo>
+                <a:lnTo>
+                  <a:pt x="0" y="3021478"/>
+                </a:lnTo>
+                <a:close/>
+              </a:path>
+            </a:pathLst>
+          </a:custGeom>
+          <a:ln/>
+        </p:spPr>
+        <p:style>
+          <a:lnRef idx="2">
+            <a:schemeClr val="accent2">
+              <a:shade val="50000"/>
+            </a:schemeClr>
+          </a:lnRef>
+          <a:fillRef idx="1">
+            <a:schemeClr val="accent2"/>
+          </a:fillRef>
+          <a:effectRef idx="0">
+            <a:schemeClr val="accent2"/>
+          </a:effectRef>
+          <a:fontRef idx="minor">
+            <a:schemeClr val="lt1"/>
+          </a:fontRef>
+        </p:style>
+        <p:txBody>
+          <a:bodyPr rtlCol="0" anchor="ctr"/>
+          <a:lstStyle/>
+          <a:p>
+            <a:pPr algn="ctr"/>
+            <a:endParaRPr lang="en-US" sz="1600">
+              <a:latin typeface="Helvetica Neue" panose="02000503000000020004" pitchFamily="2"/>
+            </a:endParaRPr>
+          </a:p>
+        </p:txBody>
+      </p:sp>
+      <p:sp>
+        <p:nvSpPr>
+          <p:cNvPr id="21" name="Right Arrow 20"/>
+          <p:cNvSpPr/>
+          <p:nvPr/>
+        </p:nvSpPr>
+        <p:spPr>
+          <a:xfrm>
+            <a:off x="4294630" y="976209"/>
+            <a:ext cx="889524" cy="456753"/>
+          </a:xfrm>
+          <a:prstGeom prst="rightArrow">
+            <a:avLst/>
+          </a:prstGeom>
+        </p:spPr>
+        <p:style>
+          <a:lnRef idx="2">
+            <a:schemeClr val="accent1">
+              <a:shade val="50000"/>
+            </a:schemeClr>
+          </a:lnRef>
+          <a:fillRef idx="1">
+            <a:schemeClr val="accent1"/>
+          </a:fillRef>
+          <a:effectRef idx="0">
+            <a:schemeClr val="accent1"/>
+          </a:effectRef>
+          <a:fontRef idx="minor">
+            <a:schemeClr val="lt1"/>
+          </a:fontRef>
+        </p:style>
+        <p:txBody>
+          <a:bodyPr rtlCol="0" anchor="ctr"/>
+          <a:lstStyle/>
+          <a:p>
+            <a:pPr algn="ctr"/>
+            <a:endParaRPr lang="en-US" sz="1600" dirty="0">
+              <a:latin typeface="Helvetica Neue" panose="02000503000000020004" pitchFamily="2"/>
+            </a:endParaRPr>
+          </a:p>
+        </p:txBody>
+      </p:sp>
+      <p:sp>
+        <p:nvSpPr>
+          <p:cNvPr id="22" name="Rectangle 21"/>
+          <p:cNvSpPr/>
+          <p:nvPr/>
+        </p:nvSpPr>
+        <p:spPr>
+          <a:xfrm>
+            <a:off x="1601455" y="304800"/>
+            <a:ext cx="1130438" cy="584775"/>
+          </a:xfrm>
+          <a:prstGeom prst="rect">
+            <a:avLst/>
+          </a:prstGeom>
+        </p:spPr>
+        <p:txBody>
+          <a:bodyPr wrap="none">
+            <a:spAutoFit/>
+          </a:bodyPr>
+          <a:lstStyle/>
+          <a:p>
+            <a:pPr lvl="0" algn="ctr"/>
+            <a:r>
+              <a:rPr lang="en-US" sz="1600" dirty="0" smtClean="0">
+                <a:solidFill>
+                  <a:prstClr val="black"/>
+                </a:solidFill>
+                <a:latin typeface="Helvetica Neue" panose="02000503000000020004" pitchFamily="2"/>
+              </a:rPr>
+              <a:t>Join pairs</a:t>
+            </a:r>
+          </a:p>
+          <a:p>
+            <a:pPr lvl="0" algn="ctr"/>
+            <a:r>
+              <a:rPr lang="en-US" sz="1600" dirty="0" smtClean="0">
+                <a:solidFill>
+                  <a:prstClr val="black"/>
+                </a:solidFill>
+                <a:latin typeface="Helvetica Neue" panose="02000503000000020004" pitchFamily="2"/>
+              </a:rPr>
+              <a:t>Filter </a:t>
+            </a:r>
+            <a:r>
+              <a:rPr lang="en-US" sz="1600" dirty="0" err="1" smtClean="0">
+                <a:solidFill>
+                  <a:prstClr val="black"/>
+                </a:solidFill>
+                <a:latin typeface="Helvetica Neue" panose="02000503000000020004" pitchFamily="2"/>
+              </a:rPr>
+              <a:t>seqs</a:t>
+            </a:r>
+            <a:endParaRPr lang="en-US" sz="1600" dirty="0">
+              <a:latin typeface="Helvetica Neue" panose="02000503000000020004" pitchFamily="2"/>
+            </a:endParaRPr>
+          </a:p>
+        </p:txBody>
+      </p:sp>
+      <p:sp>
+        <p:nvSpPr>
+          <p:cNvPr id="23" name="Rectangle 22"/>
+          <p:cNvSpPr/>
+          <p:nvPr/>
+        </p:nvSpPr>
+        <p:spPr>
+          <a:xfrm>
+            <a:off x="4146121" y="366355"/>
+            <a:ext cx="1186543" cy="523220"/>
+          </a:xfrm>
+          <a:prstGeom prst="rect">
+            <a:avLst/>
+          </a:prstGeom>
+        </p:spPr>
+        <p:txBody>
+          <a:bodyPr wrap="none">
+            <a:spAutoFit/>
+          </a:bodyPr>
+          <a:lstStyle/>
+          <a:p>
+            <a:pPr algn="ctr"/>
+            <a:r>
+              <a:rPr lang="en-US" sz="1400" dirty="0" smtClean="0">
+                <a:solidFill>
+                  <a:prstClr val="black"/>
+                </a:solidFill>
+                <a:latin typeface="Helvetica Neue" panose="02000503000000020004" pitchFamily="2"/>
+              </a:rPr>
+              <a:t>(</a:t>
+            </a:r>
+            <a:r>
+              <a:rPr lang="en-US" sz="1400" dirty="0" err="1" smtClean="0">
+                <a:solidFill>
+                  <a:prstClr val="black"/>
+                </a:solidFill>
+                <a:latin typeface="Helvetica Neue" panose="02000503000000020004" pitchFamily="2"/>
+              </a:rPr>
+              <a:t>Dereplicate</a:t>
+            </a:r>
+            <a:r>
+              <a:rPr lang="en-US" sz="1400" dirty="0" smtClean="0">
+                <a:solidFill>
+                  <a:prstClr val="black"/>
+                </a:solidFill>
+                <a:latin typeface="Helvetica Neue" panose="02000503000000020004" pitchFamily="2"/>
+              </a:rPr>
+              <a:t>)</a:t>
+            </a:r>
+            <a:endParaRPr lang="en-US" sz="1400" dirty="0" smtClean="0">
+              <a:solidFill>
+                <a:prstClr val="black"/>
+              </a:solidFill>
+              <a:latin typeface="Helvetica Neue" panose="02000503000000020004" pitchFamily="2"/>
+            </a:endParaRPr>
+          </a:p>
+          <a:p>
+            <a:pPr algn="ctr"/>
+            <a:r>
+              <a:rPr lang="en-US" sz="1400" dirty="0" smtClean="0">
+                <a:solidFill>
+                  <a:prstClr val="black"/>
+                </a:solidFill>
+                <a:latin typeface="Helvetica Neue" panose="02000503000000020004" pitchFamily="2"/>
+              </a:rPr>
+              <a:t>Align</a:t>
+            </a:r>
+            <a:endParaRPr lang="en-US" sz="1600" dirty="0">
+              <a:latin typeface="Helvetica Neue" panose="02000503000000020004" pitchFamily="2"/>
+            </a:endParaRPr>
+          </a:p>
+        </p:txBody>
+      </p:sp>
+      <p:sp>
+        <p:nvSpPr>
+          <p:cNvPr id="24" name="Rectangle 23"/>
+          <p:cNvSpPr/>
+          <p:nvPr/>
+        </p:nvSpPr>
+        <p:spPr>
+          <a:xfrm>
+            <a:off x="7058613" y="162577"/>
+            <a:ext cx="1963999" cy="954107"/>
+          </a:xfrm>
+          <a:prstGeom prst="rect">
+            <a:avLst/>
+          </a:prstGeom>
+        </p:spPr>
+        <p:txBody>
+          <a:bodyPr wrap="none">
+            <a:spAutoFit/>
+          </a:bodyPr>
+          <a:lstStyle/>
+          <a:p>
+            <a:pPr algn="ctr"/>
+            <a:r>
+              <a:rPr lang="en-US" sz="1400" dirty="0" smtClean="0">
+                <a:solidFill>
+                  <a:prstClr val="black"/>
+                </a:solidFill>
+                <a:latin typeface="Helvetica Neue" panose="02000503000000020004" pitchFamily="2"/>
+              </a:rPr>
+              <a:t>Remove badly aligned</a:t>
+            </a:r>
+          </a:p>
+          <a:p>
+            <a:pPr algn="ctr"/>
+            <a:r>
+              <a:rPr lang="en-US" sz="1400" dirty="0" smtClean="0">
+                <a:solidFill>
+                  <a:prstClr val="black"/>
+                </a:solidFill>
+                <a:latin typeface="Helvetica Neue" panose="02000503000000020004" pitchFamily="2"/>
+              </a:rPr>
+              <a:t>Filter alignment</a:t>
+            </a:r>
+          </a:p>
+          <a:p>
+            <a:pPr algn="ctr"/>
+            <a:r>
+              <a:rPr lang="en-US" sz="1400" dirty="0" smtClean="0">
+                <a:solidFill>
+                  <a:prstClr val="black"/>
+                </a:solidFill>
+                <a:latin typeface="Helvetica Neue" panose="02000503000000020004" pitchFamily="2"/>
+              </a:rPr>
+              <a:t>(</a:t>
+            </a:r>
+            <a:r>
+              <a:rPr lang="en-US" sz="1400" dirty="0" err="1" smtClean="0">
+                <a:solidFill>
+                  <a:prstClr val="black"/>
+                </a:solidFill>
+                <a:latin typeface="Helvetica Neue" panose="02000503000000020004" pitchFamily="2"/>
+              </a:rPr>
+              <a:t>Dereplicate</a:t>
+            </a:r>
+            <a:r>
+              <a:rPr lang="en-US" sz="1400" dirty="0" smtClean="0">
+                <a:solidFill>
+                  <a:prstClr val="black"/>
+                </a:solidFill>
+                <a:latin typeface="Helvetica Neue" panose="02000503000000020004" pitchFamily="2"/>
+              </a:rPr>
+              <a:t>)</a:t>
+            </a:r>
+          </a:p>
+          <a:p>
+            <a:pPr algn="ctr"/>
+            <a:r>
+              <a:rPr lang="en-US" sz="1400" dirty="0" smtClean="0">
+                <a:solidFill>
+                  <a:prstClr val="black"/>
+                </a:solidFill>
+                <a:latin typeface="Helvetica Neue" panose="02000503000000020004" pitchFamily="2"/>
+              </a:rPr>
+              <a:t>(</a:t>
+            </a:r>
+            <a:r>
+              <a:rPr lang="en-US" sz="1400" dirty="0" err="1" smtClean="0">
+                <a:solidFill>
+                  <a:prstClr val="black"/>
+                </a:solidFill>
+                <a:latin typeface="Helvetica Neue" panose="02000503000000020004" pitchFamily="2"/>
+              </a:rPr>
+              <a:t>Precluster</a:t>
+            </a:r>
+            <a:r>
+              <a:rPr lang="en-US" sz="1400" dirty="0" smtClean="0">
+                <a:solidFill>
+                  <a:prstClr val="black"/>
+                </a:solidFill>
+                <a:latin typeface="Helvetica Neue" panose="02000503000000020004" pitchFamily="2"/>
+              </a:rPr>
+              <a:t>)</a:t>
+            </a:r>
+            <a:endParaRPr lang="en-US" sz="1600" dirty="0">
+              <a:latin typeface="Helvetica Neue" panose="02000503000000020004" pitchFamily="2"/>
+            </a:endParaRPr>
+          </a:p>
+        </p:txBody>
+      </p:sp>
+      <p:sp>
+        <p:nvSpPr>
+          <p:cNvPr id="25" name="TextBox 24"/>
+          <p:cNvSpPr txBox="1"/>
+          <p:nvPr/>
+        </p:nvSpPr>
+        <p:spPr>
+          <a:xfrm>
+            <a:off x="126338" y="820439"/>
+            <a:ext cx="1649288" cy="707886"/>
+          </a:xfrm>
+          <a:prstGeom prst="rect">
+            <a:avLst/>
+          </a:prstGeom>
+        </p:spPr>
+        <p:style>
+          <a:lnRef idx="2">
+            <a:schemeClr val="dk1"/>
+          </a:lnRef>
+          <a:fillRef idx="1">
+            <a:schemeClr val="lt1"/>
+          </a:fillRef>
+          <a:effectRef idx="0">
+            <a:schemeClr val="dk1"/>
+          </a:effectRef>
+          <a:fontRef idx="minor">
+            <a:schemeClr val="dk1"/>
+          </a:fontRef>
+        </p:style>
+        <p:txBody>
+          <a:bodyPr wrap="square" rtlCol="0">
+            <a:spAutoFit/>
+          </a:bodyPr>
+          <a:lstStyle/>
+          <a:p>
+            <a:pPr algn="ctr"/>
+            <a:r>
+              <a:rPr lang="en-US" sz="2000" dirty="0" smtClean="0">
+                <a:latin typeface="Helvetica Neue" panose="02000503000000020004" pitchFamily="2"/>
+              </a:rPr>
+              <a:t>Raw Sequences</a:t>
+            </a:r>
+            <a:endParaRPr lang="en-US" sz="2000" dirty="0">
+              <a:latin typeface="Helvetica Neue" panose="02000503000000020004" pitchFamily="2"/>
+            </a:endParaRPr>
+          </a:p>
+        </p:txBody>
+      </p:sp>
+      <p:sp>
+        <p:nvSpPr>
+          <p:cNvPr id="28" name="Right Arrow 27"/>
+          <p:cNvSpPr/>
+          <p:nvPr/>
+        </p:nvSpPr>
+        <p:spPr>
+          <a:xfrm rot="5400000">
+            <a:off x="5708436" y="4653043"/>
+            <a:ext cx="1732597" cy="436639"/>
+          </a:xfrm>
+          <a:prstGeom prst="rightArrow">
+            <a:avLst/>
+          </a:prstGeom>
+        </p:spPr>
+        <p:style>
+          <a:lnRef idx="2">
+            <a:schemeClr val="accent1">
+              <a:shade val="50000"/>
+            </a:schemeClr>
+          </a:lnRef>
+          <a:fillRef idx="1">
+            <a:schemeClr val="accent1"/>
+          </a:fillRef>
+          <a:effectRef idx="0">
+            <a:schemeClr val="accent1"/>
+          </a:effectRef>
+          <a:fontRef idx="minor">
+            <a:schemeClr val="lt1"/>
+          </a:fontRef>
+        </p:style>
+        <p:txBody>
+          <a:bodyPr rtlCol="0" anchor="ctr"/>
+          <a:lstStyle/>
+          <a:p>
+            <a:pPr algn="ctr"/>
+            <a:endParaRPr lang="en-US" sz="1600">
+              <a:latin typeface="Helvetica Neue" panose="02000503000000020004" pitchFamily="2"/>
+            </a:endParaRPr>
+          </a:p>
+        </p:txBody>
+      </p:sp>
+      <p:sp>
+        <p:nvSpPr>
+          <p:cNvPr id="30" name="Bent-Up Arrow 29"/>
+          <p:cNvSpPr/>
+          <p:nvPr/>
+        </p:nvSpPr>
+        <p:spPr>
+          <a:xfrm flipV="1">
+            <a:off x="6735637" y="1290731"/>
+            <a:ext cx="1071509" cy="796779"/>
+          </a:xfrm>
+          <a:prstGeom prst="bentUpArrow">
+            <a:avLst>
+              <a:gd name="adj1" fmla="val 25000"/>
+              <a:gd name="adj2" fmla="val 25686"/>
+              <a:gd name="adj3" fmla="val 25000"/>
+            </a:avLst>
+          </a:prstGeom>
+        </p:spPr>
+        <p:style>
+          <a:lnRef idx="2">
+            <a:schemeClr val="accent1">
+              <a:shade val="50000"/>
+            </a:schemeClr>
+          </a:lnRef>
+          <a:fillRef idx="1">
+            <a:schemeClr val="accent1"/>
+          </a:fillRef>
+          <a:effectRef idx="0">
+            <a:schemeClr val="accent1"/>
+          </a:effectRef>
+          <a:fontRef idx="minor">
+            <a:schemeClr val="lt1"/>
+          </a:fontRef>
+        </p:style>
+        <p:txBody>
+          <a:bodyPr rtlCol="0" anchor="ctr"/>
+          <a:lstStyle/>
+          <a:p>
+            <a:pPr algn="ctr"/>
+            <a:endParaRPr lang="en-US" sz="1600">
+              <a:latin typeface="Helvetica Neue" panose="02000503000000020004" pitchFamily="2"/>
+            </a:endParaRPr>
+          </a:p>
+        </p:txBody>
+      </p:sp>
+      <p:sp>
+        <p:nvSpPr>
+          <p:cNvPr id="31" name="Rectangle 30"/>
+          <p:cNvSpPr/>
+          <p:nvPr/>
+        </p:nvSpPr>
+        <p:spPr>
+          <a:xfrm>
+            <a:off x="8170450" y="4021307"/>
+            <a:ext cx="768159" cy="523220"/>
+          </a:xfrm>
+          <a:prstGeom prst="rect">
+            <a:avLst/>
+          </a:prstGeom>
+        </p:spPr>
+        <p:txBody>
+          <a:bodyPr wrap="none">
+            <a:spAutoFit/>
+          </a:bodyPr>
+          <a:lstStyle/>
+          <a:p>
+            <a:pPr lvl="0" algn="ctr"/>
+            <a:r>
+              <a:rPr lang="en-US" sz="1400" dirty="0" smtClean="0">
+                <a:solidFill>
+                  <a:prstClr val="black"/>
+                </a:solidFill>
+                <a:latin typeface="Helvetica Neue" panose="02000503000000020004" pitchFamily="2"/>
+              </a:rPr>
+              <a:t>Create </a:t>
+            </a:r>
+          </a:p>
+          <a:p>
+            <a:pPr lvl="0" algn="ctr"/>
+            <a:r>
+              <a:rPr lang="en-US" sz="1400" dirty="0" smtClean="0">
+                <a:solidFill>
+                  <a:prstClr val="black"/>
+                </a:solidFill>
+                <a:latin typeface="Helvetica Neue" panose="02000503000000020004" pitchFamily="2"/>
+              </a:rPr>
+              <a:t>matrix</a:t>
+            </a:r>
+            <a:endParaRPr lang="en-US" sz="1400" dirty="0">
+              <a:solidFill>
+                <a:prstClr val="black"/>
+              </a:solidFill>
+              <a:latin typeface="Helvetica Neue" panose="02000503000000020004" pitchFamily="2"/>
+            </a:endParaRPr>
+          </a:p>
+        </p:txBody>
+      </p:sp>
+      <p:sp>
+        <p:nvSpPr>
+          <p:cNvPr id="32" name="Rectangle 31"/>
+          <p:cNvSpPr/>
+          <p:nvPr/>
+        </p:nvSpPr>
+        <p:spPr>
+          <a:xfrm>
+            <a:off x="8258292" y="5404563"/>
+            <a:ext cx="755335" cy="307777"/>
+          </a:xfrm>
+          <a:prstGeom prst="rect">
+            <a:avLst/>
+          </a:prstGeom>
+        </p:spPr>
+        <p:txBody>
+          <a:bodyPr wrap="none">
+            <a:spAutoFit/>
+          </a:bodyPr>
+          <a:lstStyle/>
+          <a:p>
+            <a:pPr lvl="0" algn="ctr"/>
+            <a:r>
+              <a:rPr lang="en-US" sz="1400" dirty="0" smtClean="0">
+                <a:solidFill>
+                  <a:prstClr val="black"/>
+                </a:solidFill>
+                <a:latin typeface="Helvetica Neue" panose="02000503000000020004" pitchFamily="2"/>
+              </a:rPr>
+              <a:t>Cluster</a:t>
+            </a:r>
+            <a:endParaRPr lang="en-US" sz="1400" dirty="0">
+              <a:solidFill>
+                <a:prstClr val="black"/>
+              </a:solidFill>
+              <a:latin typeface="Helvetica Neue" panose="02000503000000020004" pitchFamily="2"/>
+            </a:endParaRPr>
+          </a:p>
+        </p:txBody>
+      </p:sp>
+      <p:sp>
+        <p:nvSpPr>
+          <p:cNvPr id="33" name="TextBox 32"/>
+          <p:cNvSpPr txBox="1"/>
+          <p:nvPr/>
+        </p:nvSpPr>
+        <p:spPr>
+          <a:xfrm>
+            <a:off x="5004301" y="5950429"/>
+            <a:ext cx="3262426" cy="338554"/>
+          </a:xfrm>
+          <a:prstGeom prst="rect">
+            <a:avLst/>
+          </a:prstGeom>
+        </p:spPr>
+        <p:style>
+          <a:lnRef idx="2">
+            <a:schemeClr val="dk1"/>
+          </a:lnRef>
+          <a:fillRef idx="1">
+            <a:schemeClr val="lt1"/>
+          </a:fillRef>
+          <a:effectRef idx="0">
+            <a:schemeClr val="dk1"/>
+          </a:effectRef>
+          <a:fontRef idx="minor">
+            <a:schemeClr val="dk1"/>
+          </a:fontRef>
+        </p:style>
+        <p:txBody>
+          <a:bodyPr wrap="square" rtlCol="0">
+            <a:spAutoFit/>
+          </a:bodyPr>
+          <a:lstStyle/>
+          <a:p>
+            <a:pPr algn="ctr"/>
+            <a:r>
+              <a:rPr lang="en-US" sz="1600" dirty="0" smtClean="0">
+                <a:latin typeface="Helvetica Neue" panose="02000503000000020004" pitchFamily="2"/>
+              </a:rPr>
+              <a:t>Clustering result</a:t>
+            </a:r>
+            <a:endParaRPr lang="en-US" sz="1600" dirty="0">
+              <a:latin typeface="Helvetica Neue" panose="02000503000000020004" pitchFamily="2"/>
+            </a:endParaRPr>
+          </a:p>
+        </p:txBody>
+      </p:sp>
+      <p:sp>
+        <p:nvSpPr>
+          <p:cNvPr id="35" name="Rectangle 34"/>
+          <p:cNvSpPr/>
+          <p:nvPr/>
+        </p:nvSpPr>
+        <p:spPr>
+          <a:xfrm>
+            <a:off x="5563682" y="2621202"/>
+            <a:ext cx="1581309" cy="738664"/>
+          </a:xfrm>
+          <a:prstGeom prst="rect">
+            <a:avLst/>
+          </a:prstGeom>
+        </p:spPr>
+        <p:txBody>
+          <a:bodyPr wrap="square">
+            <a:spAutoFit/>
+          </a:bodyPr>
+          <a:lstStyle/>
+          <a:p>
+            <a:pPr lvl="0" algn="ctr"/>
+            <a:r>
+              <a:rPr lang="en-US" sz="1400" dirty="0" smtClean="0">
+                <a:solidFill>
+                  <a:prstClr val="black"/>
+                </a:solidFill>
+                <a:latin typeface="Helvetica Neue" panose="02000503000000020004" pitchFamily="2"/>
+              </a:rPr>
+              <a:t>Remove </a:t>
+            </a:r>
+          </a:p>
+          <a:p>
+            <a:pPr lvl="0" algn="ctr"/>
+            <a:r>
+              <a:rPr lang="en-US" sz="1400" dirty="0" smtClean="0">
+                <a:solidFill>
+                  <a:prstClr val="black"/>
+                </a:solidFill>
+                <a:latin typeface="Helvetica Neue" panose="02000503000000020004" pitchFamily="2"/>
+              </a:rPr>
+              <a:t>Chimeras and contaminants</a:t>
+            </a:r>
+            <a:endParaRPr lang="en-US" sz="1400" dirty="0">
+              <a:solidFill>
+                <a:prstClr val="black"/>
+              </a:solidFill>
+              <a:latin typeface="Helvetica Neue" panose="02000503000000020004" pitchFamily="2"/>
+            </a:endParaRPr>
+          </a:p>
+        </p:txBody>
+      </p:sp>
+      <p:sp>
+        <p:nvSpPr>
+          <p:cNvPr id="36" name="TextBox 35"/>
+          <p:cNvSpPr txBox="1"/>
+          <p:nvPr/>
+        </p:nvSpPr>
+        <p:spPr>
+          <a:xfrm>
+            <a:off x="6333227" y="3553271"/>
+            <a:ext cx="2199213" cy="338554"/>
+          </a:xfrm>
+          <a:prstGeom prst="rect">
+            <a:avLst/>
+          </a:prstGeom>
+        </p:spPr>
+        <p:style>
+          <a:lnRef idx="2">
+            <a:schemeClr val="dk1"/>
+          </a:lnRef>
+          <a:fillRef idx="1">
+            <a:schemeClr val="lt1"/>
+          </a:fillRef>
+          <a:effectRef idx="0">
+            <a:schemeClr val="dk1"/>
+          </a:effectRef>
+          <a:fontRef idx="minor">
+            <a:schemeClr val="dk1"/>
+          </a:fontRef>
+        </p:style>
+        <p:txBody>
+          <a:bodyPr wrap="square" rtlCol="0">
+            <a:spAutoFit/>
+          </a:bodyPr>
+          <a:lstStyle/>
+          <a:p>
+            <a:pPr algn="ctr"/>
+            <a:r>
+              <a:rPr lang="en-US" sz="1600" dirty="0" smtClean="0">
+                <a:latin typeface="Helvetica Neue" panose="02000503000000020004" pitchFamily="2"/>
+              </a:rPr>
+              <a:t>Final alignment</a:t>
+            </a:r>
+            <a:endParaRPr lang="en-US" sz="1600" dirty="0">
+              <a:latin typeface="Helvetica Neue" panose="02000503000000020004" pitchFamily="2"/>
+            </a:endParaRPr>
+          </a:p>
+        </p:txBody>
+      </p:sp>
+      <p:sp>
+        <p:nvSpPr>
+          <p:cNvPr id="37" name="Right Arrow 36"/>
+          <p:cNvSpPr/>
+          <p:nvPr/>
+        </p:nvSpPr>
+        <p:spPr>
+          <a:xfrm rot="5400000">
+            <a:off x="7245239" y="2853918"/>
+            <a:ext cx="695412" cy="436639"/>
+          </a:xfrm>
+          <a:prstGeom prst="rightArrow">
+            <a:avLst/>
+          </a:prstGeom>
+        </p:spPr>
+        <p:style>
+          <a:lnRef idx="2">
+            <a:schemeClr val="accent1">
+              <a:shade val="50000"/>
+            </a:schemeClr>
+          </a:lnRef>
+          <a:fillRef idx="1">
+            <a:schemeClr val="accent1"/>
+          </a:fillRef>
+          <a:effectRef idx="0">
+            <a:schemeClr val="accent1"/>
+          </a:effectRef>
+          <a:fontRef idx="minor">
+            <a:schemeClr val="lt1"/>
+          </a:fontRef>
+        </p:style>
+        <p:txBody>
+          <a:bodyPr rtlCol="0" anchor="ctr"/>
+          <a:lstStyle/>
+          <a:p>
+            <a:pPr algn="ctr"/>
+            <a:endParaRPr lang="en-US" sz="1600">
+              <a:latin typeface="Helvetica Neue" panose="02000503000000020004" pitchFamily="2"/>
+            </a:endParaRPr>
+          </a:p>
+        </p:txBody>
+      </p:sp>
+      <p:sp>
+        <p:nvSpPr>
+          <p:cNvPr id="38" name="Right Arrow 37"/>
+          <p:cNvSpPr/>
+          <p:nvPr/>
+        </p:nvSpPr>
+        <p:spPr>
+          <a:xfrm rot="5400000">
+            <a:off x="7617231" y="5383669"/>
+            <a:ext cx="394850" cy="436639"/>
+          </a:xfrm>
+          <a:prstGeom prst="rightArrow">
+            <a:avLst/>
+          </a:prstGeom>
+        </p:spPr>
+        <p:style>
+          <a:lnRef idx="2">
+            <a:schemeClr val="accent1">
+              <a:shade val="50000"/>
+            </a:schemeClr>
+          </a:lnRef>
+          <a:fillRef idx="1">
+            <a:schemeClr val="accent1"/>
+          </a:fillRef>
+          <a:effectRef idx="0">
+            <a:schemeClr val="accent1"/>
+          </a:effectRef>
+          <a:fontRef idx="minor">
+            <a:schemeClr val="lt1"/>
+          </a:fontRef>
+        </p:style>
+        <p:txBody>
+          <a:bodyPr rtlCol="0" anchor="ctr"/>
+          <a:lstStyle/>
+          <a:p>
+            <a:pPr algn="ctr"/>
+            <a:endParaRPr lang="en-US" sz="1600">
+              <a:latin typeface="Helvetica Neue" panose="02000503000000020004" pitchFamily="2"/>
+            </a:endParaRPr>
+          </a:p>
+        </p:txBody>
+      </p:sp>
+      <p:sp>
+        <p:nvSpPr>
+          <p:cNvPr id="39" name="Right Arrow 38"/>
+          <p:cNvSpPr/>
+          <p:nvPr/>
+        </p:nvSpPr>
+        <p:spPr>
+          <a:xfrm rot="10800000">
+            <a:off x="3849868" y="5875940"/>
+            <a:ext cx="889524" cy="456753"/>
+          </a:xfrm>
+          <a:prstGeom prst="rightArrow">
+            <a:avLst/>
+          </a:prstGeom>
+        </p:spPr>
+        <p:style>
+          <a:lnRef idx="2">
+            <a:schemeClr val="accent1">
+              <a:shade val="50000"/>
+            </a:schemeClr>
+          </a:lnRef>
+          <a:fillRef idx="1">
+            <a:schemeClr val="accent1"/>
+          </a:fillRef>
+          <a:effectRef idx="0">
+            <a:schemeClr val="accent1"/>
+          </a:effectRef>
+          <a:fontRef idx="minor">
+            <a:schemeClr val="lt1"/>
+          </a:fontRef>
+        </p:style>
+        <p:txBody>
+          <a:bodyPr rtlCol="0" anchor="ctr"/>
+          <a:lstStyle/>
+          <a:p>
+            <a:pPr algn="ctr"/>
+            <a:endParaRPr lang="en-US" sz="1600" dirty="0">
+              <a:latin typeface="Helvetica Neue" panose="02000503000000020004" pitchFamily="2"/>
+            </a:endParaRPr>
+          </a:p>
+        </p:txBody>
+      </p:sp>
+      <p:sp>
+        <p:nvSpPr>
+          <p:cNvPr id="40" name="Rectangle 39"/>
+          <p:cNvSpPr/>
+          <p:nvPr/>
+        </p:nvSpPr>
+        <p:spPr>
+          <a:xfrm>
+            <a:off x="3809185" y="5480667"/>
+            <a:ext cx="1162498" cy="307777"/>
+          </a:xfrm>
+          <a:prstGeom prst="rect">
+            <a:avLst/>
+          </a:prstGeom>
+        </p:spPr>
+        <p:txBody>
+          <a:bodyPr wrap="none">
+            <a:spAutoFit/>
+          </a:bodyPr>
+          <a:lstStyle/>
+          <a:p>
+            <a:pPr lvl="0" algn="ctr"/>
+            <a:r>
+              <a:rPr lang="en-US" sz="1400" dirty="0" smtClean="0">
+                <a:solidFill>
+                  <a:prstClr val="black"/>
+                </a:solidFill>
+                <a:latin typeface="Helvetica Neue" panose="02000503000000020004" pitchFamily="2"/>
+              </a:rPr>
+              <a:t>Create table</a:t>
+            </a:r>
+            <a:endParaRPr lang="en-US" sz="1400" dirty="0">
+              <a:solidFill>
+                <a:prstClr val="black"/>
+              </a:solidFill>
+              <a:latin typeface="Helvetica Neue" panose="02000503000000020004" pitchFamily="2"/>
+            </a:endParaRPr>
+          </a:p>
+        </p:txBody>
+      </p:sp>
+      <p:sp>
+        <p:nvSpPr>
+          <p:cNvPr id="41" name="TextBox 40"/>
+          <p:cNvSpPr txBox="1"/>
+          <p:nvPr/>
+        </p:nvSpPr>
+        <p:spPr>
+          <a:xfrm>
+            <a:off x="2454799" y="3269744"/>
+            <a:ext cx="1143000" cy="307777"/>
+          </a:xfrm>
+          <a:prstGeom prst="rect">
+            <a:avLst/>
+          </a:prstGeom>
+        </p:spPr>
+        <p:style>
+          <a:lnRef idx="2">
+            <a:schemeClr val="dk1"/>
+          </a:lnRef>
+          <a:fillRef idx="1">
+            <a:schemeClr val="lt1"/>
+          </a:fillRef>
+          <a:effectRef idx="0">
+            <a:schemeClr val="dk1"/>
+          </a:effectRef>
+          <a:fontRef idx="minor">
+            <a:schemeClr val="dk1"/>
+          </a:fontRef>
+        </p:style>
+        <p:txBody>
+          <a:bodyPr wrap="square" rtlCol="0">
+            <a:spAutoFit/>
+          </a:bodyPr>
+          <a:lstStyle/>
+          <a:p>
+            <a:pPr algn="ctr"/>
+            <a:r>
+              <a:rPr lang="en-US" sz="1400" dirty="0" err="1" smtClean="0">
+                <a:latin typeface="Helvetica Neue" panose="02000503000000020004" pitchFamily="2"/>
+              </a:rPr>
+              <a:t>Phylotypes</a:t>
+            </a:r>
+            <a:endParaRPr lang="en-US" sz="1400" dirty="0">
+              <a:latin typeface="Helvetica Neue" panose="02000503000000020004" pitchFamily="2"/>
+            </a:endParaRPr>
+          </a:p>
+        </p:txBody>
+      </p:sp>
+      <p:sp>
+        <p:nvSpPr>
+          <p:cNvPr id="42" name="Rectangle 41"/>
+          <p:cNvSpPr/>
+          <p:nvPr/>
+        </p:nvSpPr>
+        <p:spPr>
+          <a:xfrm>
+            <a:off x="1860826" y="2610730"/>
+            <a:ext cx="813043" cy="307777"/>
+          </a:xfrm>
+          <a:prstGeom prst="rect">
+            <a:avLst/>
+          </a:prstGeom>
+        </p:spPr>
+        <p:txBody>
+          <a:bodyPr wrap="none">
+            <a:spAutoFit/>
+          </a:bodyPr>
+          <a:lstStyle/>
+          <a:p>
+            <a:pPr lvl="0" algn="ctr"/>
+            <a:r>
+              <a:rPr lang="en-US" sz="1400" dirty="0" smtClean="0">
+                <a:solidFill>
+                  <a:prstClr val="black"/>
+                </a:solidFill>
+                <a:latin typeface="Helvetica Neue" panose="02000503000000020004" pitchFamily="2"/>
+              </a:rPr>
+              <a:t>Classify</a:t>
+            </a:r>
+            <a:endParaRPr lang="en-US" sz="1400" dirty="0">
+              <a:solidFill>
+                <a:prstClr val="black"/>
+              </a:solidFill>
+              <a:latin typeface="Helvetica Neue" panose="02000503000000020004" pitchFamily="2"/>
+            </a:endParaRPr>
+          </a:p>
+        </p:txBody>
+      </p:sp>
+      <p:sp>
+        <p:nvSpPr>
+          <p:cNvPr id="34" name="Rectangle 33"/>
+          <p:cNvSpPr/>
+          <p:nvPr/>
+        </p:nvSpPr>
+        <p:spPr>
+          <a:xfrm>
+            <a:off x="5653695" y="4505833"/>
+            <a:ext cx="755335" cy="523220"/>
+          </a:xfrm>
+          <a:prstGeom prst="rect">
+            <a:avLst/>
+          </a:prstGeom>
+        </p:spPr>
+        <p:txBody>
+          <a:bodyPr wrap="none">
+            <a:spAutoFit/>
+          </a:bodyPr>
+          <a:lstStyle/>
+          <a:p>
+            <a:pPr lvl="0" algn="ctr"/>
+            <a:r>
+              <a:rPr lang="en-US" sz="1400" dirty="0" smtClean="0">
+                <a:solidFill>
+                  <a:prstClr val="black"/>
+                </a:solidFill>
+                <a:latin typeface="Helvetica Neue" panose="02000503000000020004" pitchFamily="2"/>
+              </a:rPr>
+              <a:t>Cluster</a:t>
+            </a:r>
+          </a:p>
+          <a:p>
+            <a:pPr lvl="0" algn="ctr"/>
+            <a:r>
+              <a:rPr lang="en-US" sz="1400" dirty="0" smtClean="0">
+                <a:solidFill>
+                  <a:prstClr val="black"/>
+                </a:solidFill>
+                <a:latin typeface="Helvetica Neue" panose="02000503000000020004" pitchFamily="2"/>
+              </a:rPr>
+              <a:t>split</a:t>
+            </a:r>
+            <a:endParaRPr lang="en-US" sz="1400" dirty="0">
+              <a:solidFill>
+                <a:prstClr val="black"/>
+              </a:solidFill>
+              <a:latin typeface="Helvetica Neue" panose="02000503000000020004" pitchFamily="2"/>
+            </a:endParaRPr>
+          </a:p>
+        </p:txBody>
+      </p:sp>
+      <p:sp>
+        <p:nvSpPr>
+          <p:cNvPr id="43" name="Right Arrow 42"/>
+          <p:cNvSpPr/>
+          <p:nvPr/>
+        </p:nvSpPr>
+        <p:spPr>
+          <a:xfrm rot="5400000">
+            <a:off x="7499407" y="4137682"/>
+            <a:ext cx="625182" cy="431324"/>
+          </a:xfrm>
+          <a:prstGeom prst="rightArrow">
+            <a:avLst/>
+          </a:prstGeom>
+        </p:spPr>
+        <p:style>
+          <a:lnRef idx="2">
+            <a:schemeClr val="accent1">
+              <a:shade val="50000"/>
+            </a:schemeClr>
+          </a:lnRef>
+          <a:fillRef idx="1">
+            <a:schemeClr val="accent1"/>
+          </a:fillRef>
+          <a:effectRef idx="0">
+            <a:schemeClr val="accent1"/>
+          </a:effectRef>
+          <a:fontRef idx="minor">
+            <a:schemeClr val="lt1"/>
+          </a:fontRef>
+        </p:style>
+        <p:txBody>
+          <a:bodyPr rtlCol="0" anchor="ctr"/>
+          <a:lstStyle/>
+          <a:p>
+            <a:pPr algn="ctr"/>
+            <a:endParaRPr lang="en-US" sz="1600">
+              <a:latin typeface="Helvetica Neue" panose="02000503000000020004" pitchFamily="2"/>
+            </a:endParaRPr>
+          </a:p>
+        </p:txBody>
+      </p:sp>
+      <p:sp>
+        <p:nvSpPr>
+          <p:cNvPr id="44" name="Rectangle 43"/>
+          <p:cNvSpPr/>
+          <p:nvPr/>
+        </p:nvSpPr>
+        <p:spPr>
+          <a:xfrm>
+            <a:off x="1548009" y="5361632"/>
+            <a:ext cx="1478290" cy="307777"/>
+          </a:xfrm>
+          <a:prstGeom prst="rect">
+            <a:avLst/>
+          </a:prstGeom>
+        </p:spPr>
+        <p:txBody>
+          <a:bodyPr wrap="none">
+            <a:spAutoFit/>
+          </a:bodyPr>
+          <a:lstStyle/>
+          <a:p>
+            <a:pPr lvl="0" algn="ctr"/>
+            <a:r>
+              <a:rPr lang="en-US" sz="1400" dirty="0" smtClean="0">
+                <a:solidFill>
+                  <a:prstClr val="black"/>
+                </a:solidFill>
+                <a:latin typeface="Helvetica Neue" panose="02000503000000020004" pitchFamily="2"/>
+              </a:rPr>
+              <a:t>+</a:t>
+            </a:r>
+            <a:r>
+              <a:rPr lang="en-US" sz="1400" dirty="0">
+                <a:solidFill>
+                  <a:prstClr val="black"/>
+                </a:solidFill>
+                <a:latin typeface="Helvetica Neue" panose="02000503000000020004" pitchFamily="2"/>
+              </a:rPr>
+              <a:t> </a:t>
+            </a:r>
+            <a:r>
+              <a:rPr lang="en-US" sz="1400" dirty="0" smtClean="0">
+                <a:solidFill>
+                  <a:prstClr val="black"/>
+                </a:solidFill>
+                <a:latin typeface="Helvetica Neue" panose="02000503000000020004" pitchFamily="2"/>
+              </a:rPr>
+              <a:t>Classify OTU</a:t>
+            </a:r>
+            <a:r>
+              <a:rPr lang="en-US" sz="1400" dirty="0" smtClean="0">
+                <a:solidFill>
+                  <a:prstClr val="black"/>
+                </a:solidFill>
+                <a:latin typeface="Helvetica Neue" panose="02000503000000020004" pitchFamily="2"/>
+              </a:rPr>
+              <a:t>s</a:t>
+            </a:r>
+            <a:endParaRPr lang="en-US" sz="1400" dirty="0">
+              <a:solidFill>
+                <a:prstClr val="black"/>
+              </a:solidFill>
+              <a:latin typeface="Helvetica Neue" panose="02000503000000020004" pitchFamily="2"/>
+            </a:endParaRPr>
+          </a:p>
+        </p:txBody>
+      </p:sp>
+    </p:spTree>
+    <p:extLst>
+      <p:ext uri="{BB962C8B-B14F-4D97-AF65-F5344CB8AC3E}">
+        <p14:creationId xmlns:p14="http://schemas.microsoft.com/office/powerpoint/2010/main" val="3790792171"/>
+      </p:ext>
+    </p:extLst>
+  </p:cSld>
+  <p:clrMapOvr>
+    <a:masterClrMapping/>
+  </p:clrMapOvr>
+  <p:timing>
+    <p:tnLst>
+      <p:par>
+        <p:cTn id="1" dur="indefinite" restart="never" nodeType="tmRoot">
+          <p:childTnLst>
+            <p:seq concurrent="1" nextAc="seek">
+              <p:cTn id="2" dur="indefinite" nodeType="mainSeq">
+                <p:childTnLst>
+                  <p:par>
+                    <p:cTn id="3" fill="hold">
+                      <p:stCondLst>
+                        <p:cond delay="indefinite"/>
+                      </p:stCondLst>
+                      <p:childTnLst>
+                        <p:par>
+                          <p:cTn id="4" fill="hold">
+                            <p:stCondLst>
+                              <p:cond delay="0"/>
+                            </p:stCondLst>
+                            <p:childTnLst>
+                              <p:par>
+                                <p:cTn id="5" presetID="1" presetClass="entr" presetSubtype="0" fill="hold" grpId="0" nodeType="clickEffect">
+                                  <p:stCondLst>
+                                    <p:cond delay="0"/>
+                                  </p:stCondLst>
+                                  <p:childTnLst>
+                                    <p:set>
+                                      <p:cBhvr>
+                                        <p:cTn id="6" dur="1" fill="hold">
+                                          <p:stCondLst>
+                                            <p:cond delay="0"/>
+                                          </p:stCondLst>
+                                        </p:cTn>
+                                        <p:tgtEl>
+                                          <p:spTgt spid="6"/>
+                                        </p:tgtEl>
+                                        <p:attrNameLst>
+                                          <p:attrName>style.visibility</p:attrName>
+                                        </p:attrNameLst>
+                                      </p:cBhvr>
+                                      <p:to>
+                                        <p:strVal val="visible"/>
+                                      </p:to>
+                                    </p:set>
+                                  </p:childTnLst>
+                                </p:cTn>
+                              </p:par>
+                              <p:par>
+                                <p:cTn id="7" presetID="1" presetClass="entr" presetSubtype="0" fill="hold" grpId="0" nodeType="withEffect">
+                                  <p:stCondLst>
+                                    <p:cond delay="0"/>
+                                  </p:stCondLst>
+                                  <p:childTnLst>
+                                    <p:set>
+                                      <p:cBhvr>
+                                        <p:cTn id="8" dur="1" fill="hold">
+                                          <p:stCondLst>
+                                            <p:cond delay="0"/>
+                                          </p:stCondLst>
+                                        </p:cTn>
+                                        <p:tgtEl>
+                                          <p:spTgt spid="11"/>
+                                        </p:tgtEl>
+                                        <p:attrNameLst>
+                                          <p:attrName>style.visibility</p:attrName>
+                                        </p:attrNameLst>
+                                      </p:cBhvr>
+                                      <p:to>
+                                        <p:strVal val="visible"/>
+                                      </p:to>
+                                    </p:set>
+                                  </p:childTnLst>
+                                </p:cTn>
+                              </p:par>
+                              <p:par>
+                                <p:cTn id="9" presetID="1" presetClass="entr" presetSubtype="0" fill="hold" grpId="0" nodeType="withEffect">
+                                  <p:stCondLst>
+                                    <p:cond delay="0"/>
+                                  </p:stCondLst>
+                                  <p:childTnLst>
+                                    <p:set>
+                                      <p:cBhvr>
+                                        <p:cTn id="10" dur="1" fill="hold">
+                                          <p:stCondLst>
+                                            <p:cond delay="0"/>
+                                          </p:stCondLst>
+                                        </p:cTn>
+                                        <p:tgtEl>
+                                          <p:spTgt spid="22"/>
+                                        </p:tgtEl>
+                                        <p:attrNameLst>
+                                          <p:attrName>style.visibility</p:attrName>
+                                        </p:attrNameLst>
+                                      </p:cBhvr>
+                                      <p:to>
+                                        <p:strVal val="visible"/>
+                                      </p:to>
+                                    </p:set>
+                                  </p:childTnLst>
+                                </p:cTn>
+                              </p:par>
+                            </p:childTnLst>
+                          </p:cTn>
+                        </p:par>
+                      </p:childTnLst>
+                    </p:cTn>
+                  </p:par>
+                  <p:par>
+                    <p:cTn id="11" fill="hold">
+                      <p:stCondLst>
+                        <p:cond delay="indefinite"/>
+                      </p:stCondLst>
+                      <p:childTnLst>
+                        <p:par>
+                          <p:cTn id="12" fill="hold">
+                            <p:stCondLst>
+                              <p:cond delay="0"/>
+                            </p:stCondLst>
+                            <p:childTnLst>
+                              <p:par>
+                                <p:cTn id="13" presetID="1" presetClass="entr" presetSubtype="0" fill="hold" grpId="0" nodeType="clickEffect">
+                                  <p:stCondLst>
+                                    <p:cond delay="0"/>
+                                  </p:stCondLst>
+                                  <p:childTnLst>
+                                    <p:set>
+                                      <p:cBhvr>
+                                        <p:cTn id="14" dur="1" fill="hold">
+                                          <p:stCondLst>
+                                            <p:cond delay="0"/>
+                                          </p:stCondLst>
+                                        </p:cTn>
+                                        <p:tgtEl>
+                                          <p:spTgt spid="7"/>
+                                        </p:tgtEl>
+                                        <p:attrNameLst>
+                                          <p:attrName>style.visibility</p:attrName>
+                                        </p:attrNameLst>
+                                      </p:cBhvr>
+                                      <p:to>
+                                        <p:strVal val="visible"/>
+                                      </p:to>
+                                    </p:set>
+                                  </p:childTnLst>
+                                </p:cTn>
+                              </p:par>
+                              <p:par>
+                                <p:cTn id="15" presetID="1" presetClass="entr" presetSubtype="0" fill="hold" grpId="0" nodeType="withEffect">
+                                  <p:stCondLst>
+                                    <p:cond delay="0"/>
+                                  </p:stCondLst>
+                                  <p:childTnLst>
+                                    <p:set>
+                                      <p:cBhvr>
+                                        <p:cTn id="16" dur="1" fill="hold">
+                                          <p:stCondLst>
+                                            <p:cond delay="0"/>
+                                          </p:stCondLst>
+                                        </p:cTn>
+                                        <p:tgtEl>
+                                          <p:spTgt spid="21"/>
+                                        </p:tgtEl>
+                                        <p:attrNameLst>
+                                          <p:attrName>style.visibility</p:attrName>
+                                        </p:attrNameLst>
+                                      </p:cBhvr>
+                                      <p:to>
+                                        <p:strVal val="visible"/>
+                                      </p:to>
+                                    </p:set>
+                                  </p:childTnLst>
+                                </p:cTn>
+                              </p:par>
+                              <p:par>
+                                <p:cTn id="17" presetID="1" presetClass="entr" presetSubtype="0" fill="hold" grpId="0" nodeType="withEffect">
+                                  <p:stCondLst>
+                                    <p:cond delay="0"/>
+                                  </p:stCondLst>
+                                  <p:childTnLst>
+                                    <p:set>
+                                      <p:cBhvr>
+                                        <p:cTn id="18" dur="1" fill="hold">
+                                          <p:stCondLst>
+                                            <p:cond delay="0"/>
+                                          </p:stCondLst>
+                                        </p:cTn>
+                                        <p:tgtEl>
+                                          <p:spTgt spid="23"/>
+                                        </p:tgtEl>
+                                        <p:attrNameLst>
+                                          <p:attrName>style.visibility</p:attrName>
+                                        </p:attrNameLst>
+                                      </p:cBhvr>
+                                      <p:to>
+                                        <p:strVal val="visible"/>
+                                      </p:to>
+                                    </p:set>
+                                  </p:childTnLst>
+                                </p:cTn>
+                              </p:par>
+                            </p:childTnLst>
+                          </p:cTn>
+                        </p:par>
+                      </p:childTnLst>
+                    </p:cTn>
+                  </p:par>
+                  <p:par>
+                    <p:cTn id="19" fill="hold">
+                      <p:stCondLst>
+                        <p:cond delay="indefinite"/>
+                      </p:stCondLst>
+                      <p:childTnLst>
+                        <p:par>
+                          <p:cTn id="20" fill="hold">
+                            <p:stCondLst>
+                              <p:cond delay="0"/>
+                            </p:stCondLst>
+                            <p:childTnLst>
+                              <p:par>
+                                <p:cTn id="21" presetID="1" presetClass="entr" presetSubtype="0" fill="hold" grpId="0" nodeType="clickEffect">
+                                  <p:stCondLst>
+                                    <p:cond delay="0"/>
+                                  </p:stCondLst>
+                                  <p:childTnLst>
+                                    <p:set>
+                                      <p:cBhvr>
+                                        <p:cTn id="22" dur="1" fill="hold">
+                                          <p:stCondLst>
+                                            <p:cond delay="0"/>
+                                          </p:stCondLst>
+                                        </p:cTn>
+                                        <p:tgtEl>
+                                          <p:spTgt spid="8"/>
+                                        </p:tgtEl>
+                                        <p:attrNameLst>
+                                          <p:attrName>style.visibility</p:attrName>
+                                        </p:attrNameLst>
+                                      </p:cBhvr>
+                                      <p:to>
+                                        <p:strVal val="visible"/>
+                                      </p:to>
+                                    </p:set>
+                                  </p:childTnLst>
+                                </p:cTn>
+                              </p:par>
+                              <p:par>
+                                <p:cTn id="23" presetID="1" presetClass="entr" presetSubtype="0" fill="hold" grpId="0" nodeType="withEffect">
+                                  <p:stCondLst>
+                                    <p:cond delay="0"/>
+                                  </p:stCondLst>
+                                  <p:childTnLst>
+                                    <p:set>
+                                      <p:cBhvr>
+                                        <p:cTn id="24" dur="1" fill="hold">
+                                          <p:stCondLst>
+                                            <p:cond delay="0"/>
+                                          </p:stCondLst>
+                                        </p:cTn>
+                                        <p:tgtEl>
+                                          <p:spTgt spid="24"/>
+                                        </p:tgtEl>
+                                        <p:attrNameLst>
+                                          <p:attrName>style.visibility</p:attrName>
+                                        </p:attrNameLst>
+                                      </p:cBhvr>
+                                      <p:to>
+                                        <p:strVal val="visible"/>
+                                      </p:to>
+                                    </p:set>
+                                  </p:childTnLst>
+                                </p:cTn>
+                              </p:par>
+                              <p:par>
+                                <p:cTn id="25" presetID="1" presetClass="entr" presetSubtype="0" fill="hold" grpId="0" nodeType="withEffect">
+                                  <p:stCondLst>
+                                    <p:cond delay="0"/>
+                                  </p:stCondLst>
+                                  <p:childTnLst>
+                                    <p:set>
+                                      <p:cBhvr>
+                                        <p:cTn id="26" dur="1" fill="hold">
+                                          <p:stCondLst>
+                                            <p:cond delay="0"/>
+                                          </p:stCondLst>
+                                        </p:cTn>
+                                        <p:tgtEl>
+                                          <p:spTgt spid="30"/>
+                                        </p:tgtEl>
+                                        <p:attrNameLst>
+                                          <p:attrName>style.visibility</p:attrName>
+                                        </p:attrNameLst>
+                                      </p:cBhvr>
+                                      <p:to>
+                                        <p:strVal val="visible"/>
+                                      </p:to>
+                                    </p:set>
+                                  </p:childTnLst>
+                                </p:cTn>
+                              </p:par>
+                            </p:childTnLst>
+                          </p:cTn>
+                        </p:par>
+                      </p:childTnLst>
+                    </p:cTn>
+                  </p:par>
+                  <p:par>
+                    <p:cTn id="27" fill="hold">
+                      <p:stCondLst>
+                        <p:cond delay="indefinite"/>
+                      </p:stCondLst>
+                      <p:childTnLst>
+                        <p:par>
+                          <p:cTn id="28" fill="hold">
+                            <p:stCondLst>
+                              <p:cond delay="0"/>
+                            </p:stCondLst>
+                            <p:childTnLst>
+                              <p:par>
+                                <p:cTn id="29" presetID="1" presetClass="entr" presetSubtype="0" fill="hold" grpId="0" nodeType="clickEffect">
+                                  <p:stCondLst>
+                                    <p:cond delay="0"/>
+                                  </p:stCondLst>
+                                  <p:childTnLst>
+                                    <p:set>
+                                      <p:cBhvr>
+                                        <p:cTn id="30" dur="1" fill="hold">
+                                          <p:stCondLst>
+                                            <p:cond delay="0"/>
+                                          </p:stCondLst>
+                                        </p:cTn>
+                                        <p:tgtEl>
+                                          <p:spTgt spid="35"/>
+                                        </p:tgtEl>
+                                        <p:attrNameLst>
+                                          <p:attrName>style.visibility</p:attrName>
+                                        </p:attrNameLst>
+                                      </p:cBhvr>
+                                      <p:to>
+                                        <p:strVal val="visible"/>
+                                      </p:to>
+                                    </p:set>
+                                  </p:childTnLst>
+                                </p:cTn>
+                              </p:par>
+                              <p:par>
+                                <p:cTn id="31" presetID="1" presetClass="entr" presetSubtype="0" fill="hold" grpId="0" nodeType="withEffect">
+                                  <p:stCondLst>
+                                    <p:cond delay="0"/>
+                                  </p:stCondLst>
+                                  <p:childTnLst>
+                                    <p:set>
+                                      <p:cBhvr>
+                                        <p:cTn id="32" dur="1" fill="hold">
+                                          <p:stCondLst>
+                                            <p:cond delay="0"/>
+                                          </p:stCondLst>
+                                        </p:cTn>
+                                        <p:tgtEl>
+                                          <p:spTgt spid="36"/>
+                                        </p:tgtEl>
+                                        <p:attrNameLst>
+                                          <p:attrName>style.visibility</p:attrName>
+                                        </p:attrNameLst>
+                                      </p:cBhvr>
+                                      <p:to>
+                                        <p:strVal val="visible"/>
+                                      </p:to>
+                                    </p:set>
+                                  </p:childTnLst>
+                                </p:cTn>
+                              </p:par>
+                              <p:par>
+                                <p:cTn id="33" presetID="1" presetClass="entr" presetSubtype="0" fill="hold" grpId="0" nodeType="withEffect">
+                                  <p:stCondLst>
+                                    <p:cond delay="0"/>
+                                  </p:stCondLst>
+                                  <p:childTnLst>
+                                    <p:set>
+                                      <p:cBhvr>
+                                        <p:cTn id="34" dur="1" fill="hold">
+                                          <p:stCondLst>
+                                            <p:cond delay="0"/>
+                                          </p:stCondLst>
+                                        </p:cTn>
+                                        <p:tgtEl>
+                                          <p:spTgt spid="37"/>
+                                        </p:tgtEl>
+                                        <p:attrNameLst>
+                                          <p:attrName>style.visibility</p:attrName>
+                                        </p:attrNameLst>
+                                      </p:cBhvr>
+                                      <p:to>
+                                        <p:strVal val="visible"/>
+                                      </p:to>
+                                    </p:set>
+                                  </p:childTnLst>
+                                </p:cTn>
+                              </p:par>
+                            </p:childTnLst>
+                          </p:cTn>
+                        </p:par>
+                      </p:childTnLst>
+                    </p:cTn>
+                  </p:par>
+                  <p:par>
+                    <p:cTn id="35" fill="hold">
+                      <p:stCondLst>
+                        <p:cond delay="indefinite"/>
+                      </p:stCondLst>
+                      <p:childTnLst>
+                        <p:par>
+                          <p:cTn id="36" fill="hold">
+                            <p:stCondLst>
+                              <p:cond delay="0"/>
+                            </p:stCondLst>
+                            <p:childTnLst>
+                              <p:par>
+                                <p:cTn id="37" presetID="1" presetClass="entr" presetSubtype="0" fill="hold" grpId="0" nodeType="clickEffect">
+                                  <p:stCondLst>
+                                    <p:cond delay="0"/>
+                                  </p:stCondLst>
+                                  <p:childTnLst>
+                                    <p:set>
+                                      <p:cBhvr>
+                                        <p:cTn id="38" dur="1" fill="hold">
+                                          <p:stCondLst>
+                                            <p:cond delay="0"/>
+                                          </p:stCondLst>
+                                        </p:cTn>
+                                        <p:tgtEl>
+                                          <p:spTgt spid="9"/>
+                                        </p:tgtEl>
+                                        <p:attrNameLst>
+                                          <p:attrName>style.visibility</p:attrName>
+                                        </p:attrNameLst>
+                                      </p:cBhvr>
+                                      <p:to>
+                                        <p:strVal val="visible"/>
+                                      </p:to>
+                                    </p:set>
+                                  </p:childTnLst>
+                                </p:cTn>
+                              </p:par>
+                              <p:par>
+                                <p:cTn id="39" presetID="1" presetClass="entr" presetSubtype="0" fill="hold" grpId="0" nodeType="withEffect">
+                                  <p:stCondLst>
+                                    <p:cond delay="0"/>
+                                  </p:stCondLst>
+                                  <p:childTnLst>
+                                    <p:set>
+                                      <p:cBhvr>
+                                        <p:cTn id="40" dur="1" fill="hold">
+                                          <p:stCondLst>
+                                            <p:cond delay="0"/>
+                                          </p:stCondLst>
+                                        </p:cTn>
+                                        <p:tgtEl>
+                                          <p:spTgt spid="31"/>
+                                        </p:tgtEl>
+                                        <p:attrNameLst>
+                                          <p:attrName>style.visibility</p:attrName>
+                                        </p:attrNameLst>
+                                      </p:cBhvr>
+                                      <p:to>
+                                        <p:strVal val="visible"/>
+                                      </p:to>
+                                    </p:set>
+                                  </p:childTnLst>
+                                </p:cTn>
+                              </p:par>
+                              <p:par>
+                                <p:cTn id="41" presetID="1" presetClass="entr" presetSubtype="0" fill="hold" grpId="0" nodeType="withEffect">
+                                  <p:stCondLst>
+                                    <p:cond delay="0"/>
+                                  </p:stCondLst>
+                                  <p:childTnLst>
+                                    <p:set>
+                                      <p:cBhvr>
+                                        <p:cTn id="42" dur="1" fill="hold">
+                                          <p:stCondLst>
+                                            <p:cond delay="0"/>
+                                          </p:stCondLst>
+                                        </p:cTn>
+                                        <p:tgtEl>
+                                          <p:spTgt spid="32"/>
+                                        </p:tgtEl>
+                                        <p:attrNameLst>
+                                          <p:attrName>style.visibility</p:attrName>
+                                        </p:attrNameLst>
+                                      </p:cBhvr>
+                                      <p:to>
+                                        <p:strVal val="visible"/>
+                                      </p:to>
+                                    </p:set>
+                                  </p:childTnLst>
+                                </p:cTn>
+                              </p:par>
+                              <p:par>
+                                <p:cTn id="43" presetID="1" presetClass="entr" presetSubtype="0" fill="hold" grpId="0" nodeType="withEffect">
+                                  <p:stCondLst>
+                                    <p:cond delay="0"/>
+                                  </p:stCondLst>
+                                  <p:childTnLst>
+                                    <p:set>
+                                      <p:cBhvr>
+                                        <p:cTn id="44" dur="1" fill="hold">
+                                          <p:stCondLst>
+                                            <p:cond delay="0"/>
+                                          </p:stCondLst>
+                                        </p:cTn>
+                                        <p:tgtEl>
+                                          <p:spTgt spid="38"/>
+                                        </p:tgtEl>
+                                        <p:attrNameLst>
+                                          <p:attrName>style.visibility</p:attrName>
+                                        </p:attrNameLst>
+                                      </p:cBhvr>
+                                      <p:to>
+                                        <p:strVal val="visible"/>
+                                      </p:to>
+                                    </p:set>
+                                  </p:childTnLst>
+                                </p:cTn>
+                              </p:par>
+                              <p:par>
+                                <p:cTn id="45" presetID="1" presetClass="entr" presetSubtype="0" fill="hold" grpId="0" nodeType="withEffect">
+                                  <p:stCondLst>
+                                    <p:cond delay="0"/>
+                                  </p:stCondLst>
+                                  <p:childTnLst>
+                                    <p:set>
+                                      <p:cBhvr>
+                                        <p:cTn id="46" dur="1" fill="hold">
+                                          <p:stCondLst>
+                                            <p:cond delay="0"/>
+                                          </p:stCondLst>
+                                        </p:cTn>
+                                        <p:tgtEl>
+                                          <p:spTgt spid="43"/>
+                                        </p:tgtEl>
+                                        <p:attrNameLst>
+                                          <p:attrName>style.visibility</p:attrName>
+                                        </p:attrNameLst>
+                                      </p:cBhvr>
+                                      <p:to>
+                                        <p:strVal val="visible"/>
+                                      </p:to>
+                                    </p:set>
+                                  </p:childTnLst>
+                                </p:cTn>
+                              </p:par>
+                              <p:par>
+                                <p:cTn id="47" presetID="1" presetClass="entr" presetSubtype="0" fill="hold" grpId="0" nodeType="withEffect">
+                                  <p:stCondLst>
+                                    <p:cond delay="0"/>
+                                  </p:stCondLst>
+                                  <p:childTnLst>
+                                    <p:set>
+                                      <p:cBhvr>
+                                        <p:cTn id="48" dur="1" fill="hold">
+                                          <p:stCondLst>
+                                            <p:cond delay="0"/>
+                                          </p:stCondLst>
+                                        </p:cTn>
+                                        <p:tgtEl>
+                                          <p:spTgt spid="33"/>
+                                        </p:tgtEl>
+                                        <p:attrNameLst>
+                                          <p:attrName>style.visibility</p:attrName>
+                                        </p:attrNameLst>
+                                      </p:cBhvr>
+                                      <p:to>
+                                        <p:strVal val="visible"/>
+                                      </p:to>
+                                    </p:set>
+                                  </p:childTnLst>
+                                </p:cTn>
+                              </p:par>
+                            </p:childTnLst>
+                          </p:cTn>
+                        </p:par>
+                      </p:childTnLst>
+                    </p:cTn>
+                  </p:par>
+                  <p:par>
+                    <p:cTn id="49" fill="hold">
+                      <p:stCondLst>
+                        <p:cond delay="indefinite"/>
+                      </p:stCondLst>
+                      <p:childTnLst>
+                        <p:par>
+                          <p:cTn id="50" fill="hold">
+                            <p:stCondLst>
+                              <p:cond delay="0"/>
+                            </p:stCondLst>
+                            <p:childTnLst>
+                              <p:par>
+                                <p:cTn id="51" presetID="1" presetClass="entr" presetSubtype="0" fill="hold" grpId="0" nodeType="clickEffect">
+                                  <p:stCondLst>
+                                    <p:cond delay="0"/>
+                                  </p:stCondLst>
+                                  <p:childTnLst>
+                                    <p:set>
+                                      <p:cBhvr>
+                                        <p:cTn id="52" dur="1" fill="hold">
+                                          <p:stCondLst>
+                                            <p:cond delay="0"/>
+                                          </p:stCondLst>
+                                        </p:cTn>
+                                        <p:tgtEl>
+                                          <p:spTgt spid="28"/>
+                                        </p:tgtEl>
+                                        <p:attrNameLst>
+                                          <p:attrName>style.visibility</p:attrName>
+                                        </p:attrNameLst>
+                                      </p:cBhvr>
+                                      <p:to>
+                                        <p:strVal val="visible"/>
+                                      </p:to>
+                                    </p:set>
+                                  </p:childTnLst>
+                                </p:cTn>
+                              </p:par>
+                              <p:par>
+                                <p:cTn id="53" presetID="1" presetClass="entr" presetSubtype="0" fill="hold" grpId="0" nodeType="withEffect">
+                                  <p:stCondLst>
+                                    <p:cond delay="0"/>
+                                  </p:stCondLst>
+                                  <p:childTnLst>
+                                    <p:set>
+                                      <p:cBhvr>
+                                        <p:cTn id="54" dur="1" fill="hold">
+                                          <p:stCondLst>
+                                            <p:cond delay="0"/>
+                                          </p:stCondLst>
+                                        </p:cTn>
+                                        <p:tgtEl>
+                                          <p:spTgt spid="34"/>
+                                        </p:tgtEl>
+                                        <p:attrNameLst>
+                                          <p:attrName>style.visibility</p:attrName>
+                                        </p:attrNameLst>
+                                      </p:cBhvr>
+                                      <p:to>
+                                        <p:strVal val="visible"/>
+                                      </p:to>
+                                    </p:set>
+                                  </p:childTnLst>
+                                </p:cTn>
+                              </p:par>
+                            </p:childTnLst>
+                          </p:cTn>
+                        </p:par>
+                      </p:childTnLst>
+                    </p:cTn>
+                  </p:par>
+                  <p:par>
+                    <p:cTn id="55" fill="hold">
+                      <p:stCondLst>
+                        <p:cond delay="indefinite"/>
+                      </p:stCondLst>
+                      <p:childTnLst>
+                        <p:par>
+                          <p:cTn id="56" fill="hold">
+                            <p:stCondLst>
+                              <p:cond delay="0"/>
+                            </p:stCondLst>
+                            <p:childTnLst>
+                              <p:par>
+                                <p:cTn id="57" presetID="1" presetClass="entr" presetSubtype="0" fill="hold" grpId="0" nodeType="clickEffect">
+                                  <p:stCondLst>
+                                    <p:cond delay="0"/>
+                                  </p:stCondLst>
+                                  <p:childTnLst>
+                                    <p:set>
+                                      <p:cBhvr>
+                                        <p:cTn id="58" dur="1" fill="hold">
+                                          <p:stCondLst>
+                                            <p:cond delay="0"/>
+                                          </p:stCondLst>
+                                        </p:cTn>
+                                        <p:tgtEl>
+                                          <p:spTgt spid="10"/>
+                                        </p:tgtEl>
+                                        <p:attrNameLst>
+                                          <p:attrName>style.visibility</p:attrName>
+                                        </p:attrNameLst>
+                                      </p:cBhvr>
+                                      <p:to>
+                                        <p:strVal val="visible"/>
+                                      </p:to>
+                                    </p:set>
+                                  </p:childTnLst>
+                                </p:cTn>
+                              </p:par>
+                              <p:par>
+                                <p:cTn id="59" presetID="1" presetClass="entr" presetSubtype="0" fill="hold" grpId="0" nodeType="withEffect">
+                                  <p:stCondLst>
+                                    <p:cond delay="0"/>
+                                  </p:stCondLst>
+                                  <p:childTnLst>
+                                    <p:set>
+                                      <p:cBhvr>
+                                        <p:cTn id="60" dur="1" fill="hold">
+                                          <p:stCondLst>
+                                            <p:cond delay="0"/>
+                                          </p:stCondLst>
+                                        </p:cTn>
+                                        <p:tgtEl>
+                                          <p:spTgt spid="39"/>
+                                        </p:tgtEl>
+                                        <p:attrNameLst>
+                                          <p:attrName>style.visibility</p:attrName>
+                                        </p:attrNameLst>
+                                      </p:cBhvr>
+                                      <p:to>
+                                        <p:strVal val="visible"/>
+                                      </p:to>
+                                    </p:set>
+                                  </p:childTnLst>
+                                </p:cTn>
+                              </p:par>
+                              <p:par>
+                                <p:cTn id="61" presetID="1" presetClass="entr" presetSubtype="0" fill="hold" grpId="0" nodeType="withEffect">
+                                  <p:stCondLst>
+                                    <p:cond delay="0"/>
+                                  </p:stCondLst>
+                                  <p:childTnLst>
+                                    <p:set>
+                                      <p:cBhvr>
+                                        <p:cTn id="62" dur="1" fill="hold">
+                                          <p:stCondLst>
+                                            <p:cond delay="0"/>
+                                          </p:stCondLst>
+                                        </p:cTn>
+                                        <p:tgtEl>
+                                          <p:spTgt spid="40"/>
+                                        </p:tgtEl>
+                                        <p:attrNameLst>
+                                          <p:attrName>style.visibility</p:attrName>
+                                        </p:attrNameLst>
+                                      </p:cBhvr>
+                                      <p:to>
+                                        <p:strVal val="visible"/>
+                                      </p:to>
+                                    </p:set>
+                                  </p:childTnLst>
+                                </p:cTn>
+                              </p:par>
+                              <p:par>
+                                <p:cTn id="63" presetID="1" presetClass="entr" presetSubtype="0" fill="hold" grpId="0" nodeType="withEffect">
+                                  <p:stCondLst>
+                                    <p:cond delay="0"/>
+                                  </p:stCondLst>
+                                  <p:childTnLst>
+                                    <p:set>
+                                      <p:cBhvr>
+                                        <p:cTn id="64" dur="1" fill="hold">
+                                          <p:stCondLst>
+                                            <p:cond delay="0"/>
+                                          </p:stCondLst>
+                                        </p:cTn>
+                                        <p:tgtEl>
+                                          <p:spTgt spid="44"/>
+                                        </p:tgtEl>
+                                        <p:attrNameLst>
+                                          <p:attrName>style.visibility</p:attrName>
+                                        </p:attrNameLst>
+                                      </p:cBhvr>
+                                      <p:to>
+                                        <p:strVal val="visible"/>
+                                      </p:to>
+                                    </p:set>
+                                  </p:childTnLst>
+                                </p:cTn>
+                              </p:par>
+                            </p:childTnLst>
+                          </p:cTn>
+                        </p:par>
+                      </p:childTnLst>
+                    </p:cTn>
+                  </p:par>
+                  <p:par>
+                    <p:cTn id="65" fill="hold">
+                      <p:stCondLst>
+                        <p:cond delay="indefinite"/>
+                      </p:stCondLst>
+                      <p:childTnLst>
+                        <p:par>
+                          <p:cTn id="66" fill="hold">
+                            <p:stCondLst>
+                              <p:cond delay="0"/>
+                            </p:stCondLst>
+                            <p:childTnLst>
+                              <p:par>
+                                <p:cTn id="67" presetID="1" presetClass="entr" presetSubtype="0" fill="hold" grpId="0" nodeType="clickEffect">
+                                  <p:stCondLst>
+                                    <p:cond delay="0"/>
+                                  </p:stCondLst>
+                                  <p:childTnLst>
+                                    <p:set>
+                                      <p:cBhvr>
+                                        <p:cTn id="68" dur="1" fill="hold">
+                                          <p:stCondLst>
+                                            <p:cond delay="0"/>
+                                          </p:stCondLst>
+                                        </p:cTn>
+                                        <p:tgtEl>
+                                          <p:spTgt spid="19"/>
+                                        </p:tgtEl>
+                                        <p:attrNameLst>
+                                          <p:attrName>style.visibility</p:attrName>
+                                        </p:attrNameLst>
+                                      </p:cBhvr>
+                                      <p:to>
+                                        <p:strVal val="visible"/>
+                                      </p:to>
+                                    </p:set>
+                                  </p:childTnLst>
+                                </p:cTn>
+                              </p:par>
+                              <p:par>
+                                <p:cTn id="69" presetID="1" presetClass="entr" presetSubtype="0" fill="hold" grpId="0" nodeType="withEffect">
+                                  <p:stCondLst>
+                                    <p:cond delay="0"/>
+                                  </p:stCondLst>
+                                  <p:childTnLst>
+                                    <p:set>
+                                      <p:cBhvr>
+                                        <p:cTn id="70" dur="1" fill="hold">
+                                          <p:stCondLst>
+                                            <p:cond delay="0"/>
+                                          </p:stCondLst>
+                                        </p:cTn>
+                                        <p:tgtEl>
+                                          <p:spTgt spid="17"/>
+                                        </p:tgtEl>
+                                        <p:attrNameLst>
+                                          <p:attrName>style.visibility</p:attrName>
+                                        </p:attrNameLst>
+                                      </p:cBhvr>
+                                      <p:to>
+                                        <p:strVal val="visible"/>
+                                      </p:to>
+                                    </p:set>
+                                  </p:childTnLst>
+                                </p:cTn>
+                              </p:par>
+                            </p:childTnLst>
+                          </p:cTn>
+                        </p:par>
+                      </p:childTnLst>
+                    </p:cTn>
+                  </p:par>
+                  <p:par>
+                    <p:cTn id="71" fill="hold">
+                      <p:stCondLst>
+                        <p:cond delay="indefinite"/>
+                      </p:stCondLst>
+                      <p:childTnLst>
+                        <p:par>
+                          <p:cTn id="72" fill="hold">
+                            <p:stCondLst>
+                              <p:cond delay="0"/>
+                            </p:stCondLst>
+                            <p:childTnLst>
+                              <p:par>
+                                <p:cTn id="73" presetID="1" presetClass="entr" presetSubtype="0" fill="hold" grpId="0" nodeType="clickEffect">
+                                  <p:stCondLst>
+                                    <p:cond delay="0"/>
+                                  </p:stCondLst>
+                                  <p:childTnLst>
+                                    <p:set>
+                                      <p:cBhvr>
+                                        <p:cTn id="74" dur="1" fill="hold">
+                                          <p:stCondLst>
+                                            <p:cond delay="0"/>
+                                          </p:stCondLst>
+                                        </p:cTn>
+                                        <p:tgtEl>
+                                          <p:spTgt spid="13"/>
+                                        </p:tgtEl>
+                                        <p:attrNameLst>
+                                          <p:attrName>style.visibility</p:attrName>
+                                        </p:attrNameLst>
+                                      </p:cBhvr>
+                                      <p:to>
+                                        <p:strVal val="visible"/>
+                                      </p:to>
+                                    </p:set>
+                                  </p:childTnLst>
+                                </p:cTn>
+                              </p:par>
+                              <p:par>
+                                <p:cTn id="75" presetID="1" presetClass="entr" presetSubtype="0" fill="hold" grpId="0" nodeType="withEffect">
+                                  <p:stCondLst>
+                                    <p:cond delay="0"/>
+                                  </p:stCondLst>
+                                  <p:childTnLst>
+                                    <p:set>
+                                      <p:cBhvr>
+                                        <p:cTn id="76" dur="1" fill="hold">
+                                          <p:stCondLst>
+                                            <p:cond delay="0"/>
+                                          </p:stCondLst>
+                                        </p:cTn>
+                                        <p:tgtEl>
+                                          <p:spTgt spid="41"/>
+                                        </p:tgtEl>
+                                        <p:attrNameLst>
+                                          <p:attrName>style.visibility</p:attrName>
+                                        </p:attrNameLst>
+                                      </p:cBhvr>
+                                      <p:to>
+                                        <p:strVal val="visible"/>
+                                      </p:to>
+                                    </p:set>
+                                  </p:childTnLst>
+                                </p:cTn>
+                              </p:par>
+                              <p:par>
+                                <p:cTn id="77" presetID="1" presetClass="entr" presetSubtype="0" fill="hold" grpId="0" nodeType="withEffect">
+                                  <p:stCondLst>
+                                    <p:cond delay="0"/>
+                                  </p:stCondLst>
+                                  <p:childTnLst>
+                                    <p:set>
+                                      <p:cBhvr>
+                                        <p:cTn id="78" dur="1" fill="hold">
+                                          <p:stCondLst>
+                                            <p:cond delay="0"/>
+                                          </p:stCondLst>
+                                        </p:cTn>
+                                        <p:tgtEl>
+                                          <p:spTgt spid="42"/>
+                                        </p:tgtEl>
+                                        <p:attrNameLst>
+                                          <p:attrName>style.visibility</p:attrName>
+                                        </p:attrNameLst>
+                                      </p:cBhvr>
+                                      <p:to>
+                                        <p:strVal val="visible"/>
+                                      </p:to>
+                                    </p:set>
+                                  </p:childTnLst>
+                                </p:cTn>
+                              </p:par>
+                            </p:childTnLst>
+                          </p:cTn>
+                        </p:par>
+                      </p:childTnLst>
+                    </p:cTn>
+                  </p:par>
+                </p:childTnLst>
+              </p:cTn>
+              <p:prevCondLst>
+                <p:cond evt="onPrev" delay="0">
+                  <p:tgtEl>
+                    <p:sldTgt/>
+                  </p:tgtEl>
+                </p:cond>
+              </p:prevCondLst>
+              <p:nextCondLst>
+                <p:cond evt="onNext" delay="0">
+                  <p:tgtEl>
+                    <p:sldTgt/>
+                  </p:tgtEl>
+                </p:cond>
+              </p:nextCondLst>
+            </p:seq>
+          </p:childTnLst>
+        </p:cTn>
+      </p:par>
+    </p:tnLst>
+    <p:bldLst>
+      <p:bldP spid="6" grpId="0" animBg="1"/>
+      <p:bldP spid="7" grpId="0" animBg="1"/>
+      <p:bldP spid="8" grpId="0" animBg="1"/>
+      <p:bldP spid="9" grpId="0" animBg="1"/>
+      <p:bldP spid="10" grpId="0" animBg="1"/>
+      <p:bldP spid="11" grpId="0" animBg="1"/>
+      <p:bldP spid="13" grpId="0" animBg="1"/>
+      <p:bldP spid="17" grpId="0"/>
+      <p:bldP spid="19" grpId="0" animBg="1"/>
+      <p:bldP spid="21" grpId="0" animBg="1"/>
+      <p:bldP spid="22" grpId="0"/>
+      <p:bldP spid="23" grpId="0"/>
+      <p:bldP spid="24" grpId="0"/>
+      <p:bldP spid="28" grpId="0" animBg="1"/>
+      <p:bldP spid="30" grpId="0" animBg="1"/>
+      <p:bldP spid="31" grpId="0"/>
+      <p:bldP spid="32" grpId="0"/>
+      <p:bldP spid="33" grpId="0" animBg="1"/>
+      <p:bldP spid="35" grpId="0"/>
+      <p:bldP spid="36" grpId="0" animBg="1"/>
+      <p:bldP spid="37" grpId="0" animBg="1"/>
+      <p:bldP spid="38" grpId="0" animBg="1"/>
+      <p:bldP spid="39" grpId="0" animBg="1"/>
+      <p:bldP spid="40" grpId="0"/>
+      <p:bldP spid="41" grpId="0" animBg="1"/>
+      <p:bldP spid="42" grpId="0"/>
+      <p:bldP spid="34" grpId="0"/>
+      <p:bldP spid="43" grpId="0" animBg="1"/>
+      <p:bldP spid="44" grpId="0"/>
+    </p:bldLst>
+  </p:timing>
+</p:sld>
+</file>
+
+<file path=ppt/slides/slide9.xml><?xml version="1.0" encoding="utf-8"?>
+<p:sld xmlns:a="http://schemas.openxmlformats.org/drawingml/2006/main" xmlns:r="http://schemas.openxmlformats.org/officeDocument/2006/relationships" xmlns:p="http://schemas.openxmlformats.org/presentationml/2006/main">
+  <p:cSld>
+    <p:spTree>
+      <p:nvGrpSpPr>
+        <p:cNvPr id="1" name=""/>
+        <p:cNvGrpSpPr/>
+        <p:nvPr/>
+      </p:nvGrpSpPr>
+      <p:grpSpPr>
+        <a:xfrm>
+          <a:off x="0" y="0"/>
+          <a:ext cx="0" cy="0"/>
+          <a:chOff x="0" y="0"/>
+          <a:chExt cx="0" cy="0"/>
+        </a:xfrm>
+      </p:grpSpPr>
+      <p:sp>
+        <p:nvSpPr>
           <p:cNvPr id="4" name="3 Título"/>
           <p:cNvSpPr>
             <a:spLocks noGrp="1"/>
@@ -10478,143 +16996,6 @@
     <p:extLst>
       <p:ext uri="{BB962C8B-B14F-4D97-AF65-F5344CB8AC3E}">
         <p14:creationId xmlns:p14="http://schemas.microsoft.com/office/powerpoint/2010/main" val="2894999404"/>
-      </p:ext>
-    </p:extLst>
-  </p:cSld>
-  <p:clrMapOvr>
-    <a:masterClrMapping/>
-  </p:clrMapOvr>
-  <p:timing>
-    <p:tnLst>
-      <p:par>
-        <p:cTn id="1" dur="indefinite" restart="never" nodeType="tmRoot"/>
-      </p:par>
-    </p:tnLst>
-  </p:timing>
-</p:sld>
-</file>
-
-<file path=ppt/slides/slide9.xml><?xml version="1.0" encoding="utf-8"?>
-<p:sld xmlns:a="http://schemas.openxmlformats.org/drawingml/2006/main" xmlns:r="http://schemas.openxmlformats.org/officeDocument/2006/relationships" xmlns:p="http://schemas.openxmlformats.org/presentationml/2006/main">
-  <p:cSld>
-    <p:spTree>
-      <p:nvGrpSpPr>
-        <p:cNvPr id="1" name=""/>
-        <p:cNvGrpSpPr/>
-        <p:nvPr/>
-      </p:nvGrpSpPr>
-      <p:grpSpPr>
-        <a:xfrm>
-          <a:off x="0" y="0"/>
-          <a:ext cx="0" cy="0"/>
-          <a:chOff x="0" y="0"/>
-          <a:chExt cx="0" cy="0"/>
-        </a:xfrm>
-      </p:grpSpPr>
-      <p:sp>
-        <p:nvSpPr>
-          <p:cNvPr id="4" name="3 Título"/>
-          <p:cNvSpPr>
-            <a:spLocks noGrp="1"/>
-          </p:cNvSpPr>
-          <p:nvPr>
-            <p:ph type="title"/>
-          </p:nvPr>
-        </p:nvSpPr>
-        <p:spPr/>
-        <p:txBody>
-          <a:bodyPr/>
-          <a:lstStyle/>
-          <a:p>
-            <a:r>
-              <a:rPr lang="en-AU" dirty="0" smtClean="0"/>
-              <a:t>Analysis of communities</a:t>
-            </a:r>
-            <a:endParaRPr lang="en-AU" dirty="0"/>
-          </a:p>
-        </p:txBody>
-      </p:sp>
-      <p:sp>
-        <p:nvSpPr>
-          <p:cNvPr id="5" name="4 Marcador de contenido"/>
-          <p:cNvSpPr>
-            <a:spLocks noGrp="1"/>
-          </p:cNvSpPr>
-          <p:nvPr>
-            <p:ph sz="quarter" idx="13"/>
-          </p:nvPr>
-        </p:nvSpPr>
-        <p:spPr/>
-        <p:txBody>
-          <a:bodyPr>
-            <a:normAutofit/>
-          </a:bodyPr>
-          <a:lstStyle/>
-          <a:p>
-            <a:r>
-              <a:rPr lang="en-AU" sz="2400" dirty="0" smtClean="0"/>
-              <a:t>Run the pipeline</a:t>
-            </a:r>
-          </a:p>
-          <a:p>
-            <a:r>
-              <a:rPr lang="en-AU" sz="2400" dirty="0" smtClean="0"/>
-              <a:t>Open .shared file in Excel</a:t>
-            </a:r>
-          </a:p>
-          <a:p>
-            <a:r>
-              <a:rPr lang="en-AU" sz="2400" dirty="0" smtClean="0"/>
-              <a:t>Open .design file in Excel</a:t>
-            </a:r>
-          </a:p>
-        </p:txBody>
-      </p:sp>
-      <p:sp>
-        <p:nvSpPr>
-          <p:cNvPr id="6" name="5 Marcador de contenido"/>
-          <p:cNvSpPr>
-            <a:spLocks noGrp="1"/>
-          </p:cNvSpPr>
-          <p:nvPr>
-            <p:ph sz="quarter" idx="14"/>
-          </p:nvPr>
-        </p:nvSpPr>
-        <p:spPr/>
-        <p:txBody>
-          <a:bodyPr>
-            <a:normAutofit/>
-          </a:bodyPr>
-          <a:lstStyle/>
-          <a:p>
-            <a:r>
-              <a:rPr lang="en-AU" sz="2400" dirty="0" smtClean="0"/>
-              <a:t>How many species were detected in total?</a:t>
-            </a:r>
-          </a:p>
-          <a:p>
-            <a:r>
-              <a:rPr lang="en-AU" sz="2400" dirty="0" smtClean="0"/>
-              <a:t>Which treatment has more species?</a:t>
-            </a:r>
-            <a:endParaRPr lang="en-AU" sz="2400" dirty="0" smtClean="0"/>
-          </a:p>
-          <a:p>
-            <a:r>
-              <a:rPr lang="en-AU" sz="2400" dirty="0" smtClean="0"/>
-              <a:t>Which treatment has higher diversity?</a:t>
-            </a:r>
-            <a:endParaRPr lang="en-AU" sz="2400" dirty="0" smtClean="0"/>
-          </a:p>
-          <a:p>
-            <a:endParaRPr lang="en-AU" sz="2400" dirty="0"/>
-          </a:p>
-        </p:txBody>
-      </p:sp>
-    </p:spTree>
-    <p:extLst>
-      <p:ext uri="{BB962C8B-B14F-4D97-AF65-F5344CB8AC3E}">
-        <p14:creationId xmlns:p14="http://schemas.microsoft.com/office/powerpoint/2010/main" val="744869900"/>
       </p:ext>
     </p:extLst>
   </p:cSld>

--- a/W3_16S_analysis.pptx
+++ b/W3_16S_analysis.pptx
@@ -464,11 +464,11 @@
         </c:dLbls>
         <c:marker val="1"/>
         <c:smooth val="0"/>
-        <c:axId val="89053056"/>
-        <c:axId val="99119104"/>
+        <c:axId val="103851136"/>
+        <c:axId val="103852672"/>
       </c:lineChart>
       <c:catAx>
-        <c:axId val="89053056"/>
+        <c:axId val="103851136"/>
         <c:scaling>
           <c:orientation val="minMax"/>
         </c:scaling>
@@ -488,7 +488,7 @@
             <a:endParaRPr lang="en-US"/>
           </a:p>
         </c:txPr>
-        <c:crossAx val="99119104"/>
+        <c:crossAx val="103852672"/>
         <c:crosses val="autoZero"/>
         <c:auto val="1"/>
         <c:lblAlgn val="ctr"/>
@@ -496,7 +496,7 @@
         <c:noMultiLvlLbl val="0"/>
       </c:catAx>
       <c:valAx>
-        <c:axId val="99119104"/>
+        <c:axId val="103852672"/>
         <c:scaling>
           <c:orientation val="minMax"/>
         </c:scaling>
@@ -527,7 +527,7 @@
         <c:majorTickMark val="none"/>
         <c:minorTickMark val="none"/>
         <c:tickLblPos val="nextTo"/>
-        <c:crossAx val="89053056"/>
+        <c:crossAx val="103851136"/>
         <c:crosses val="autoZero"/>
         <c:crossBetween val="between"/>
       </c:valAx>
@@ -6015,7 +6015,7 @@
           <a:p>
             <a:r>
               <a:rPr lang="en-US" dirty="0" smtClean="0"/>
-              <a:t>Pre clustering</a:t>
+              <a:t>What is pre-clustering</a:t>
             </a:r>
             <a:endParaRPr lang="en-US" dirty="0"/>
           </a:p>
@@ -8477,9 +8477,25 @@
           </a:bodyPr>
           <a:lstStyle/>
           <a:p>
+            <a:pPr marL="0" indent="0">
+              <a:buNone/>
+            </a:pPr>
+            <a:r>
+              <a:rPr lang="en-AU" sz="2800" b="1" dirty="0" smtClean="0"/>
+              <a:t>Today’s task</a:t>
+            </a:r>
+          </a:p>
+          <a:p>
+            <a:endParaRPr lang="en-AU" sz="2400" dirty="0" smtClean="0"/>
+          </a:p>
+          <a:p>
             <a:r>
               <a:rPr lang="en-AU" sz="2400" dirty="0" smtClean="0"/>
-              <a:t>Run the pipeline</a:t>
+              <a:t>Run </a:t>
+            </a:r>
+            <a:r>
+              <a:rPr lang="en-AU" sz="2400" dirty="0" smtClean="0"/>
+              <a:t>the pipeline</a:t>
             </a:r>
           </a:p>
           <a:p>
@@ -8491,13 +8507,8 @@
           <a:p>
             <a:r>
               <a:rPr lang="en-AU" sz="2400" dirty="0" smtClean="0"/>
-              <a:t>Open .design file in </a:t>
-            </a:r>
-            <a:r>
-              <a:rPr lang="en-AU" sz="2400" dirty="0" smtClean="0"/>
-              <a:t>Excel</a:t>
-            </a:r>
-            <a:endParaRPr lang="en-AU" sz="2400" dirty="0" smtClean="0"/>
+              <a:t>Open .design file in Excel</a:t>
+            </a:r>
           </a:p>
         </p:txBody>
       </p:sp>
@@ -8518,9 +8529,25 @@
           </a:bodyPr>
           <a:lstStyle/>
           <a:p>
+            <a:pPr marL="0" indent="0">
+              <a:buNone/>
+            </a:pPr>
+            <a:r>
+              <a:rPr lang="en-AU" sz="2800" b="1" dirty="0" smtClean="0"/>
+              <a:t>Today’s questions</a:t>
+            </a:r>
+          </a:p>
+          <a:p>
+            <a:endParaRPr lang="en-AU" sz="2400" dirty="0" smtClean="0"/>
+          </a:p>
+          <a:p>
             <a:r>
               <a:rPr lang="en-AU" sz="2400" dirty="0" smtClean="0"/>
-              <a:t>How many species were detected in total?</a:t>
+              <a:t>How </a:t>
+            </a:r>
+            <a:r>
+              <a:rPr lang="en-AU" sz="2400" dirty="0" smtClean="0"/>
+              <a:t>many species were detected in total?</a:t>
             </a:r>
           </a:p>
           <a:p>
@@ -8820,11 +8847,7 @@
           <a:p>
             <a:r>
               <a:rPr lang="en-AU" sz="2400" dirty="0" smtClean="0"/>
-              <a:t>Documents also </a:t>
-            </a:r>
-            <a:r>
-              <a:rPr lang="en-AU" sz="2400" dirty="0" smtClean="0"/>
-              <a:t>here</a:t>
+              <a:t>Documents also here</a:t>
             </a:r>
           </a:p>
           <a:p>
@@ -8843,7 +8866,6 @@
               <a:rPr lang="en-AU" sz="2400" dirty="0" smtClean="0"/>
               <a:t>github.com/carden24/MIC506-Workshop</a:t>
             </a:r>
-            <a:endParaRPr lang="en-AU" sz="2400" dirty="0" smtClean="0"/>
           </a:p>
           <a:p>
             <a:endParaRPr lang="en-AU" sz="2400" dirty="0" smtClean="0"/>
@@ -11413,7 +11435,7 @@
         </p:nvSpPr>
         <p:spPr>
           <a:xfrm>
-            <a:off x="6923194" y="2087510"/>
+            <a:off x="7057165" y="2060406"/>
             <a:ext cx="1331259" cy="584775"/>
           </a:xfrm>
           <a:prstGeom prst="rect">
@@ -11509,7 +11531,7 @@
         </p:nvSpPr>
         <p:spPr>
           <a:xfrm>
-            <a:off x="1475656" y="5809474"/>
+            <a:off x="1475656" y="5807005"/>
             <a:ext cx="1879607" cy="646331"/>
           </a:xfrm>
           <a:prstGeom prst="rect">
@@ -11557,8 +11579,8 @@
         </p:nvSpPr>
         <p:spPr>
           <a:xfrm>
-            <a:off x="1828800" y="978185"/>
-            <a:ext cx="860834" cy="454777"/>
+            <a:off x="1910966" y="1025224"/>
+            <a:ext cx="860834" cy="358722"/>
           </a:xfrm>
           <a:prstGeom prst="rightArrow">
             <a:avLst/>
@@ -11688,8 +11710,8 @@
         </p:nvSpPr>
         <p:spPr>
           <a:xfrm rot="10800000" flipH="1">
-            <a:off x="4446003" y="2039579"/>
-            <a:ext cx="1116598" cy="3300627"/>
+            <a:off x="4294629" y="1628800"/>
+            <a:ext cx="1267972" cy="4211274"/>
           </a:xfrm>
           <a:custGeom>
             <a:avLst/>
@@ -11774,6 +11796,46 @@
               <a:gd name="connsiteY8" fmla="*/ 3300627 h 3300627"/>
               <a:gd name="connsiteX9" fmla="*/ 0 w 1116598"/>
               <a:gd name="connsiteY9" fmla="*/ 3021478 h 3300627"/>
+              <a:gd name="connsiteX0" fmla="*/ 0 w 1116598"/>
+              <a:gd name="connsiteY0" fmla="*/ 3089229 h 3300627"/>
+              <a:gd name="connsiteX1" fmla="*/ 756867 w 1116598"/>
+              <a:gd name="connsiteY1" fmla="*/ 3021478 h 3300627"/>
+              <a:gd name="connsiteX2" fmla="*/ 756868 w 1116598"/>
+              <a:gd name="connsiteY2" fmla="*/ 279150 h 3300627"/>
+              <a:gd name="connsiteX3" fmla="*/ 558299 w 1116598"/>
+              <a:gd name="connsiteY3" fmla="*/ 279150 h 3300627"/>
+              <a:gd name="connsiteX4" fmla="*/ 837449 w 1116598"/>
+              <a:gd name="connsiteY4" fmla="*/ 0 h 3300627"/>
+              <a:gd name="connsiteX5" fmla="*/ 1116598 w 1116598"/>
+              <a:gd name="connsiteY5" fmla="*/ 279150 h 3300627"/>
+              <a:gd name="connsiteX6" fmla="*/ 977023 w 1116598"/>
+              <a:gd name="connsiteY6" fmla="*/ 279150 h 3300627"/>
+              <a:gd name="connsiteX7" fmla="*/ 977023 w 1116598"/>
+              <a:gd name="connsiteY7" fmla="*/ 3300627 h 3300627"/>
+              <a:gd name="connsiteX8" fmla="*/ 0 w 1116598"/>
+              <a:gd name="connsiteY8" fmla="*/ 3300627 h 3300627"/>
+              <a:gd name="connsiteX9" fmla="*/ 0 w 1116598"/>
+              <a:gd name="connsiteY9" fmla="*/ 3089229 h 3300627"/>
+              <a:gd name="connsiteX0" fmla="*/ 0 w 1116598"/>
+              <a:gd name="connsiteY0" fmla="*/ 3089229 h 3300627"/>
+              <a:gd name="connsiteX1" fmla="*/ 756867 w 1116598"/>
+              <a:gd name="connsiteY1" fmla="*/ 3089230 h 3300627"/>
+              <a:gd name="connsiteX2" fmla="*/ 756868 w 1116598"/>
+              <a:gd name="connsiteY2" fmla="*/ 279150 h 3300627"/>
+              <a:gd name="connsiteX3" fmla="*/ 558299 w 1116598"/>
+              <a:gd name="connsiteY3" fmla="*/ 279150 h 3300627"/>
+              <a:gd name="connsiteX4" fmla="*/ 837449 w 1116598"/>
+              <a:gd name="connsiteY4" fmla="*/ 0 h 3300627"/>
+              <a:gd name="connsiteX5" fmla="*/ 1116598 w 1116598"/>
+              <a:gd name="connsiteY5" fmla="*/ 279150 h 3300627"/>
+              <a:gd name="connsiteX6" fmla="*/ 977023 w 1116598"/>
+              <a:gd name="connsiteY6" fmla="*/ 279150 h 3300627"/>
+              <a:gd name="connsiteX7" fmla="*/ 977023 w 1116598"/>
+              <a:gd name="connsiteY7" fmla="*/ 3300627 h 3300627"/>
+              <a:gd name="connsiteX8" fmla="*/ 0 w 1116598"/>
+              <a:gd name="connsiteY8" fmla="*/ 3300627 h 3300627"/>
+              <a:gd name="connsiteX9" fmla="*/ 0 w 1116598"/>
+              <a:gd name="connsiteY9" fmla="*/ 3089229 h 3300627"/>
             </a:gdLst>
             <a:ahLst/>
             <a:cxnLst>
@@ -11812,13 +11874,13 @@
             <a:pathLst>
               <a:path w="1116598" h="3300627">
                 <a:moveTo>
-                  <a:pt x="0" y="3021478"/>
+                  <a:pt x="0" y="3089229"/>
                 </a:moveTo>
                 <a:lnTo>
-                  <a:pt x="756867" y="3021478"/>
+                  <a:pt x="756867" y="3089230"/>
                 </a:lnTo>
                 <a:cubicBezTo>
-                  <a:pt x="756867" y="2107369"/>
+                  <a:pt x="756867" y="2175121"/>
                   <a:pt x="756868" y="1193259"/>
                   <a:pt x="756868" y="279150"/>
                 </a:cubicBezTo>
@@ -11841,7 +11903,7 @@
                   <a:pt x="0" y="3300627"/>
                 </a:lnTo>
                 <a:lnTo>
-                  <a:pt x="0" y="3021478"/>
+                  <a:pt x="0" y="3089229"/>
                 </a:lnTo>
                 <a:close/>
               </a:path>
@@ -11884,8 +11946,8 @@
         </p:nvSpPr>
         <p:spPr>
           <a:xfrm>
-            <a:off x="4294630" y="976209"/>
-            <a:ext cx="889524" cy="456753"/>
+            <a:off x="4294630" y="1005038"/>
+            <a:ext cx="889524" cy="407738"/>
           </a:xfrm>
           <a:prstGeom prst="rightArrow">
             <a:avLst/>
@@ -11926,7 +11988,7 @@
         </p:nvSpPr>
         <p:spPr>
           <a:xfrm>
-            <a:off x="1601455" y="304800"/>
+            <a:off x="1601455" y="162577"/>
             <a:ext cx="1130438" cy="584775"/>
           </a:xfrm>
           <a:prstGeom prst="rect">
@@ -12025,12 +12087,6 @@
               </a:rPr>
               <a:t>)</a:t>
             </a:r>
-            <a:endParaRPr lang="en-US" sz="1400" dirty="0" smtClean="0">
-              <a:solidFill>
-                <a:prstClr val="black"/>
-              </a:solidFill>
-              <a:latin typeface="Helvetica Neue" panose="02000503000000020004" pitchFamily="2"/>
-            </a:endParaRPr>
           </a:p>
           <a:p>
             <a:pPr algn="ctr"/>
@@ -12057,7 +12113,7 @@
         </p:nvSpPr>
         <p:spPr>
           <a:xfrm>
-            <a:off x="7058613" y="162577"/>
+            <a:off x="6901998" y="120133"/>
             <a:ext cx="1963999" cy="954107"/>
           </a:xfrm>
           <a:prstGeom prst="rect">
@@ -12214,7 +12270,7 @@
         </p:nvSpPr>
         <p:spPr>
           <a:xfrm rot="5400000">
-            <a:off x="5708436" y="4653043"/>
+            <a:off x="5708436" y="4720646"/>
             <a:ext cx="1732597" cy="436639"/>
           </a:xfrm>
           <a:prstGeom prst="rightArrow">
@@ -12256,8 +12312,8 @@
         </p:nvSpPr>
         <p:spPr>
           <a:xfrm flipV="1">
-            <a:off x="6735637" y="1290731"/>
-            <a:ext cx="1071509" cy="796779"/>
+            <a:off x="6732240" y="1206272"/>
+            <a:ext cx="1361856" cy="782568"/>
           </a:xfrm>
           <a:prstGeom prst="bentUpArrow">
             <a:avLst>
@@ -12354,7 +12410,7 @@
         </p:nvSpPr>
         <p:spPr>
           <a:xfrm>
-            <a:off x="8258292" y="5404563"/>
+            <a:off x="8258292" y="5402094"/>
             <a:ext cx="755335" cy="307777"/>
           </a:xfrm>
           <a:prstGeom prst="rect">
@@ -12394,8 +12450,8 @@
         </p:nvSpPr>
         <p:spPr>
           <a:xfrm>
-            <a:off x="5004301" y="5950429"/>
-            <a:ext cx="3262426" cy="338554"/>
+            <a:off x="5004300" y="5947959"/>
+            <a:ext cx="3374103" cy="338554"/>
           </a:xfrm>
           <a:prstGeom prst="rect">
             <a:avLst/>
@@ -12494,7 +12550,7 @@
         </p:nvSpPr>
         <p:spPr>
           <a:xfrm>
-            <a:off x="6333227" y="3553271"/>
+            <a:off x="6191745" y="3526355"/>
             <a:ext cx="2199213" cy="338554"/>
           </a:xfrm>
           <a:prstGeom prst="rect">
@@ -12542,7 +12598,7 @@
         </p:nvSpPr>
         <p:spPr>
           <a:xfrm rot="5400000">
-            <a:off x="7245239" y="2853918"/>
+            <a:off x="7528070" y="2878155"/>
             <a:ext cx="695412" cy="436639"/>
           </a:xfrm>
           <a:prstGeom prst="rightArrow">
@@ -12584,7 +12640,7 @@
         </p:nvSpPr>
         <p:spPr>
           <a:xfrm rot="5400000">
-            <a:off x="7617231" y="5383669"/>
+            <a:off x="7689229" y="5424330"/>
             <a:ext cx="394850" cy="436639"/>
           </a:xfrm>
           <a:prstGeom prst="rightArrow">
@@ -12626,7 +12682,7 @@
         </p:nvSpPr>
         <p:spPr>
           <a:xfrm rot="10800000">
-            <a:off x="3849868" y="5875940"/>
+            <a:off x="3849868" y="5873471"/>
             <a:ext cx="889524" cy="456753"/>
           </a:xfrm>
           <a:prstGeom prst="rightArrow">
@@ -12668,7 +12724,7 @@
         </p:nvSpPr>
         <p:spPr>
           <a:xfrm>
-            <a:off x="3809185" y="5480667"/>
+            <a:off x="3809185" y="5478198"/>
             <a:ext cx="1162498" cy="307777"/>
           </a:xfrm>
           <a:prstGeom prst="rect">
@@ -12848,7 +12904,7 @@
         </p:nvSpPr>
         <p:spPr>
           <a:xfrm rot="5400000">
-            <a:off x="7499407" y="4137682"/>
+            <a:off x="7571406" y="4146739"/>
             <a:ext cx="625182" cy="431324"/>
           </a:xfrm>
           <a:prstGeom prst="rightArrow">
@@ -12890,7 +12946,7 @@
         </p:nvSpPr>
         <p:spPr>
           <a:xfrm>
-            <a:off x="1548009" y="5361632"/>
+            <a:off x="1548009" y="5359163"/>
             <a:ext cx="1478290" cy="307777"/>
           </a:xfrm>
           <a:prstGeom prst="rect">
@@ -12929,16 +12985,7 @@
                 </a:solidFill>
                 <a:latin typeface="Helvetica Neue" panose="02000503000000020004" pitchFamily="2"/>
               </a:rPr>
-              <a:t>Classify OTU</a:t>
-            </a:r>
-            <a:r>
-              <a:rPr lang="en-US" sz="1400" dirty="0" smtClean="0">
-                <a:solidFill>
-                  <a:prstClr val="black"/>
-                </a:solidFill>
-                <a:latin typeface="Helvetica Neue" panose="02000503000000020004" pitchFamily="2"/>
-              </a:rPr>
-              <a:t>s</a:t>
+              <a:t>Classify OTUs</a:t>
             </a:r>
             <a:endParaRPr lang="en-US" sz="1400" dirty="0">
               <a:solidFill>
@@ -14001,10 +14048,14 @@
           <a:lstStyle/>
           <a:p>
             <a:r>
-              <a:rPr lang="en-AU" dirty="0" err="1" smtClean="0"/>
+              <a:rPr lang="en-AU" dirty="0" smtClean="0"/>
+              <a:t>Contents of </a:t>
+            </a:r>
+            <a:r>
+              <a:rPr lang="en-AU" i="1" dirty="0" err="1" smtClean="0"/>
               <a:t>stability.batch</a:t>
             </a:r>
-            <a:endParaRPr lang="en-AU" dirty="0"/>
+            <a:endParaRPr lang="en-AU" i="1" dirty="0"/>
           </a:p>
         </p:txBody>
       </p:sp>

--- a/W3_16S_analysis.pptx
+++ b/W3_16S_analysis.pptx
@@ -7,7 +7,7 @@
   <p:sldIdLst>
     <p:sldId id="256" r:id="rId2"/>
     <p:sldId id="262" r:id="rId3"/>
-    <p:sldId id="257" r:id="rId4"/>
+    <p:sldId id="271" r:id="rId4"/>
     <p:sldId id="266" r:id="rId5"/>
     <p:sldId id="264" r:id="rId6"/>
     <p:sldId id="269" r:id="rId7"/>
@@ -121,7 +121,7 @@
           <p14:sldIdLst>
             <p14:sldId id="256"/>
             <p14:sldId id="262"/>
-            <p14:sldId id="257"/>
+            <p14:sldId id="271"/>
             <p14:sldId id="266"/>
             <p14:sldId id="264"/>
             <p14:sldId id="269"/>
@@ -5726,8 +5726,8 @@
               <a:buNone/>
             </a:pPr>
             <a:r>
-              <a:rPr lang="en-AU" b="1" dirty="0" smtClean="0"/>
-              <a:t>Interactively</a:t>
+              <a:rPr lang="en-AU" sz="2800" b="1" dirty="0" smtClean="0"/>
+              <a:t>1. Interactively</a:t>
             </a:r>
           </a:p>
           <a:p>
@@ -5787,7 +5787,7 @@
             </a:pPr>
             <a:r>
               <a:rPr lang="en-AU" sz="2800" b="1" dirty="0" smtClean="0"/>
-              <a:t>Batch mode</a:t>
+              <a:t>2. Batch mode</a:t>
             </a:r>
           </a:p>
           <a:p>
@@ -5826,6 +5826,25 @@
               <a:rPr lang="en-AU" sz="2400" dirty="0" smtClean="0"/>
               <a:t>&gt;</a:t>
             </a:r>
+          </a:p>
+          <a:p>
+            <a:endParaRPr lang="en-AU" sz="2400" dirty="0"/>
+          </a:p>
+          <a:p>
+            <a:endParaRPr lang="en-AU" sz="2400" dirty="0" smtClean="0"/>
+          </a:p>
+          <a:p>
+            <a:pPr marL="0" indent="0">
+              <a:buNone/>
+            </a:pPr>
+            <a:r>
+              <a:rPr lang="en-AU" sz="2800" b="1" dirty="0" smtClean="0"/>
+              <a:t>3. GUI</a:t>
+            </a:r>
+            <a:endParaRPr lang="en-AU" sz="2800" b="1" dirty="0"/>
+          </a:p>
+          <a:p>
+            <a:endParaRPr lang="en-AU" sz="2400" dirty="0" smtClean="0"/>
           </a:p>
           <a:p>
             <a:endParaRPr lang="en-AU" dirty="0"/>
@@ -5835,7 +5854,7 @@
     </p:spTree>
     <p:extLst>
       <p:ext uri="{BB962C8B-B14F-4D97-AF65-F5344CB8AC3E}">
-        <p14:creationId xmlns:p14="http://schemas.microsoft.com/office/powerpoint/2010/main" val="3047208240"/>
+        <p14:creationId xmlns:p14="http://schemas.microsoft.com/office/powerpoint/2010/main" val="3837094013"/>
       </p:ext>
     </p:extLst>
   </p:cSld>

--- a/W3_16S_analysis.pptx
+++ b/W3_16S_analysis.pptx
@@ -9575,6 +9575,44 @@
       </p:grpSpPr>
       <p:sp>
         <p:nvSpPr>
+          <p:cNvPr id="7" name="Rectangle 6"/>
+          <p:cNvSpPr/>
+          <p:nvPr/>
+        </p:nvSpPr>
+        <p:spPr>
+          <a:xfrm>
+            <a:off x="0" y="5949280"/>
+            <a:ext cx="9144000" cy="914566"/>
+          </a:xfrm>
+          <a:prstGeom prst="rect">
+            <a:avLst/>
+          </a:prstGeom>
+        </p:spPr>
+        <p:style>
+          <a:lnRef idx="2">
+            <a:schemeClr val="accent6"/>
+          </a:lnRef>
+          <a:fillRef idx="1">
+            <a:schemeClr val="lt1"/>
+          </a:fillRef>
+          <a:effectRef idx="0">
+            <a:schemeClr val="accent6"/>
+          </a:effectRef>
+          <a:fontRef idx="minor">
+            <a:schemeClr val="dk1"/>
+          </a:fontRef>
+        </p:style>
+        <p:txBody>
+          <a:bodyPr rtlCol="0" anchor="ctr"/>
+          <a:lstStyle/>
+          <a:p>
+            <a:pPr algn="ctr"/>
+            <a:endParaRPr lang="en-US"/>
+          </a:p>
+        </p:txBody>
+      </p:sp>
+      <p:sp>
+        <p:nvSpPr>
           <p:cNvPr id="4" name="3 Título"/>
           <p:cNvSpPr>
             <a:spLocks noGrp="1"/>
@@ -12573,12 +12611,12 @@
           <a:lstStyle/>
           <a:p>
             <a:r>
-              <a:rPr lang="en-AU" dirty="0" err="1" smtClean="0"/>
-              <a:t>Plattform</a:t>
-            </a:r>
-            <a:r>
               <a:rPr lang="en-AU" dirty="0" smtClean="0"/>
-              <a:t>-specific step</a:t>
+              <a:t>Platform-specific </a:t>
+            </a:r>
+            <a:r>
+              <a:rPr lang="en-AU" dirty="0" smtClean="0"/>
+              <a:t>step</a:t>
             </a:r>
             <a:endParaRPr lang="en-AU" dirty="0"/>
           </a:p>
